--- a/Tutoriel_Playwright_GLSI.pptx
+++ b/Tutoriel_Playwright_GLSI.pptx
@@ -4,34 +4,43 @@
   <p:sldMasterIdLst>
     <p:sldMasterId id="2147483648" r:id="rId1"/>
   </p:sldMasterIdLst>
+  <p:notesMasterIdLst>
+    <p:notesMasterId r:id="rId33"/>
+  </p:notesMasterIdLst>
+  <p:handoutMasterIdLst>
+    <p:handoutMasterId r:id="rId34"/>
+  </p:handoutMasterIdLst>
   <p:sldIdLst>
     <p:sldId id="256" r:id="rId3"/>
     <p:sldId id="257" r:id="rId4"/>
     <p:sldId id="258" r:id="rId5"/>
     <p:sldId id="259" r:id="rId6"/>
-    <p:sldId id="260" r:id="rId7"/>
-    <p:sldId id="261" r:id="rId8"/>
-    <p:sldId id="262" r:id="rId9"/>
-    <p:sldId id="263" r:id="rId10"/>
-    <p:sldId id="264" r:id="rId11"/>
-    <p:sldId id="265" r:id="rId12"/>
-    <p:sldId id="266" r:id="rId13"/>
-    <p:sldId id="267" r:id="rId14"/>
-    <p:sldId id="268" r:id="rId15"/>
-    <p:sldId id="269" r:id="rId16"/>
-    <p:sldId id="270" r:id="rId17"/>
-    <p:sldId id="271" r:id="rId18"/>
-    <p:sldId id="272" r:id="rId19"/>
-    <p:sldId id="273" r:id="rId20"/>
-    <p:sldId id="274" r:id="rId21"/>
-    <p:sldId id="275" r:id="rId22"/>
-    <p:sldId id="276" r:id="rId23"/>
-    <p:sldId id="277" r:id="rId24"/>
-    <p:sldId id="278" r:id="rId25"/>
-    <p:sldId id="279" r:id="rId26"/>
-    <p:sldId id="280" r:id="rId27"/>
-    <p:sldId id="281" r:id="rId28"/>
-    <p:sldId id="282" r:id="rId29"/>
+    <p:sldId id="284" r:id="rId7"/>
+    <p:sldId id="260" r:id="rId8"/>
+    <p:sldId id="261" r:id="rId9"/>
+    <p:sldId id="262" r:id="rId10"/>
+    <p:sldId id="263" r:id="rId11"/>
+    <p:sldId id="264" r:id="rId12"/>
+    <p:sldId id="265" r:id="rId13"/>
+    <p:sldId id="266" r:id="rId14"/>
+    <p:sldId id="267" r:id="rId15"/>
+    <p:sldId id="268" r:id="rId16"/>
+    <p:sldId id="269" r:id="rId17"/>
+    <p:sldId id="270" r:id="rId18"/>
+    <p:sldId id="271" r:id="rId19"/>
+    <p:sldId id="272" r:id="rId20"/>
+    <p:sldId id="273" r:id="rId21"/>
+    <p:sldId id="274" r:id="rId22"/>
+    <p:sldId id="275" r:id="rId23"/>
+    <p:sldId id="283" r:id="rId24"/>
+    <p:sldId id="276" r:id="rId25"/>
+    <p:sldId id="285" r:id="rId26"/>
+    <p:sldId id="277" r:id="rId27"/>
+    <p:sldId id="278" r:id="rId28"/>
+    <p:sldId id="279" r:id="rId29"/>
+    <p:sldId id="280" r:id="rId30"/>
+    <p:sldId id="281" r:id="rId31"/>
+    <p:sldId id="282" r:id="rId32"/>
   </p:sldIdLst>
   <p:sldSz cx="9144000" cy="6858000" type="screen4x3"/>
   <p:notesSz cx="6858000" cy="9144000"/>
@@ -147,6 +156,511 @@
     </p:ext>
   </p:extLst>
 </p:presentation>
+</file>
+
+<file path=ppt/handoutMasters/handoutMaster1.xml><?xml version="1.0" encoding="utf-8"?>
+<p:handoutMaster xmlns:a="http://schemas.openxmlformats.org/drawingml/2006/main" xmlns:r="http://schemas.openxmlformats.org/officeDocument/2006/relationships" xmlns:p="http://schemas.openxmlformats.org/presentationml/2006/main">
+  <p:cSld>
+    <p:bg>
+      <p:bgRef idx="1001">
+        <a:schemeClr val="bg1"/>
+      </p:bgRef>
+    </p:bg>
+    <p:spTree>
+      <p:nvGrpSpPr>
+        <p:cNvPr id="1" name=""/>
+        <p:cNvGrpSpPr/>
+        <p:nvPr/>
+      </p:nvGrpSpPr>
+      <p:grpSpPr>
+        <a:xfrm>
+          <a:off x="0" y="0"/>
+          <a:ext cx="0" cy="0"/>
+          <a:chOff x="0" y="0"/>
+          <a:chExt cx="0" cy="0"/>
+        </a:xfrm>
+      </p:grpSpPr>
+      <p:sp>
+        <p:nvSpPr>
+          <p:cNvPr id="2" name="Header Placeholder 1"/>
+          <p:cNvSpPr>
+            <a:spLocks noGrp="1"/>
+          </p:cNvSpPr>
+          <p:nvPr>
+            <p:ph type="hdr" sz="quarter"/>
+          </p:nvPr>
+        </p:nvSpPr>
+        <p:spPr>
+          <a:xfrm>
+            <a:off x="0" y="0"/>
+            <a:ext cx="2971800" cy="458788"/>
+          </a:xfrm>
+          <a:prstGeom prst="rect">
+            <a:avLst/>
+          </a:prstGeom>
+        </p:spPr>
+        <p:txBody>
+          <a:bodyPr vert="horz" lIns="91440" tIns="45720" rIns="91440" bIns="45720" rtlCol="0"/>
+          <a:lstStyle>
+            <a:lvl1pPr algn="l">
+              <a:defRPr sz="1200"/>
+            </a:lvl1pPr>
+          </a:lstStyle>
+          <a:p>
+            <a:endParaRPr lang="en-US"/>
+          </a:p>
+        </p:txBody>
+      </p:sp>
+      <p:sp>
+        <p:nvSpPr>
+          <p:cNvPr id="3" name="Date Placeholder 2"/>
+          <p:cNvSpPr>
+            <a:spLocks noGrp="1"/>
+          </p:cNvSpPr>
+          <p:nvPr>
+            <p:ph type="dt" sz="quarter" idx="1"/>
+          </p:nvPr>
+        </p:nvSpPr>
+        <p:spPr>
+          <a:xfrm>
+            <a:off x="3884613" y="0"/>
+            <a:ext cx="2971800" cy="458788"/>
+          </a:xfrm>
+          <a:prstGeom prst="rect">
+            <a:avLst/>
+          </a:prstGeom>
+        </p:spPr>
+        <p:txBody>
+          <a:bodyPr vert="horz" lIns="91440" tIns="45720" rIns="91440" bIns="45720" rtlCol="0"/>
+          <a:lstStyle>
+            <a:lvl1pPr algn="r">
+              <a:defRPr sz="1200"/>
+            </a:lvl1pPr>
+          </a:lstStyle>
+          <a:p>
+            <a:fld id="{696C064A-D61B-4B21-B757-51A9B82445B8}" type="datetimeFigureOut">
+              <a:rPr lang="en-US" smtClean="0"/>
+            </a:fld>
+            <a:endParaRPr lang="en-US"/>
+          </a:p>
+        </p:txBody>
+      </p:sp>
+      <p:sp>
+        <p:nvSpPr>
+          <p:cNvPr id="4" name="Footer Placeholder 3"/>
+          <p:cNvSpPr>
+            <a:spLocks noGrp="1"/>
+          </p:cNvSpPr>
+          <p:nvPr>
+            <p:ph type="ftr" sz="quarter" idx="2"/>
+          </p:nvPr>
+        </p:nvSpPr>
+        <p:spPr>
+          <a:xfrm>
+            <a:off x="0" y="8685213"/>
+            <a:ext cx="2971800" cy="458787"/>
+          </a:xfrm>
+          <a:prstGeom prst="rect">
+            <a:avLst/>
+          </a:prstGeom>
+        </p:spPr>
+        <p:txBody>
+          <a:bodyPr vert="horz" lIns="91440" tIns="45720" rIns="91440" bIns="45720" rtlCol="0" anchor="b"/>
+          <a:lstStyle>
+            <a:lvl1pPr algn="l">
+              <a:defRPr sz="1200"/>
+            </a:lvl1pPr>
+          </a:lstStyle>
+          <a:p>
+            <a:endParaRPr lang="en-US"/>
+          </a:p>
+        </p:txBody>
+      </p:sp>
+      <p:sp>
+        <p:nvSpPr>
+          <p:cNvPr id="5" name="Slide Number Placeholder 4"/>
+          <p:cNvSpPr>
+            <a:spLocks noGrp="1"/>
+          </p:cNvSpPr>
+          <p:nvPr>
+            <p:ph type="sldNum" sz="quarter" idx="3"/>
+          </p:nvPr>
+        </p:nvSpPr>
+        <p:spPr>
+          <a:xfrm>
+            <a:off x="3884613" y="8685213"/>
+            <a:ext cx="2971800" cy="458787"/>
+          </a:xfrm>
+          <a:prstGeom prst="rect">
+            <a:avLst/>
+          </a:prstGeom>
+        </p:spPr>
+        <p:txBody>
+          <a:bodyPr vert="horz" lIns="91440" tIns="45720" rIns="91440" bIns="45720" rtlCol="0" anchor="b"/>
+          <a:lstStyle>
+            <a:lvl1pPr algn="r">
+              <a:defRPr sz="1200"/>
+            </a:lvl1pPr>
+          </a:lstStyle>
+          <a:p>
+            <a:fld id="{50305E07-67EA-4042-A3F6-853A8AD8D209}" type="slidenum">
+              <a:rPr lang="en-US" smtClean="0"/>
+            </a:fld>
+            <a:endParaRPr lang="en-US"/>
+          </a:p>
+        </p:txBody>
+      </p:sp>
+    </p:spTree>
+  </p:cSld>
+  <p:clrMap bg1="lt1" tx1="dk1" bg2="lt2" tx2="dk2" accent1="accent1" accent2="accent2" accent3="accent3" accent4="accent4" accent5="accent5" accent6="accent6" hlink="hlink" folHlink="folHlink"/>
+</p:handoutMaster>
+</file>
+
+<file path=ppt/notesMasters/notesMaster1.xml><?xml version="1.0" encoding="utf-8"?>
+<p:notesMaster xmlns:a="http://schemas.openxmlformats.org/drawingml/2006/main" xmlns:r="http://schemas.openxmlformats.org/officeDocument/2006/relationships" xmlns:p="http://schemas.openxmlformats.org/presentationml/2006/main">
+  <p:cSld>
+    <p:bg>
+      <p:bgRef idx="1001">
+        <a:schemeClr val="bg1"/>
+      </p:bgRef>
+    </p:bg>
+    <p:spTree>
+      <p:nvGrpSpPr>
+        <p:cNvPr id="1" name=""/>
+        <p:cNvGrpSpPr/>
+        <p:nvPr/>
+      </p:nvGrpSpPr>
+      <p:grpSpPr>
+        <a:xfrm>
+          <a:off x="0" y="0"/>
+          <a:ext cx="0" cy="0"/>
+          <a:chOff x="0" y="0"/>
+          <a:chExt cx="0" cy="0"/>
+        </a:xfrm>
+      </p:grpSpPr>
+      <p:sp>
+        <p:nvSpPr>
+          <p:cNvPr id="2" name="Header Placeholder 1"/>
+          <p:cNvSpPr>
+            <a:spLocks noGrp="1"/>
+          </p:cNvSpPr>
+          <p:nvPr>
+            <p:ph type="hdr" sz="quarter"/>
+          </p:nvPr>
+        </p:nvSpPr>
+        <p:spPr>
+          <a:xfrm>
+            <a:off x="0" y="0"/>
+            <a:ext cx="2971800" cy="458788"/>
+          </a:xfrm>
+          <a:prstGeom prst="rect">
+            <a:avLst/>
+          </a:prstGeom>
+        </p:spPr>
+        <p:txBody>
+          <a:bodyPr vert="horz" lIns="91440" tIns="45720" rIns="91440" bIns="45720" rtlCol="0"/>
+          <a:lstStyle>
+            <a:lvl1pPr algn="l">
+              <a:defRPr sz="1200"/>
+            </a:lvl1pPr>
+          </a:lstStyle>
+          <a:p>
+            <a:endParaRPr lang="en-US"/>
+          </a:p>
+        </p:txBody>
+      </p:sp>
+      <p:sp>
+        <p:nvSpPr>
+          <p:cNvPr id="3" name="Date Placeholder 2"/>
+          <p:cNvSpPr>
+            <a:spLocks noGrp="1"/>
+          </p:cNvSpPr>
+          <p:nvPr>
+            <p:ph type="dt" idx="1"/>
+          </p:nvPr>
+        </p:nvSpPr>
+        <p:spPr>
+          <a:xfrm>
+            <a:off x="3884613" y="0"/>
+            <a:ext cx="2971800" cy="458788"/>
+          </a:xfrm>
+          <a:prstGeom prst="rect">
+            <a:avLst/>
+          </a:prstGeom>
+        </p:spPr>
+        <p:txBody>
+          <a:bodyPr vert="horz" lIns="91440" tIns="45720" rIns="91440" bIns="45720" rtlCol="0"/>
+          <a:lstStyle>
+            <a:lvl1pPr algn="r">
+              <a:defRPr sz="1200"/>
+            </a:lvl1pPr>
+          </a:lstStyle>
+          <a:p>
+            <a:fld id="{3EFD42F7-718C-4B98-AAEC-167E6DDD60A7}" type="datetimeFigureOut">
+              <a:rPr lang="en-US" smtClean="0"/>
+            </a:fld>
+            <a:endParaRPr lang="en-US"/>
+          </a:p>
+        </p:txBody>
+      </p:sp>
+      <p:sp>
+        <p:nvSpPr>
+          <p:cNvPr id="4" name="Slide Image Placeholder 3"/>
+          <p:cNvSpPr>
+            <a:spLocks noGrp="1" noRot="1" noChangeAspect="1"/>
+          </p:cNvSpPr>
+          <p:nvPr>
+            <p:ph type="sldImg" idx="2"/>
+          </p:nvPr>
+        </p:nvSpPr>
+        <p:spPr>
+          <a:xfrm>
+            <a:off x="1371600" y="1143000"/>
+            <a:ext cx="4114800" cy="3086100"/>
+          </a:xfrm>
+          <a:prstGeom prst="rect">
+            <a:avLst/>
+          </a:prstGeom>
+          <a:noFill/>
+          <a:ln w="12700">
+            <a:solidFill>
+              <a:prstClr val="black"/>
+            </a:solidFill>
+          </a:ln>
+        </p:spPr>
+        <p:txBody>
+          <a:bodyPr vert="horz" lIns="91440" tIns="45720" rIns="91440" bIns="45720" rtlCol="0" anchor="ctr"/>
+          <a:lstStyle/>
+          <a:p>
+            <a:endParaRPr lang="en-US"/>
+          </a:p>
+        </p:txBody>
+      </p:sp>
+      <p:sp>
+        <p:nvSpPr>
+          <p:cNvPr id="5" name="Notes Placeholder 4"/>
+          <p:cNvSpPr>
+            <a:spLocks noGrp="1"/>
+          </p:cNvSpPr>
+          <p:nvPr>
+            <p:ph type="body" sz="quarter" idx="3"/>
+          </p:nvPr>
+        </p:nvSpPr>
+        <p:spPr>
+          <a:xfrm>
+            <a:off x="685800" y="4400550"/>
+            <a:ext cx="5486400" cy="3600450"/>
+          </a:xfrm>
+          <a:prstGeom prst="rect">
+            <a:avLst/>
+          </a:prstGeom>
+        </p:spPr>
+        <p:txBody>
+          <a:bodyPr vert="horz" lIns="91440" tIns="45720" rIns="91440" bIns="45720" rtlCol="0"/>
+          <a:lstStyle/>
+          <a:p>
+            <a:pPr lvl="0"/>
+            <a:r>
+              <a:rPr lang="en-US" smtClean="0"/>
+              <a:t>Click to edit Master text styles</a:t>
+            </a:r>
+            <a:endParaRPr lang="en-US" smtClean="0"/>
+          </a:p>
+          <a:p>
+            <a:pPr lvl="1"/>
+            <a:r>
+              <a:rPr lang="en-US" smtClean="0"/>
+              <a:t>Second level</a:t>
+            </a:r>
+            <a:endParaRPr lang="en-US" smtClean="0"/>
+          </a:p>
+          <a:p>
+            <a:pPr lvl="2"/>
+            <a:r>
+              <a:rPr lang="en-US" smtClean="0"/>
+              <a:t>Third level</a:t>
+            </a:r>
+            <a:endParaRPr lang="en-US" smtClean="0"/>
+          </a:p>
+          <a:p>
+            <a:pPr lvl="3"/>
+            <a:r>
+              <a:rPr lang="en-US" smtClean="0"/>
+              <a:t>Fourth level</a:t>
+            </a:r>
+            <a:endParaRPr lang="en-US" smtClean="0"/>
+          </a:p>
+          <a:p>
+            <a:pPr lvl="4"/>
+            <a:r>
+              <a:rPr lang="en-US" smtClean="0"/>
+              <a:t>Fifth level</a:t>
+            </a:r>
+            <a:endParaRPr lang="en-US"/>
+          </a:p>
+        </p:txBody>
+      </p:sp>
+      <p:sp>
+        <p:nvSpPr>
+          <p:cNvPr id="6" name="Footer Placeholder 5"/>
+          <p:cNvSpPr>
+            <a:spLocks noGrp="1"/>
+          </p:cNvSpPr>
+          <p:nvPr>
+            <p:ph type="ftr" sz="quarter" idx="4"/>
+          </p:nvPr>
+        </p:nvSpPr>
+        <p:spPr>
+          <a:xfrm>
+            <a:off x="0" y="8685213"/>
+            <a:ext cx="2971800" cy="458787"/>
+          </a:xfrm>
+          <a:prstGeom prst="rect">
+            <a:avLst/>
+          </a:prstGeom>
+        </p:spPr>
+        <p:txBody>
+          <a:bodyPr vert="horz" lIns="91440" tIns="45720" rIns="91440" bIns="45720" rtlCol="0" anchor="b"/>
+          <a:lstStyle>
+            <a:lvl1pPr algn="l">
+              <a:defRPr sz="1200"/>
+            </a:lvl1pPr>
+          </a:lstStyle>
+          <a:p>
+            <a:endParaRPr lang="en-US"/>
+          </a:p>
+        </p:txBody>
+      </p:sp>
+      <p:sp>
+        <p:nvSpPr>
+          <p:cNvPr id="7" name="Slide Number Placeholder 6"/>
+          <p:cNvSpPr>
+            <a:spLocks noGrp="1"/>
+          </p:cNvSpPr>
+          <p:nvPr>
+            <p:ph type="sldNum" sz="quarter" idx="5"/>
+          </p:nvPr>
+        </p:nvSpPr>
+        <p:spPr>
+          <a:xfrm>
+            <a:off x="3884613" y="8685213"/>
+            <a:ext cx="2971800" cy="458787"/>
+          </a:xfrm>
+          <a:prstGeom prst="rect">
+            <a:avLst/>
+          </a:prstGeom>
+        </p:spPr>
+        <p:txBody>
+          <a:bodyPr vert="horz" lIns="91440" tIns="45720" rIns="91440" bIns="45720" rtlCol="0" anchor="b"/>
+          <a:lstStyle>
+            <a:lvl1pPr algn="r">
+              <a:defRPr sz="1200"/>
+            </a:lvl1pPr>
+          </a:lstStyle>
+          <a:p>
+            <a:fld id="{21B2AA4F-B828-4D7C-AFD3-893933DAFCB4}" type="slidenum">
+              <a:rPr lang="en-US" smtClean="0"/>
+            </a:fld>
+            <a:endParaRPr lang="en-US"/>
+          </a:p>
+        </p:txBody>
+      </p:sp>
+    </p:spTree>
+  </p:cSld>
+  <p:clrMap bg1="lt1" tx1="dk1" bg2="lt2" tx2="dk2" accent1="accent1" accent2="accent2" accent3="accent3" accent4="accent4" accent5="accent5" accent6="accent6" hlink="hlink" folHlink="folHlink"/>
+  <p:notesStyle>
+    <a:lvl1pPr marL="0" algn="l" defTabSz="914400" rtl="0" eaLnBrk="1" latinLnBrk="0" hangingPunct="1">
+      <a:defRPr sz="1200" kern="1200">
+        <a:solidFill>
+          <a:schemeClr val="tx1"/>
+        </a:solidFill>
+        <a:latin typeface="+mn-lt"/>
+        <a:ea typeface="+mn-ea"/>
+        <a:cs typeface="+mn-cs"/>
+      </a:defRPr>
+    </a:lvl1pPr>
+    <a:lvl2pPr marL="457200" algn="l" defTabSz="914400" rtl="0" eaLnBrk="1" latinLnBrk="0" hangingPunct="1">
+      <a:defRPr sz="1200" kern="1200">
+        <a:solidFill>
+          <a:schemeClr val="tx1"/>
+        </a:solidFill>
+        <a:latin typeface="+mn-lt"/>
+        <a:ea typeface="+mn-ea"/>
+        <a:cs typeface="+mn-cs"/>
+      </a:defRPr>
+    </a:lvl2pPr>
+    <a:lvl3pPr marL="914400" algn="l" defTabSz="914400" rtl="0" eaLnBrk="1" latinLnBrk="0" hangingPunct="1">
+      <a:defRPr sz="1200" kern="1200">
+        <a:solidFill>
+          <a:schemeClr val="tx1"/>
+        </a:solidFill>
+        <a:latin typeface="+mn-lt"/>
+        <a:ea typeface="+mn-ea"/>
+        <a:cs typeface="+mn-cs"/>
+      </a:defRPr>
+    </a:lvl3pPr>
+    <a:lvl4pPr marL="1371600" algn="l" defTabSz="914400" rtl="0" eaLnBrk="1" latinLnBrk="0" hangingPunct="1">
+      <a:defRPr sz="1200" kern="1200">
+        <a:solidFill>
+          <a:schemeClr val="tx1"/>
+        </a:solidFill>
+        <a:latin typeface="+mn-lt"/>
+        <a:ea typeface="+mn-ea"/>
+        <a:cs typeface="+mn-cs"/>
+      </a:defRPr>
+    </a:lvl4pPr>
+    <a:lvl5pPr marL="1828800" algn="l" defTabSz="914400" rtl="0" eaLnBrk="1" latinLnBrk="0" hangingPunct="1">
+      <a:defRPr sz="1200" kern="1200">
+        <a:solidFill>
+          <a:schemeClr val="tx1"/>
+        </a:solidFill>
+        <a:latin typeface="+mn-lt"/>
+        <a:ea typeface="+mn-ea"/>
+        <a:cs typeface="+mn-cs"/>
+      </a:defRPr>
+    </a:lvl5pPr>
+    <a:lvl6pPr marL="2286000" algn="l" defTabSz="914400" rtl="0" eaLnBrk="1" latinLnBrk="0" hangingPunct="1">
+      <a:defRPr sz="1200" kern="1200">
+        <a:solidFill>
+          <a:schemeClr val="tx1"/>
+        </a:solidFill>
+        <a:latin typeface="+mn-lt"/>
+        <a:ea typeface="+mn-ea"/>
+        <a:cs typeface="+mn-cs"/>
+      </a:defRPr>
+    </a:lvl6pPr>
+    <a:lvl7pPr marL="2743200" algn="l" defTabSz="914400" rtl="0" eaLnBrk="1" latinLnBrk="0" hangingPunct="1">
+      <a:defRPr sz="1200" kern="1200">
+        <a:solidFill>
+          <a:schemeClr val="tx1"/>
+        </a:solidFill>
+        <a:latin typeface="+mn-lt"/>
+        <a:ea typeface="+mn-ea"/>
+        <a:cs typeface="+mn-cs"/>
+      </a:defRPr>
+    </a:lvl7pPr>
+    <a:lvl8pPr marL="3200400" algn="l" defTabSz="914400" rtl="0" eaLnBrk="1" latinLnBrk="0" hangingPunct="1">
+      <a:defRPr sz="1200" kern="1200">
+        <a:solidFill>
+          <a:schemeClr val="tx1"/>
+        </a:solidFill>
+        <a:latin typeface="+mn-lt"/>
+        <a:ea typeface="+mn-ea"/>
+        <a:cs typeface="+mn-cs"/>
+      </a:defRPr>
+    </a:lvl8pPr>
+    <a:lvl9pPr marL="3657600" algn="l" defTabSz="914400" rtl="0" eaLnBrk="1" latinLnBrk="0" hangingPunct="1">
+      <a:defRPr sz="1200" kern="1200">
+        <a:solidFill>
+          <a:schemeClr val="tx1"/>
+        </a:solidFill>
+        <a:latin typeface="+mn-lt"/>
+        <a:ea typeface="+mn-ea"/>
+        <a:cs typeface="+mn-cs"/>
+      </a:defRPr>
+    </a:lvl9pPr>
+  </p:notesStyle>
+</p:notesMaster>
 </file>
 
 <file path=ppt/slideLayouts/slideLayout1.xml><?xml version="1.0" encoding="utf-8"?>
@@ -3212,7 +3726,7 @@
         <p:spPr>
           <a:xfrm>
             <a:off x="457200" y="5029200"/>
-            <a:ext cx="8229600" cy="1371600"/>
+            <a:ext cx="4815840" cy="829945"/>
           </a:xfrm>
           <a:prstGeom prst="rect">
             <a:avLst/>
@@ -3225,7 +3739,7 @@
           </a:bodyPr>
           <a:lstStyle/>
           <a:p>
-            <a:pPr>
+            <a:pPr algn="l">
               <a:defRPr sz="1600">
                 <a:solidFill>
                   <a:srgbClr val="E0E0E0"/>
@@ -3234,11 +3748,16 @@
               </a:defRPr>
             </a:pPr>
             <a:r>
-              <a:t>Cours : Test et Qualité Logicielle</a:t>
-            </a:r>
-          </a:p>
-          <a:p>
-            <a:pPr>
+              <a:t>Cours : </a:t>
+            </a:r>
+            <a:r>
+              <a:rPr lang="en-US" altLang="en-US"/>
+              <a:t>Qualité logicielle et automatisation des tests</a:t>
+            </a:r>
+            <a:endParaRPr lang="en-US" altLang="en-US"/>
+          </a:p>
+          <a:p>
+            <a:pPr algn="l">
               <a:defRPr sz="1600">
                 <a:solidFill>
                   <a:srgbClr val="E0E0E0"/>
@@ -3249,9 +3768,14 @@
             <a:r>
               <a:t>Classe : GLSI</a:t>
             </a:r>
-          </a:p>
-          <a:p>
-            <a:pPr>
+            <a:r>
+              <a:rPr lang="en-US"/>
+              <a:t> A</a:t>
+            </a:r>
+            <a:endParaRPr lang="en-US"/>
+          </a:p>
+          <a:p>
+            <a:pPr algn="l">
               <a:defRPr sz="1600">
                 <a:solidFill>
                   <a:srgbClr val="E0E0E0"/>
@@ -3260,8 +3784,10 @@
               </a:defRPr>
             </a:pPr>
             <a:r>
-              <a:t>Session Exceptionnelle - Janvier 2026</a:t>
-            </a:r>
+              <a:rPr lang="en-US"/>
+              <a:t>Mohamed Iheb Abdelali</a:t>
+            </a:r>
+            <a:endParaRPr lang="en-US"/>
           </a:p>
         </p:txBody>
       </p:sp>
@@ -3274,6 +3800,238 @@
 </file>
 
 <file path=ppt/slides/slide10.xml><?xml version="1.0" encoding="utf-8"?>
+<p:sld xmlns:a="http://schemas.openxmlformats.org/drawingml/2006/main" xmlns:r="http://schemas.openxmlformats.org/officeDocument/2006/relationships" xmlns:p="http://schemas.openxmlformats.org/presentationml/2006/main">
+  <p:cSld>
+    <p:bg>
+      <p:bgPr>
+        <a:solidFill>
+          <a:srgbClr val="1A1A2E"/>
+        </a:solidFill>
+        <a:effectLst/>
+      </p:bgPr>
+    </p:bg>
+    <p:spTree>
+      <p:nvGrpSpPr>
+        <p:cNvPr id="1" name=""/>
+        <p:cNvGrpSpPr/>
+        <p:nvPr/>
+      </p:nvGrpSpPr>
+      <p:grpSpPr/>
+      <p:sp>
+        <p:nvSpPr>
+          <p:cNvPr id="2" name="TextBox 1"/>
+          <p:cNvSpPr txBox="1"/>
+          <p:nvPr/>
+        </p:nvSpPr>
+        <p:spPr>
+          <a:xfrm>
+            <a:off x="457200" y="457200"/>
+            <a:ext cx="8509000" cy="645160"/>
+          </a:xfrm>
+          <a:prstGeom prst="rect">
+            <a:avLst/>
+          </a:prstGeom>
+          <a:noFill/>
+        </p:spPr>
+        <p:txBody>
+          <a:bodyPr wrap="none">
+            <a:spAutoFit/>
+          </a:bodyPr>
+          <a:lstStyle/>
+          <a:p>
+            <a:pPr>
+              <a:defRPr sz="3600" b="1">
+                <a:solidFill>
+                  <a:srgbClr val="FFFFFF"/>
+                </a:solidFill>
+                <a:latin typeface="Segoe UI" panose="020B0502040204020203"/>
+              </a:defRPr>
+            </a:pPr>
+            <a:r>
+              <a:rPr>
+                <a:solidFill>
+                  <a:srgbClr val="2EAD33"/>
+                </a:solidFill>
+              </a:rPr>
+              <a:t>3 Mode d'Utilisation - Écriture de Tests</a:t>
+            </a:r>
+            <a:endParaRPr>
+              <a:solidFill>
+                <a:srgbClr val="2EAD33"/>
+              </a:solidFill>
+            </a:endParaRPr>
+          </a:p>
+        </p:txBody>
+      </p:sp>
+      <p:sp>
+        <p:nvSpPr>
+          <p:cNvPr id="3" name="Rounded Rectangle 2"/>
+          <p:cNvSpPr/>
+          <p:nvPr/>
+        </p:nvSpPr>
+        <p:spPr>
+          <a:xfrm>
+            <a:off x="457200" y="1188720"/>
+            <a:ext cx="8229600" cy="5029200"/>
+          </a:xfrm>
+          <a:prstGeom prst="roundRect">
+            <a:avLst/>
+          </a:prstGeom>
+          <a:solidFill>
+            <a:srgbClr val="2D2D3A"/>
+          </a:solidFill>
+          <a:ln>
+            <a:noFill/>
+          </a:ln>
+        </p:spPr>
+        <p:style>
+          <a:lnRef idx="1">
+            <a:schemeClr val="accent1"/>
+          </a:lnRef>
+          <a:fillRef idx="3">
+            <a:schemeClr val="accent1"/>
+          </a:fillRef>
+          <a:effectRef idx="2">
+            <a:schemeClr val="accent1"/>
+          </a:effectRef>
+          <a:fontRef idx="minor">
+            <a:schemeClr val="lt1"/>
+          </a:fontRef>
+        </p:style>
+        <p:txBody>
+          <a:bodyPr rtlCol="0" anchor="ctr"/>
+          <a:lstStyle/>
+          <a:p>
+            <a:pPr algn="ctr"/>
+          </a:p>
+        </p:txBody>
+      </p:sp>
+      <p:sp>
+        <p:nvSpPr>
+          <p:cNvPr id="4" name="TextBox 3"/>
+          <p:cNvSpPr txBox="1"/>
+          <p:nvPr/>
+        </p:nvSpPr>
+        <p:spPr>
+          <a:xfrm>
+            <a:off x="640080" y="1371600"/>
+            <a:ext cx="7863840" cy="4663440"/>
+          </a:xfrm>
+          <a:prstGeom prst="rect">
+            <a:avLst/>
+          </a:prstGeom>
+          <a:noFill/>
+        </p:spPr>
+        <p:txBody>
+          <a:bodyPr wrap="square">
+            <a:spAutoFit/>
+          </a:bodyPr>
+          <a:lstStyle/>
+          <a:p>
+            <a:pPr>
+              <a:defRPr sz="1200">
+                <a:solidFill>
+                  <a:srgbClr val="A0E0A0"/>
+                </a:solidFill>
+                <a:latin typeface="Consolas" panose="020B0609020204030204"/>
+              </a:defRPr>
+            </a:pPr>
+            <a:r>
+              <a:t>import { test, expect } from '@playwright/test';</a:t>
+            </a:r>
+            <a:br/>
+            <a:br/>
+            <a:r>
+              <a:t>test.describe('Tests de Connexion', () =&gt; {</a:t>
+            </a:r>
+            <a:br/>
+            <a:r>
+              <a:t>    </a:t>
+            </a:r>
+            <a:br/>
+            <a:r>
+              <a:t>    test('connexion avec identifiants valides', async ({ page }) =&gt; {</a:t>
+            </a:r>
+            <a:br/>
+            <a:r>
+              <a:t>        // Navigation vers la page de login</a:t>
+            </a:r>
+            <a:br/>
+            <a:r>
+              <a:t>        await page.goto('/login');</a:t>
+            </a:r>
+            <a:br/>
+            <a:r>
+              <a:t>        </a:t>
+            </a:r>
+            <a:br/>
+            <a:r>
+              <a:t>        // Remplir le formulaire</a:t>
+            </a:r>
+            <a:br/>
+            <a:r>
+              <a:t>        await page.fill('input#email', 'user@example.com');</a:t>
+            </a:r>
+            <a:br/>
+            <a:r>
+              <a:t>        await page.fill('input#password', 'password123');</a:t>
+            </a:r>
+            <a:br/>
+            <a:r>
+              <a:t>        </a:t>
+            </a:r>
+            <a:br/>
+            <a:r>
+              <a:t>        // Cliquer sur le bouton de connexion</a:t>
+            </a:r>
+            <a:br/>
+            <a:r>
+              <a:t>        await page.click('button#loginButton');</a:t>
+            </a:r>
+            <a:br/>
+            <a:r>
+              <a:t>        </a:t>
+            </a:r>
+            <a:br/>
+            <a:r>
+              <a:t>        // Vérifier la redirection</a:t>
+            </a:r>
+            <a:br/>
+            <a:r>
+              <a:t>        await expect(page).toHaveURL('/dashboard');</a:t>
+            </a:r>
+            <a:br/>
+            <a:r>
+              <a:t>        </a:t>
+            </a:r>
+            <a:br/>
+            <a:r>
+              <a:t>        // Vérifier le message de bienvenue</a:t>
+            </a:r>
+            <a:br/>
+            <a:r>
+              <a:t>        await expect(page.locator('.welcome')).toContainText('Bienvenue');</a:t>
+            </a:r>
+            <a:br/>
+            <a:r>
+              <a:t>    });</a:t>
+            </a:r>
+            <a:br/>
+            <a:r>
+              <a:t>});</a:t>
+            </a:r>
+          </a:p>
+        </p:txBody>
+      </p:sp>
+    </p:spTree>
+  </p:cSld>
+  <p:clrMapOvr>
+    <a:masterClrMapping/>
+  </p:clrMapOvr>
+</p:sld>
+</file>
+
+<file path=ppt/slides/slide11.xml><?xml version="1.0" encoding="utf-8"?>
 <p:sld xmlns:a="http://schemas.openxmlformats.org/drawingml/2006/main" xmlns:r="http://schemas.openxmlformats.org/officeDocument/2006/relationships" xmlns:p="http://schemas.openxmlformats.org/presentationml/2006/main">
   <p:cSld>
     <p:bg>
@@ -3946,42 +4704,6 @@
           </a:graphicData>
         </a:graphic>
       </p:graphicFrame>
-      <p:sp>
-        <p:nvSpPr>
-          <p:cNvPr id="4" name="TextBox 3"/>
-          <p:cNvSpPr txBox="1"/>
-          <p:nvPr/>
-        </p:nvSpPr>
-        <p:spPr>
-          <a:xfrm>
-            <a:off x="457200" y="5029200"/>
-            <a:ext cx="8229600" cy="914400"/>
-          </a:xfrm>
-          <a:prstGeom prst="rect">
-            <a:avLst/>
-          </a:prstGeom>
-          <a:noFill/>
-        </p:spPr>
-        <p:txBody>
-          <a:bodyPr wrap="none">
-            <a:spAutoFit/>
-          </a:bodyPr>
-          <a:lstStyle/>
-          <a:p>
-            <a:pPr>
-              <a:defRPr sz="1600">
-                <a:solidFill>
-                  <a:srgbClr val="2EAD33"/>
-                </a:solidFill>
-                <a:latin typeface="Segoe UI" panose="020B0502040204020203"/>
-              </a:defRPr>
-            </a:pPr>
-            <a:r>
-              <a:t>💡 Conseil : Privilégiez getByRole() et getByLabel() pour des tests plus robustes !</a:t>
-            </a:r>
-          </a:p>
-        </p:txBody>
-      </p:sp>
     </p:spTree>
   </p:cSld>
   <p:clrMapOvr>
@@ -3990,7 +4712,7 @@
 </p:sld>
 </file>
 
-<file path=ppt/slides/slide11.xml><?xml version="1.0" encoding="utf-8"?>
+<file path=ppt/slides/slide12.xml><?xml version="1.0" encoding="utf-8"?>
 <p:sld xmlns:a="http://schemas.openxmlformats.org/drawingml/2006/main" xmlns:r="http://schemas.openxmlformats.org/officeDocument/2006/relationships" xmlns:p="http://schemas.openxmlformats.org/presentationml/2006/main">
   <p:cSld>
     <p:bg>
@@ -4188,7 +4910,7 @@
 </p:sld>
 </file>
 
-<file path=ppt/slides/slide12.xml><?xml version="1.0" encoding="utf-8"?>
+<file path=ppt/slides/slide13.xml><?xml version="1.0" encoding="utf-8"?>
 <p:sld xmlns:a="http://schemas.openxmlformats.org/drawingml/2006/main" xmlns:r="http://schemas.openxmlformats.org/officeDocument/2006/relationships" xmlns:p="http://schemas.openxmlformats.org/presentationml/2006/main">
   <p:cSld>
     <p:bg>
@@ -4214,7 +4936,7 @@
         </p:nvSpPr>
         <p:spPr>
           <a:xfrm>
-            <a:off x="457200" y="457200"/>
+            <a:off x="731520" y="267970"/>
             <a:ext cx="4901565" cy="706755"/>
           </a:xfrm>
           <a:prstGeom prst="rect">
@@ -4257,7 +4979,7 @@
         </p:nvSpPr>
         <p:spPr>
           <a:xfrm>
-            <a:off x="161925" y="1163955"/>
+            <a:off x="389255" y="1050290"/>
             <a:ext cx="8229600" cy="5530850"/>
           </a:xfrm>
           <a:prstGeom prst="roundRect">
@@ -4300,7 +5022,7 @@
         </p:nvSpPr>
         <p:spPr>
           <a:xfrm>
-            <a:off x="1000125" y="1437640"/>
+            <a:off x="1179830" y="1370965"/>
             <a:ext cx="7863840" cy="4663440"/>
           </a:xfrm>
           <a:prstGeom prst="rect">
@@ -4437,7 +5159,7 @@
 </p:sld>
 </file>
 
-<file path=ppt/slides/slide13.xml><?xml version="1.0" encoding="utf-8"?>
+<file path=ppt/slides/slide14.xml><?xml version="1.0" encoding="utf-8"?>
 <p:sld xmlns:a="http://schemas.openxmlformats.org/drawingml/2006/main" xmlns:r="http://schemas.openxmlformats.org/officeDocument/2006/relationships" xmlns:p="http://schemas.openxmlformats.org/presentationml/2006/main">
   <p:cSld>
     <p:bg>
@@ -5025,432 +5747,6 @@
 </p:sld>
 </file>
 
-<file path=ppt/slides/slide14.xml><?xml version="1.0" encoding="utf-8"?>
-<p:sld xmlns:a="http://schemas.openxmlformats.org/drawingml/2006/main" xmlns:r="http://schemas.openxmlformats.org/officeDocument/2006/relationships" xmlns:p="http://schemas.openxmlformats.org/presentationml/2006/main">
-  <p:cSld>
-    <p:bg>
-      <p:bgPr>
-        <a:solidFill>
-          <a:srgbClr val="1A1A2E"/>
-        </a:solidFill>
-        <a:effectLst/>
-      </p:bgPr>
-    </p:bg>
-    <p:spTree>
-      <p:nvGrpSpPr>
-        <p:cNvPr id="1" name=""/>
-        <p:cNvGrpSpPr/>
-        <p:nvPr/>
-      </p:nvGrpSpPr>
-      <p:grpSpPr/>
-      <p:sp>
-        <p:nvSpPr>
-          <p:cNvPr id="2" name="TextBox 1"/>
-          <p:cNvSpPr txBox="1"/>
-          <p:nvPr/>
-        </p:nvSpPr>
-        <p:spPr>
-          <a:xfrm>
-            <a:off x="807720" y="163195"/>
-            <a:ext cx="7063740" cy="706755"/>
-          </a:xfrm>
-          <a:prstGeom prst="rect">
-            <a:avLst/>
-          </a:prstGeom>
-          <a:noFill/>
-        </p:spPr>
-        <p:txBody>
-          <a:bodyPr wrap="none">
-            <a:spAutoFit/>
-          </a:bodyPr>
-          <a:lstStyle/>
-          <a:p>
-            <a:pPr>
-              <a:defRPr sz="4000" b="1">
-                <a:solidFill>
-                  <a:srgbClr val="FFFFFF"/>
-                </a:solidFill>
-                <a:latin typeface="Segoe UI" panose="020B0502040204020203"/>
-              </a:defRPr>
-            </a:pPr>
-            <a:r>
-              <a:rPr>
-                <a:solidFill>
-                  <a:srgbClr val="2EAD33"/>
-                </a:solidFill>
-              </a:rPr>
-              <a:t>4</a:t>
-            </a:r>
-            <a:r>
-              <a:rPr lang="en-US">
-                <a:solidFill>
-                  <a:srgbClr val="2EAD33"/>
-                </a:solidFill>
-              </a:rPr>
-              <a:t> </a:t>
-            </a:r>
-            <a:r>
-              <a:rPr>
-                <a:solidFill>
-                  <a:srgbClr val="2EAD33"/>
-                </a:solidFill>
-              </a:rPr>
-              <a:t>Types de Résultats Générés</a:t>
-            </a:r>
-            <a:endParaRPr>
-              <a:solidFill>
-                <a:srgbClr val="2EAD33"/>
-              </a:solidFill>
-            </a:endParaRPr>
-          </a:p>
-        </p:txBody>
-      </p:sp>
-      <p:sp>
-        <p:nvSpPr>
-          <p:cNvPr id="3" name="TextBox 2"/>
-          <p:cNvSpPr txBox="1"/>
-          <p:nvPr/>
-        </p:nvSpPr>
-        <p:spPr>
-          <a:xfrm>
-            <a:off x="400050" y="963295"/>
-            <a:ext cx="8229600" cy="5574665"/>
-          </a:xfrm>
-          <a:prstGeom prst="rect">
-            <a:avLst/>
-          </a:prstGeom>
-          <a:noFill/>
-        </p:spPr>
-        <p:txBody>
-          <a:bodyPr wrap="square">
-            <a:spAutoFit/>
-          </a:bodyPr>
-          <a:lstStyle/>
-          <a:p>
-            <a:pPr>
-              <a:spcAft>
-                <a:spcPts val="800"/>
-              </a:spcAft>
-              <a:defRPr sz="1600">
-                <a:solidFill>
-                  <a:srgbClr val="FFFFFF"/>
-                </a:solidFill>
-                <a:latin typeface="Segoe UI" panose="020B0502040204020203"/>
-              </a:defRPr>
-            </a:pPr>
-            <a:r>
-              <a:t>📊 </a:t>
-            </a:r>
-            <a:r>
-              <a:rPr lang="en-US"/>
-              <a:t> </a:t>
-            </a:r>
-            <a:r>
-              <a:t>Playwright génère plusieurs types de résultats :</a:t>
-            </a:r>
-          </a:p>
-          <a:p>
-            <a:pPr>
-              <a:spcAft>
-                <a:spcPts val="800"/>
-              </a:spcAft>
-              <a:defRPr sz="1600">
-                <a:solidFill>
-                  <a:srgbClr val="FFFFFF"/>
-                </a:solidFill>
-                <a:latin typeface="Segoe UI" panose="020B0502040204020203"/>
-              </a:defRPr>
-            </a:pPr>
-            <a:endParaRPr sz="700"/>
-          </a:p>
-          <a:p>
-            <a:pPr>
-              <a:spcAft>
-                <a:spcPts val="800"/>
-              </a:spcAft>
-              <a:defRPr sz="1600">
-                <a:solidFill>
-                  <a:srgbClr val="FFFFFF"/>
-                </a:solidFill>
-                <a:latin typeface="Segoe UI" panose="020B0502040204020203"/>
-              </a:defRPr>
-            </a:pPr>
-            <a:r>
-              <a:t>1</a:t>
-            </a:r>
-            <a:r>
-              <a:rPr lang="en-US"/>
-              <a:t> </a:t>
-            </a:r>
-            <a:r>
-              <a:t>Rapport HTML Interactif</a:t>
-            </a:r>
-          </a:p>
-          <a:p>
-            <a:pPr lvl="1">
-              <a:spcAft>
-                <a:spcPts val="800"/>
-              </a:spcAft>
-              <a:defRPr sz="1600">
-                <a:solidFill>
-                  <a:srgbClr val="FFFFFF"/>
-                </a:solidFill>
-                <a:latin typeface="Segoe UI" panose="020B0502040204020203"/>
-              </a:defRPr>
-            </a:pPr>
-            <a:r>
-              <a:t>• Vue d'ensemble des tests (passés/échoués)</a:t>
-            </a:r>
-          </a:p>
-          <a:p>
-            <a:pPr lvl="1">
-              <a:spcAft>
-                <a:spcPts val="800"/>
-              </a:spcAft>
-              <a:defRPr sz="1600">
-                <a:solidFill>
-                  <a:srgbClr val="FFFFFF"/>
-                </a:solidFill>
-                <a:latin typeface="Segoe UI" panose="020B0502040204020203"/>
-              </a:defRPr>
-            </a:pPr>
-            <a:r>
-              <a:t>• Détails de chaque test avec durée d'exécution</a:t>
-            </a:r>
-          </a:p>
-          <a:p>
-            <a:pPr lvl="1">
-              <a:spcAft>
-                <a:spcPts val="800"/>
-              </a:spcAft>
-              <a:defRPr sz="1600">
-                <a:solidFill>
-                  <a:srgbClr val="FFFFFF"/>
-                </a:solidFill>
-                <a:latin typeface="Segoe UI" panose="020B0502040204020203"/>
-              </a:defRPr>
-            </a:pPr>
-            <a:r>
-              <a:t>• Captures d'écran et vidéos intégrées</a:t>
-            </a:r>
-          </a:p>
-          <a:p>
-            <a:pPr>
-              <a:spcAft>
-                <a:spcPts val="800"/>
-              </a:spcAft>
-              <a:defRPr sz="1600">
-                <a:solidFill>
-                  <a:srgbClr val="FFFFFF"/>
-                </a:solidFill>
-                <a:latin typeface="Segoe UI" panose="020B0502040204020203"/>
-              </a:defRPr>
-            </a:pPr>
-            <a:endParaRPr sz="400"/>
-          </a:p>
-          <a:p>
-            <a:pPr>
-              <a:spcAft>
-                <a:spcPts val="800"/>
-              </a:spcAft>
-              <a:defRPr sz="1600">
-                <a:solidFill>
-                  <a:srgbClr val="FFFFFF"/>
-                </a:solidFill>
-                <a:latin typeface="Segoe UI" panose="020B0502040204020203"/>
-              </a:defRPr>
-            </a:pPr>
-            <a:r>
-              <a:t>2</a:t>
-            </a:r>
-            <a:r>
-              <a:rPr lang="en-US"/>
-              <a:t> </a:t>
-            </a:r>
-            <a:r>
-              <a:t>Traces (Trace Viewer)</a:t>
-            </a:r>
-          </a:p>
-          <a:p>
-            <a:pPr lvl="1">
-              <a:spcAft>
-                <a:spcPts val="800"/>
-              </a:spcAft>
-              <a:defRPr sz="1600">
-                <a:solidFill>
-                  <a:srgbClr val="FFFFFF"/>
-                </a:solidFill>
-                <a:latin typeface="Segoe UI" panose="020B0502040204020203"/>
-              </a:defRPr>
-            </a:pPr>
-            <a:r>
-              <a:t>• Timeline complète de l'exécution</a:t>
-            </a:r>
-          </a:p>
-          <a:p>
-            <a:pPr lvl="1">
-              <a:spcAft>
-                <a:spcPts val="800"/>
-              </a:spcAft>
-              <a:defRPr sz="1600">
-                <a:solidFill>
-                  <a:srgbClr val="FFFFFF"/>
-                </a:solidFill>
-                <a:latin typeface="Segoe UI" panose="020B0502040204020203"/>
-              </a:defRPr>
-            </a:pPr>
-            <a:r>
-              <a:t>• Snapshots DOM à chaque étape</a:t>
-            </a:r>
-          </a:p>
-          <a:p>
-            <a:pPr lvl="1">
-              <a:spcAft>
-                <a:spcPts val="800"/>
-              </a:spcAft>
-              <a:defRPr sz="1600">
-                <a:solidFill>
-                  <a:srgbClr val="FFFFFF"/>
-                </a:solidFill>
-                <a:latin typeface="Segoe UI" panose="020B0502040204020203"/>
-              </a:defRPr>
-            </a:pPr>
-            <a:r>
-              <a:t>• Logs réseau et console</a:t>
-            </a:r>
-          </a:p>
-          <a:p>
-            <a:pPr>
-              <a:spcAft>
-                <a:spcPts val="800"/>
-              </a:spcAft>
-              <a:defRPr sz="1600">
-                <a:solidFill>
-                  <a:srgbClr val="FFFFFF"/>
-                </a:solidFill>
-                <a:latin typeface="Segoe UI" panose="020B0502040204020203"/>
-              </a:defRPr>
-            </a:pPr>
-            <a:endParaRPr sz="400"/>
-          </a:p>
-          <a:p>
-            <a:pPr>
-              <a:spcAft>
-                <a:spcPts val="800"/>
-              </a:spcAft>
-              <a:defRPr sz="1600">
-                <a:solidFill>
-                  <a:srgbClr val="FFFFFF"/>
-                </a:solidFill>
-                <a:latin typeface="Segoe UI" panose="020B0502040204020203"/>
-              </a:defRPr>
-            </a:pPr>
-            <a:r>
-              <a:t>3</a:t>
-            </a:r>
-            <a:r>
-              <a:rPr lang="en-US"/>
-              <a:t> </a:t>
-            </a:r>
-            <a:r>
-              <a:t>Screenshots et Vidéos</a:t>
-            </a:r>
-          </a:p>
-          <a:p>
-            <a:pPr lvl="1">
-              <a:spcAft>
-                <a:spcPts val="800"/>
-              </a:spcAft>
-              <a:defRPr sz="1600">
-                <a:solidFill>
-                  <a:srgbClr val="FFFFFF"/>
-                </a:solidFill>
-                <a:latin typeface="Segoe UI" panose="020B0502040204020203"/>
-              </a:defRPr>
-            </a:pPr>
-            <a:r>
-              <a:t>• Capture automatique sur échec</a:t>
-            </a:r>
-          </a:p>
-          <a:p>
-            <a:pPr lvl="1">
-              <a:spcAft>
-                <a:spcPts val="800"/>
-              </a:spcAft>
-              <a:defRPr sz="1600">
-                <a:solidFill>
-                  <a:srgbClr val="FFFFFF"/>
-                </a:solidFill>
-                <a:latin typeface="Segoe UI" panose="020B0502040204020203"/>
-              </a:defRPr>
-            </a:pPr>
-            <a:r>
-              <a:t>• Comparaison visuelle possible</a:t>
-            </a:r>
-          </a:p>
-          <a:p>
-            <a:pPr>
-              <a:spcAft>
-                <a:spcPts val="800"/>
-              </a:spcAft>
-              <a:defRPr sz="1600">
-                <a:solidFill>
-                  <a:srgbClr val="FFFFFF"/>
-                </a:solidFill>
-                <a:latin typeface="Segoe UI" panose="020B0502040204020203"/>
-              </a:defRPr>
-            </a:pPr>
-            <a:endParaRPr sz="400"/>
-          </a:p>
-          <a:p>
-            <a:pPr>
-              <a:spcAft>
-                <a:spcPts val="800"/>
-              </a:spcAft>
-              <a:defRPr sz="1600">
-                <a:solidFill>
-                  <a:srgbClr val="FFFFFF"/>
-                </a:solidFill>
-                <a:latin typeface="Segoe UI" panose="020B0502040204020203"/>
-              </a:defRPr>
-            </a:pPr>
-            <a:r>
-              <a:t>4</a:t>
-            </a:r>
-            <a:r>
-              <a:rPr lang="en-US"/>
-              <a:t> </a:t>
-            </a:r>
-            <a:r>
-              <a:t>Sortie Console (CLI)</a:t>
-            </a:r>
-          </a:p>
-          <a:p>
-            <a:pPr lvl="1">
-              <a:spcAft>
-                <a:spcPts val="800"/>
-              </a:spcAft>
-              <a:defRPr sz="1600">
-                <a:solidFill>
-                  <a:srgbClr val="FFFFFF"/>
-                </a:solidFill>
-                <a:latin typeface="Segoe UI" panose="020B0502040204020203"/>
-              </a:defRPr>
-            </a:pPr>
-            <a:r>
-              <a:t>• Résumé rapide : ✅ passés, ❌ échoués, ⏭️ ignorés</a:t>
-            </a:r>
-          </a:p>
-        </p:txBody>
-      </p:sp>
-    </p:spTree>
-  </p:cSld>
-  <p:clrMapOvr>
-    <a:masterClrMapping/>
-  </p:clrMapOvr>
-</p:sld>
-</file>
-
 <file path=ppt/slides/slide15.xml><?xml version="1.0" encoding="utf-8"?>
 <p:sld xmlns:a="http://schemas.openxmlformats.org/drawingml/2006/main" xmlns:r="http://schemas.openxmlformats.org/officeDocument/2006/relationships" xmlns:p="http://schemas.openxmlformats.org/presentationml/2006/main">
   <p:cSld>
@@ -5477,8 +5773,8 @@
         </p:nvSpPr>
         <p:spPr>
           <a:xfrm>
-            <a:off x="267970" y="457200"/>
-            <a:ext cx="8776335" cy="706755"/>
+            <a:off x="807720" y="163195"/>
+            <a:ext cx="7063740" cy="706755"/>
           </a:xfrm>
           <a:prstGeom prst="rect">
             <a:avLst/>
@@ -5500,15 +5796,34 @@
               </a:defRPr>
             </a:pPr>
             <a:r>
-              <a:t>📈 </a:t>
-            </a:r>
-            <a:r>
-              <a:rPr lang="en-US"/>
+              <a:rPr>
+                <a:solidFill>
+                  <a:srgbClr val="2EAD33"/>
+                </a:solidFill>
+              </a:rPr>
+              <a:t>4</a:t>
+            </a:r>
+            <a:r>
+              <a:rPr lang="en-US">
+                <a:solidFill>
+                  <a:srgbClr val="2EAD33"/>
+                </a:solidFill>
+              </a:rPr>
               <a:t> </a:t>
             </a:r>
             <a:r>
-              <a:t>Rapport HTML - Vue d'Ensemble</a:t>
-            </a:r>
+              <a:rPr>
+                <a:solidFill>
+                  <a:srgbClr val="2EAD33"/>
+                </a:solidFill>
+              </a:rPr>
+              <a:t>Types de Résultats Générés</a:t>
+            </a:r>
+            <a:endParaRPr>
+              <a:solidFill>
+                <a:srgbClr val="2EAD33"/>
+              </a:solidFill>
+            </a:endParaRPr>
           </a:p>
         </p:txBody>
       </p:sp>
@@ -5520,8 +5835,8 @@
         </p:nvSpPr>
         <p:spPr>
           <a:xfrm>
-            <a:off x="457200" y="1371600"/>
-            <a:ext cx="8229600" cy="4572000"/>
+            <a:off x="400050" y="963295"/>
+            <a:ext cx="8229600" cy="5574665"/>
           </a:xfrm>
           <a:prstGeom prst="rect">
             <a:avLst/>
@@ -5538,294 +5853,314 @@
               <a:spcAft>
                 <a:spcPts val="800"/>
               </a:spcAft>
-              <a:defRPr sz="1500">
-                <a:solidFill>
-                  <a:srgbClr val="FFFFFF"/>
-                </a:solidFill>
-                <a:latin typeface="Segoe UI" panose="020B0502040204020203"/>
-              </a:defRPr>
-            </a:pPr>
-            <a:r>
-              <a:t>Le rapport HTML (npx playwright show-report) affiche :</a:t>
-            </a:r>
-          </a:p>
-          <a:p>
-            <a:pPr>
-              <a:spcAft>
-                <a:spcPts val="800"/>
-              </a:spcAft>
-              <a:defRPr sz="1500">
-                <a:solidFill>
-                  <a:srgbClr val="FFFFFF"/>
-                </a:solidFill>
-                <a:latin typeface="Segoe UI" panose="020B0502040204020203"/>
-              </a:defRPr>
-            </a:pPr>
-          </a:p>
-          <a:p>
-            <a:pPr>
-              <a:spcAft>
-                <a:spcPts val="800"/>
-              </a:spcAft>
-              <a:defRPr sz="1500">
-                <a:solidFill>
-                  <a:srgbClr val="FFFFFF"/>
-                </a:solidFill>
-                <a:latin typeface="Segoe UI" panose="020B0502040204020203"/>
-              </a:defRPr>
-            </a:pPr>
-            <a:r>
-              <a:t>📌 Informations Globales :</a:t>
-            </a:r>
-          </a:p>
-          <a:p>
-            <a:pPr>
-              <a:spcAft>
-                <a:spcPts val="800"/>
-              </a:spcAft>
-              <a:defRPr sz="1500">
-                <a:solidFill>
-                  <a:srgbClr val="FFFFFF"/>
-                </a:solidFill>
-                <a:latin typeface="Segoe UI" panose="020B0502040204020203"/>
-              </a:defRPr>
-            </a:pPr>
-            <a:r>
-              <a:t>• Nombre total de tests</a:t>
-            </a:r>
-          </a:p>
-          <a:p>
-            <a:pPr>
-              <a:spcAft>
-                <a:spcPts val="800"/>
-              </a:spcAft>
-              <a:defRPr sz="1500">
-                <a:solidFill>
-                  <a:srgbClr val="FFFFFF"/>
-                </a:solidFill>
-                <a:latin typeface="Segoe UI" panose="020B0502040204020203"/>
-              </a:defRPr>
-            </a:pPr>
-            <a:r>
-              <a:t>• Taux de réussite (% passés)</a:t>
-            </a:r>
-          </a:p>
-          <a:p>
-            <a:pPr>
-              <a:spcAft>
-                <a:spcPts val="800"/>
-              </a:spcAft>
-              <a:defRPr sz="1500">
-                <a:solidFill>
-                  <a:srgbClr val="FFFFFF"/>
-                </a:solidFill>
-                <a:latin typeface="Segoe UI" panose="020B0502040204020203"/>
-              </a:defRPr>
-            </a:pPr>
-            <a:r>
-              <a:t>• Durée totale d'exécution</a:t>
-            </a:r>
-          </a:p>
-          <a:p>
-            <a:pPr>
-              <a:spcAft>
-                <a:spcPts val="800"/>
-              </a:spcAft>
-              <a:defRPr sz="1500">
-                <a:solidFill>
-                  <a:srgbClr val="FFFFFF"/>
-                </a:solidFill>
-                <a:latin typeface="Segoe UI" panose="020B0502040204020203"/>
-              </a:defRPr>
-            </a:pPr>
-            <a:r>
-              <a:t>• Répartition par navigateur</a:t>
-            </a:r>
-          </a:p>
-          <a:p>
-            <a:pPr>
-              <a:spcAft>
-                <a:spcPts val="800"/>
-              </a:spcAft>
-              <a:defRPr sz="1500">
-                <a:solidFill>
-                  <a:srgbClr val="FFFFFF"/>
-                </a:solidFill>
-                <a:latin typeface="Segoe UI" panose="020B0502040204020203"/>
-              </a:defRPr>
-            </a:pPr>
-          </a:p>
-          <a:p>
-            <a:pPr>
-              <a:spcAft>
-                <a:spcPts val="800"/>
-              </a:spcAft>
-              <a:defRPr sz="1500">
-                <a:solidFill>
-                  <a:srgbClr val="FFFFFF"/>
-                </a:solidFill>
-                <a:latin typeface="Segoe UI" panose="020B0502040204020203"/>
-              </a:defRPr>
-            </a:pPr>
-            <a:r>
-              <a:t>📌 Par Test :</a:t>
-            </a:r>
-          </a:p>
-          <a:p>
-            <a:pPr>
-              <a:spcAft>
-                <a:spcPts val="800"/>
-              </a:spcAft>
-              <a:defRPr sz="1500">
-                <a:solidFill>
-                  <a:srgbClr val="FFFFFF"/>
-                </a:solidFill>
-                <a:latin typeface="Segoe UI" panose="020B0502040204020203"/>
-              </a:defRPr>
-            </a:pPr>
-            <a:r>
-              <a:t>• Statut : ✅ Passed / ❌ Failed / ⏭️ Skipped</a:t>
-            </a:r>
-          </a:p>
-          <a:p>
-            <a:pPr>
-              <a:spcAft>
-                <a:spcPts val="800"/>
-              </a:spcAft>
-              <a:defRPr sz="1500">
-                <a:solidFill>
-                  <a:srgbClr val="FFFFFF"/>
-                </a:solidFill>
-                <a:latin typeface="Segoe UI" panose="020B0502040204020203"/>
-              </a:defRPr>
-            </a:pPr>
-            <a:r>
-              <a:t>• Durée individuelle</a:t>
-            </a:r>
-          </a:p>
-          <a:p>
-            <a:pPr>
-              <a:spcAft>
-                <a:spcPts val="800"/>
-              </a:spcAft>
-              <a:defRPr sz="1500">
-                <a:solidFill>
-                  <a:srgbClr val="FFFFFF"/>
-                </a:solidFill>
-                <a:latin typeface="Segoe UI" panose="020B0502040204020203"/>
-              </a:defRPr>
-            </a:pPr>
-            <a:r>
-              <a:t>• Erreurs et stack traces</a:t>
-            </a:r>
-          </a:p>
-          <a:p>
-            <a:pPr>
-              <a:spcAft>
-                <a:spcPts val="800"/>
-              </a:spcAft>
-              <a:defRPr sz="1500">
-                <a:solidFill>
-                  <a:srgbClr val="FFFFFF"/>
-                </a:solidFill>
-                <a:latin typeface="Segoe UI" panose="020B0502040204020203"/>
-              </a:defRPr>
-            </a:pPr>
-            <a:r>
-              <a:t>• Screenshots attachés</a:t>
-            </a:r>
-          </a:p>
-          <a:p>
-            <a:pPr>
-              <a:spcAft>
-                <a:spcPts val="800"/>
-              </a:spcAft>
-              <a:defRPr sz="1500">
-                <a:solidFill>
-                  <a:srgbClr val="FFFFFF"/>
-                </a:solidFill>
-                <a:latin typeface="Segoe UI" panose="020B0502040204020203"/>
-              </a:defRPr>
-            </a:pPr>
-            <a:r>
-              <a:t>• Vidéos de l'exécution</a:t>
-            </a:r>
-          </a:p>
-          <a:p>
-            <a:pPr>
-              <a:spcAft>
-                <a:spcPts val="800"/>
-              </a:spcAft>
-              <a:defRPr sz="1500">
-                <a:solidFill>
-                  <a:srgbClr val="FFFFFF"/>
-                </a:solidFill>
-                <a:latin typeface="Segoe UI" panose="020B0502040204020203"/>
-              </a:defRPr>
-            </a:pPr>
-          </a:p>
-          <a:p>
-            <a:pPr>
-              <a:spcAft>
-                <a:spcPts val="800"/>
-              </a:spcAft>
-              <a:defRPr sz="1500">
-                <a:solidFill>
-                  <a:srgbClr val="FFFFFF"/>
-                </a:solidFill>
-                <a:latin typeface="Segoe UI" panose="020B0502040204020203"/>
-              </a:defRPr>
-            </a:pPr>
-            <a:r>
-              <a:t>📌 Filtrage :</a:t>
-            </a:r>
-          </a:p>
-          <a:p>
-            <a:pPr>
-              <a:spcAft>
-                <a:spcPts val="800"/>
-              </a:spcAft>
-              <a:defRPr sz="1500">
-                <a:solidFill>
-                  <a:srgbClr val="FFFFFF"/>
-                </a:solidFill>
-                <a:latin typeface="Segoe UI" panose="020B0502040204020203"/>
-              </a:defRPr>
-            </a:pPr>
-            <a:r>
-              <a:t>• Par statut (échecs uniquement)</a:t>
-            </a:r>
-          </a:p>
-          <a:p>
-            <a:pPr>
-              <a:spcAft>
-                <a:spcPts val="800"/>
-              </a:spcAft>
-              <a:defRPr sz="1500">
-                <a:solidFill>
-                  <a:srgbClr val="FFFFFF"/>
-                </a:solidFill>
-                <a:latin typeface="Segoe UI" panose="020B0502040204020203"/>
-              </a:defRPr>
-            </a:pPr>
-            <a:r>
-              <a:t>• Par fichier de test</a:t>
-            </a:r>
-          </a:p>
-          <a:p>
-            <a:pPr>
-              <a:spcAft>
-                <a:spcPts val="800"/>
-              </a:spcAft>
-              <a:defRPr sz="1500">
-                <a:solidFill>
-                  <a:srgbClr val="FFFFFF"/>
-                </a:solidFill>
-                <a:latin typeface="Segoe UI" panose="020B0502040204020203"/>
-              </a:defRPr>
-            </a:pPr>
-            <a:r>
-              <a:t>• Par navigateur</a:t>
+              <a:defRPr sz="1600">
+                <a:solidFill>
+                  <a:srgbClr val="FFFFFF"/>
+                </a:solidFill>
+                <a:latin typeface="Segoe UI" panose="020B0502040204020203"/>
+              </a:defRPr>
+            </a:pPr>
+            <a:r>
+              <a:t>📊 </a:t>
+            </a:r>
+            <a:r>
+              <a:rPr lang="en-US"/>
+              <a:t> </a:t>
+            </a:r>
+            <a:r>
+              <a:t>Playwright génère plusieurs types de résultats :</a:t>
+            </a:r>
+          </a:p>
+          <a:p>
+            <a:pPr>
+              <a:spcAft>
+                <a:spcPts val="800"/>
+              </a:spcAft>
+              <a:defRPr sz="1600">
+                <a:solidFill>
+                  <a:srgbClr val="FFFFFF"/>
+                </a:solidFill>
+                <a:latin typeface="Segoe UI" panose="020B0502040204020203"/>
+              </a:defRPr>
+            </a:pPr>
+            <a:endParaRPr sz="700"/>
+          </a:p>
+          <a:p>
+            <a:pPr>
+              <a:spcAft>
+                <a:spcPts val="800"/>
+              </a:spcAft>
+              <a:defRPr sz="1600">
+                <a:solidFill>
+                  <a:srgbClr val="FFFFFF"/>
+                </a:solidFill>
+                <a:latin typeface="Segoe UI" panose="020B0502040204020203"/>
+              </a:defRPr>
+            </a:pPr>
+            <a:r>
+              <a:t>1</a:t>
+            </a:r>
+            <a:r>
+              <a:rPr lang="en-US"/>
+              <a:t> </a:t>
+            </a:r>
+            <a:r>
+              <a:t>Rapport HTML Interactif</a:t>
+            </a:r>
+          </a:p>
+          <a:p>
+            <a:pPr lvl="1">
+              <a:spcAft>
+                <a:spcPts val="800"/>
+              </a:spcAft>
+              <a:defRPr sz="1600">
+                <a:solidFill>
+                  <a:srgbClr val="FFFFFF"/>
+                </a:solidFill>
+                <a:latin typeface="Segoe UI" panose="020B0502040204020203"/>
+              </a:defRPr>
+            </a:pPr>
+            <a:r>
+              <a:t>• Vue d'ensemble des tests (passés/échoués)</a:t>
+            </a:r>
+          </a:p>
+          <a:p>
+            <a:pPr lvl="1">
+              <a:spcAft>
+                <a:spcPts val="800"/>
+              </a:spcAft>
+              <a:defRPr sz="1600">
+                <a:solidFill>
+                  <a:srgbClr val="FFFFFF"/>
+                </a:solidFill>
+                <a:latin typeface="Segoe UI" panose="020B0502040204020203"/>
+              </a:defRPr>
+            </a:pPr>
+            <a:r>
+              <a:t>• Détails de chaque test avec durée d'exécution</a:t>
+            </a:r>
+          </a:p>
+          <a:p>
+            <a:pPr lvl="1">
+              <a:spcAft>
+                <a:spcPts val="800"/>
+              </a:spcAft>
+              <a:defRPr sz="1600">
+                <a:solidFill>
+                  <a:srgbClr val="FFFFFF"/>
+                </a:solidFill>
+                <a:latin typeface="Segoe UI" panose="020B0502040204020203"/>
+              </a:defRPr>
+            </a:pPr>
+            <a:r>
+              <a:t>• Captures d'écran et vidéos intégrées</a:t>
+            </a:r>
+          </a:p>
+          <a:p>
+            <a:pPr>
+              <a:spcAft>
+                <a:spcPts val="800"/>
+              </a:spcAft>
+              <a:defRPr sz="1600">
+                <a:solidFill>
+                  <a:srgbClr val="FFFFFF"/>
+                </a:solidFill>
+                <a:latin typeface="Segoe UI" panose="020B0502040204020203"/>
+              </a:defRPr>
+            </a:pPr>
+            <a:endParaRPr sz="400"/>
+          </a:p>
+          <a:p>
+            <a:pPr>
+              <a:spcAft>
+                <a:spcPts val="800"/>
+              </a:spcAft>
+              <a:defRPr sz="1600">
+                <a:solidFill>
+                  <a:srgbClr val="FFFFFF"/>
+                </a:solidFill>
+                <a:latin typeface="Segoe UI" panose="020B0502040204020203"/>
+              </a:defRPr>
+            </a:pPr>
+            <a:r>
+              <a:t>2</a:t>
+            </a:r>
+            <a:r>
+              <a:rPr lang="en-US"/>
+              <a:t> </a:t>
+            </a:r>
+            <a:r>
+              <a:t>Traces (Trace Viewer)</a:t>
+            </a:r>
+          </a:p>
+          <a:p>
+            <a:pPr lvl="1">
+              <a:spcAft>
+                <a:spcPts val="800"/>
+              </a:spcAft>
+              <a:defRPr sz="1600">
+                <a:solidFill>
+                  <a:srgbClr val="FFFFFF"/>
+                </a:solidFill>
+                <a:latin typeface="Segoe UI" panose="020B0502040204020203"/>
+              </a:defRPr>
+            </a:pPr>
+            <a:r>
+              <a:t>• Timeline complète de l'exécution</a:t>
+            </a:r>
+          </a:p>
+          <a:p>
+            <a:pPr lvl="1">
+              <a:spcAft>
+                <a:spcPts val="800"/>
+              </a:spcAft>
+              <a:defRPr sz="1600">
+                <a:solidFill>
+                  <a:srgbClr val="FFFFFF"/>
+                </a:solidFill>
+                <a:latin typeface="Segoe UI" panose="020B0502040204020203"/>
+              </a:defRPr>
+            </a:pPr>
+            <a:r>
+              <a:t>• Snapshots DOM à chaque étape</a:t>
+            </a:r>
+          </a:p>
+          <a:p>
+            <a:pPr lvl="1">
+              <a:spcAft>
+                <a:spcPts val="800"/>
+              </a:spcAft>
+              <a:defRPr sz="1600">
+                <a:solidFill>
+                  <a:srgbClr val="FFFFFF"/>
+                </a:solidFill>
+                <a:latin typeface="Segoe UI" panose="020B0502040204020203"/>
+              </a:defRPr>
+            </a:pPr>
+            <a:r>
+              <a:t>• Logs réseau et console</a:t>
+            </a:r>
+          </a:p>
+          <a:p>
+            <a:pPr>
+              <a:spcAft>
+                <a:spcPts val="800"/>
+              </a:spcAft>
+              <a:defRPr sz="1600">
+                <a:solidFill>
+                  <a:srgbClr val="FFFFFF"/>
+                </a:solidFill>
+                <a:latin typeface="Segoe UI" panose="020B0502040204020203"/>
+              </a:defRPr>
+            </a:pPr>
+            <a:endParaRPr sz="400"/>
+          </a:p>
+          <a:p>
+            <a:pPr>
+              <a:spcAft>
+                <a:spcPts val="800"/>
+              </a:spcAft>
+              <a:defRPr sz="1600">
+                <a:solidFill>
+                  <a:srgbClr val="FFFFFF"/>
+                </a:solidFill>
+                <a:latin typeface="Segoe UI" panose="020B0502040204020203"/>
+              </a:defRPr>
+            </a:pPr>
+            <a:r>
+              <a:t>3</a:t>
+            </a:r>
+            <a:r>
+              <a:rPr lang="en-US"/>
+              <a:t> </a:t>
+            </a:r>
+            <a:r>
+              <a:t>Screenshots et Vidéos</a:t>
+            </a:r>
+          </a:p>
+          <a:p>
+            <a:pPr lvl="1">
+              <a:spcAft>
+                <a:spcPts val="800"/>
+              </a:spcAft>
+              <a:defRPr sz="1600">
+                <a:solidFill>
+                  <a:srgbClr val="FFFFFF"/>
+                </a:solidFill>
+                <a:latin typeface="Segoe UI" panose="020B0502040204020203"/>
+              </a:defRPr>
+            </a:pPr>
+            <a:r>
+              <a:t>• Capture automatique sur échec</a:t>
+            </a:r>
+          </a:p>
+          <a:p>
+            <a:pPr lvl="1">
+              <a:spcAft>
+                <a:spcPts val="800"/>
+              </a:spcAft>
+              <a:defRPr sz="1600">
+                <a:solidFill>
+                  <a:srgbClr val="FFFFFF"/>
+                </a:solidFill>
+                <a:latin typeface="Segoe UI" panose="020B0502040204020203"/>
+              </a:defRPr>
+            </a:pPr>
+            <a:r>
+              <a:t>• Comparaison visuelle possible</a:t>
+            </a:r>
+          </a:p>
+          <a:p>
+            <a:pPr>
+              <a:spcAft>
+                <a:spcPts val="800"/>
+              </a:spcAft>
+              <a:defRPr sz="1600">
+                <a:solidFill>
+                  <a:srgbClr val="FFFFFF"/>
+                </a:solidFill>
+                <a:latin typeface="Segoe UI" panose="020B0502040204020203"/>
+              </a:defRPr>
+            </a:pPr>
+            <a:endParaRPr sz="400"/>
+          </a:p>
+          <a:p>
+            <a:pPr>
+              <a:spcAft>
+                <a:spcPts val="800"/>
+              </a:spcAft>
+              <a:defRPr sz="1600">
+                <a:solidFill>
+                  <a:srgbClr val="FFFFFF"/>
+                </a:solidFill>
+                <a:latin typeface="Segoe UI" panose="020B0502040204020203"/>
+              </a:defRPr>
+            </a:pPr>
+            <a:r>
+              <a:t>4</a:t>
+            </a:r>
+            <a:r>
+              <a:rPr lang="en-US"/>
+              <a:t> </a:t>
+            </a:r>
+            <a:r>
+              <a:t>Sortie Console (CLI)</a:t>
+            </a:r>
+          </a:p>
+          <a:p>
+            <a:pPr lvl="1">
+              <a:spcAft>
+                <a:spcPts val="800"/>
+              </a:spcAft>
+              <a:defRPr sz="1600">
+                <a:solidFill>
+                  <a:srgbClr val="FFFFFF"/>
+                </a:solidFill>
+                <a:latin typeface="Segoe UI" panose="020B0502040204020203"/>
+              </a:defRPr>
+            </a:pPr>
+            <a:r>
+              <a:t>• Résumé rapide : ✅ passés, ❌ échoués, ⏭️ ignorés</a:t>
             </a:r>
           </a:p>
         </p:txBody>
@@ -5864,8 +6199,8 @@
         </p:nvSpPr>
         <p:spPr>
           <a:xfrm>
-            <a:off x="457200" y="457200"/>
-            <a:ext cx="8229600" cy="914400"/>
+            <a:off x="183515" y="182245"/>
+            <a:ext cx="8776335" cy="706755"/>
           </a:xfrm>
           <a:prstGeom prst="rect">
             <a:avLst/>
@@ -5887,7 +6222,14 @@
               </a:defRPr>
             </a:pPr>
             <a:r>
-              <a:t>🔍 Trace Viewer - Débogage Avancé</a:t>
+              <a:t>📈 </a:t>
+            </a:r>
+            <a:r>
+              <a:rPr lang="en-US"/>
+              <a:t> </a:t>
+            </a:r>
+            <a:r>
+              <a:t>Rapport HTML - Vue d'Ensemble</a:t>
             </a:r>
           </a:p>
         </p:txBody>
@@ -5900,8 +6242,8 @@
         </p:nvSpPr>
         <p:spPr>
           <a:xfrm>
-            <a:off x="457200" y="1371600"/>
-            <a:ext cx="8229600" cy="5015865"/>
+            <a:off x="381635" y="963930"/>
+            <a:ext cx="8229600" cy="5815965"/>
           </a:xfrm>
           <a:prstGeom prst="rect">
             <a:avLst/>
@@ -5918,39 +6260,23 @@
               <a:spcAft>
                 <a:spcPts val="800"/>
               </a:spcAft>
-              <a:defRPr sz="1600">
-                <a:solidFill>
-                  <a:srgbClr val="FFFFFF"/>
-                </a:solidFill>
-                <a:latin typeface="Segoe UI" panose="020B0502040204020203"/>
-              </a:defRPr>
-            </a:pPr>
-            <a:r>
-              <a:t>Accès : npx playwright show-trace trace.zi</a:t>
-            </a:r>
-          </a:p>
-          <a:p>
-            <a:pPr>
-              <a:spcAft>
-                <a:spcPts val="800"/>
-              </a:spcAft>
-              <a:defRPr sz="1600">
-                <a:solidFill>
-                  <a:srgbClr val="FFFFFF"/>
-                </a:solidFill>
-                <a:latin typeface="Segoe UI" panose="020B0502040204020203"/>
-              </a:defRPr>
-            </a:pPr>
-            <a:r>
-              <a:t>📌 Fonctionnalités du Trace Viewer :</a:t>
-            </a:r>
-          </a:p>
-          <a:p>
-            <a:pPr>
-              <a:spcAft>
-                <a:spcPts val="800"/>
-              </a:spcAft>
-              <a:defRPr sz="1600">
+              <a:defRPr sz="1500">
+                <a:solidFill>
+                  <a:srgbClr val="FFFFFF"/>
+                </a:solidFill>
+                <a:latin typeface="Segoe UI" panose="020B0502040204020203"/>
+              </a:defRPr>
+            </a:pPr>
+            <a:r>
+              <a:t>Le rapport HTML (npx playwright show-report) affiche :</a:t>
+            </a:r>
+          </a:p>
+          <a:p>
+            <a:pPr>
+              <a:spcAft>
+                <a:spcPts val="800"/>
+              </a:spcAft>
+              <a:defRPr sz="1500">
                 <a:solidFill>
                   <a:srgbClr val="FFFFFF"/>
                 </a:solidFill>
@@ -5964,103 +6290,87 @@
               <a:spcAft>
                 <a:spcPts val="800"/>
               </a:spcAft>
-              <a:defRPr sz="1600">
-                <a:solidFill>
-                  <a:srgbClr val="FFFFFF"/>
-                </a:solidFill>
-                <a:latin typeface="Segoe UI" panose="020B0502040204020203"/>
-              </a:defRPr>
-            </a:pPr>
-            <a:r>
-              <a:t>• Timeline : Visualisation chronologique de chaque action</a:t>
-            </a:r>
-          </a:p>
-          <a:p>
-            <a:pPr>
-              <a:spcAft>
-                <a:spcPts val="800"/>
-              </a:spcAft>
-              <a:defRPr sz="1600">
-                <a:solidFill>
-                  <a:srgbClr val="FFFFFF"/>
-                </a:solidFill>
-                <a:latin typeface="Segoe UI" panose="020B0502040204020203"/>
-              </a:defRPr>
-            </a:pPr>
-            <a:r>
-              <a:t>• Snapshots : État du DOM avant/après chaque action</a:t>
-            </a:r>
-          </a:p>
-          <a:p>
-            <a:pPr>
-              <a:spcAft>
-                <a:spcPts val="800"/>
-              </a:spcAft>
-              <a:defRPr sz="1600">
-                <a:solidFill>
-                  <a:srgbClr val="FFFFFF"/>
-                </a:solidFill>
-                <a:latin typeface="Segoe UI" panose="020B0502040204020203"/>
-              </a:defRPr>
-            </a:pPr>
-            <a:r>
-              <a:t>• Console : Logs JavaScript de la page</a:t>
-            </a:r>
-          </a:p>
-          <a:p>
-            <a:pPr>
-              <a:spcAft>
-                <a:spcPts val="800"/>
-              </a:spcAft>
-              <a:defRPr sz="1600">
-                <a:solidFill>
-                  <a:srgbClr val="FFFFFF"/>
-                </a:solidFill>
-                <a:latin typeface="Segoe UI" panose="020B0502040204020203"/>
-              </a:defRPr>
-            </a:pPr>
-            <a:r>
-              <a:t>• Network : Toutes les requêtes HTTP avec détails</a:t>
-            </a:r>
-          </a:p>
-          <a:p>
-            <a:pPr>
-              <a:spcAft>
-                <a:spcPts val="800"/>
-              </a:spcAft>
-              <a:defRPr sz="1600">
-                <a:solidFill>
-                  <a:srgbClr val="FFFFFF"/>
-                </a:solidFill>
-                <a:latin typeface="Segoe UI" panose="020B0502040204020203"/>
-              </a:defRPr>
-            </a:pPr>
-            <a:r>
-              <a:t>• Source : Code du test avec ligne courante</a:t>
-            </a:r>
-          </a:p>
-          <a:p>
-            <a:pPr>
-              <a:spcAft>
-                <a:spcPts val="800"/>
-              </a:spcAft>
-              <a:defRPr sz="1600">
-                <a:solidFill>
-                  <a:srgbClr val="FFFFFF"/>
-                </a:solidFill>
-                <a:latin typeface="Segoe UI" panose="020B0502040204020203"/>
-              </a:defRPr>
-            </a:pPr>
-            <a:r>
-              <a:t>• Actions : Liste de toutes les actions Playwright</a:t>
-            </a:r>
-          </a:p>
-          <a:p>
-            <a:pPr>
-              <a:spcAft>
-                <a:spcPts val="800"/>
-              </a:spcAft>
-              <a:defRPr sz="1600">
+              <a:defRPr sz="1500">
+                <a:solidFill>
+                  <a:srgbClr val="FFFFFF"/>
+                </a:solidFill>
+                <a:latin typeface="Segoe UI" panose="020B0502040204020203"/>
+              </a:defRPr>
+            </a:pPr>
+            <a:r>
+              <a:t>📌 Informations Globales :</a:t>
+            </a:r>
+          </a:p>
+          <a:p>
+            <a:pPr>
+              <a:spcAft>
+                <a:spcPts val="800"/>
+              </a:spcAft>
+              <a:defRPr sz="1500">
+                <a:solidFill>
+                  <a:srgbClr val="FFFFFF"/>
+                </a:solidFill>
+                <a:latin typeface="Segoe UI" panose="020B0502040204020203"/>
+              </a:defRPr>
+            </a:pPr>
+            <a:r>
+              <a:t>• Nombre total de tests</a:t>
+            </a:r>
+          </a:p>
+          <a:p>
+            <a:pPr>
+              <a:spcAft>
+                <a:spcPts val="800"/>
+              </a:spcAft>
+              <a:defRPr sz="1500">
+                <a:solidFill>
+                  <a:srgbClr val="FFFFFF"/>
+                </a:solidFill>
+                <a:latin typeface="Segoe UI" panose="020B0502040204020203"/>
+              </a:defRPr>
+            </a:pPr>
+            <a:r>
+              <a:t>• Taux de réussite (% passés)</a:t>
+            </a:r>
+          </a:p>
+          <a:p>
+            <a:pPr>
+              <a:spcAft>
+                <a:spcPts val="800"/>
+              </a:spcAft>
+              <a:defRPr sz="1500">
+                <a:solidFill>
+                  <a:srgbClr val="FFFFFF"/>
+                </a:solidFill>
+                <a:latin typeface="Segoe UI" panose="020B0502040204020203"/>
+              </a:defRPr>
+            </a:pPr>
+            <a:r>
+              <a:t>• Durée totale d'exécution</a:t>
+            </a:r>
+          </a:p>
+          <a:p>
+            <a:pPr>
+              <a:spcAft>
+                <a:spcPts val="800"/>
+              </a:spcAft>
+              <a:defRPr sz="1500">
+                <a:solidFill>
+                  <a:srgbClr val="FFFFFF"/>
+                </a:solidFill>
+                <a:latin typeface="Segoe UI" panose="020B0502040204020203"/>
+              </a:defRPr>
+            </a:pPr>
+            <a:r>
+              <a:t>• Répartition par navigateur</a:t>
+            </a:r>
+          </a:p>
+          <a:p>
+            <a:pPr>
+              <a:spcAft>
+                <a:spcPts val="800"/>
+              </a:spcAft>
+              <a:defRPr sz="1500">
                 <a:solidFill>
                   <a:srgbClr val="FFFFFF"/>
                 </a:solidFill>
@@ -6074,23 +6384,103 @@
               <a:spcAft>
                 <a:spcPts val="800"/>
               </a:spcAft>
-              <a:defRPr sz="1600">
-                <a:solidFill>
-                  <a:srgbClr val="FFFFFF"/>
-                </a:solidFill>
-                <a:latin typeface="Segoe UI" panose="020B0502040204020203"/>
-              </a:defRPr>
-            </a:pPr>
-            <a:r>
-              <a:t>💡 Très utile pour diagnostiquer :</a:t>
-            </a:r>
-          </a:p>
-          <a:p>
-            <a:pPr>
-              <a:spcAft>
-                <a:spcPts val="800"/>
-              </a:spcAft>
-              <a:defRPr sz="1600">
+              <a:defRPr sz="1500">
+                <a:solidFill>
+                  <a:srgbClr val="FFFFFF"/>
+                </a:solidFill>
+                <a:latin typeface="Segoe UI" panose="020B0502040204020203"/>
+              </a:defRPr>
+            </a:pPr>
+            <a:r>
+              <a:t>📌 Par Test :</a:t>
+            </a:r>
+          </a:p>
+          <a:p>
+            <a:pPr>
+              <a:spcAft>
+                <a:spcPts val="800"/>
+              </a:spcAft>
+              <a:defRPr sz="1500">
+                <a:solidFill>
+                  <a:srgbClr val="FFFFFF"/>
+                </a:solidFill>
+                <a:latin typeface="Segoe UI" panose="020B0502040204020203"/>
+              </a:defRPr>
+            </a:pPr>
+            <a:r>
+              <a:t>• Statut : ✅ Passed / ❌ Failed / ⏭️ Skipped</a:t>
+            </a:r>
+          </a:p>
+          <a:p>
+            <a:pPr>
+              <a:spcAft>
+                <a:spcPts val="800"/>
+              </a:spcAft>
+              <a:defRPr sz="1500">
+                <a:solidFill>
+                  <a:srgbClr val="FFFFFF"/>
+                </a:solidFill>
+                <a:latin typeface="Segoe UI" panose="020B0502040204020203"/>
+              </a:defRPr>
+            </a:pPr>
+            <a:r>
+              <a:t>• Durée individuelle</a:t>
+            </a:r>
+          </a:p>
+          <a:p>
+            <a:pPr>
+              <a:spcAft>
+                <a:spcPts val="800"/>
+              </a:spcAft>
+              <a:defRPr sz="1500">
+                <a:solidFill>
+                  <a:srgbClr val="FFFFFF"/>
+                </a:solidFill>
+                <a:latin typeface="Segoe UI" panose="020B0502040204020203"/>
+              </a:defRPr>
+            </a:pPr>
+            <a:r>
+              <a:t>• Erreurs et stack traces</a:t>
+            </a:r>
+          </a:p>
+          <a:p>
+            <a:pPr>
+              <a:spcAft>
+                <a:spcPts val="800"/>
+              </a:spcAft>
+              <a:defRPr sz="1500">
+                <a:solidFill>
+                  <a:srgbClr val="FFFFFF"/>
+                </a:solidFill>
+                <a:latin typeface="Segoe UI" panose="020B0502040204020203"/>
+              </a:defRPr>
+            </a:pPr>
+            <a:r>
+              <a:t>• Screenshots attachés</a:t>
+            </a:r>
+          </a:p>
+          <a:p>
+            <a:pPr>
+              <a:spcAft>
+                <a:spcPts val="800"/>
+              </a:spcAft>
+              <a:defRPr sz="1500">
+                <a:solidFill>
+                  <a:srgbClr val="FFFFFF"/>
+                </a:solidFill>
+                <a:latin typeface="Segoe UI" panose="020B0502040204020203"/>
+              </a:defRPr>
+            </a:pPr>
+            <a:r>
+              <a:t>• Vidéos de l'exécution</a:t>
+            </a:r>
+          </a:p>
+          <a:p>
+            <a:pPr>
+              <a:spcAft>
+                <a:spcPts val="800"/>
+              </a:spcAft>
+              <a:defRPr sz="1500">
                 <a:solidFill>
                   <a:srgbClr val="FFFFFF"/>
                 </a:solidFill>
@@ -6104,63 +6494,63 @@
               <a:spcAft>
                 <a:spcPts val="800"/>
               </a:spcAft>
-              <a:defRPr sz="1600">
-                <a:solidFill>
-                  <a:srgbClr val="FFFFFF"/>
-                </a:solidFill>
-                <a:latin typeface="Segoe UI" panose="020B0502040204020203"/>
-              </a:defRPr>
-            </a:pPr>
-            <a:r>
-              <a:t>• Pourquoi un élément n'a pas été trouvé</a:t>
-            </a:r>
-          </a:p>
-          <a:p>
-            <a:pPr>
-              <a:spcAft>
-                <a:spcPts val="800"/>
-              </a:spcAft>
-              <a:defRPr sz="1600">
-                <a:solidFill>
-                  <a:srgbClr val="FFFFFF"/>
-                </a:solidFill>
-                <a:latin typeface="Segoe UI" panose="020B0502040204020203"/>
-              </a:defRPr>
-            </a:pPr>
-            <a:r>
-              <a:t>• Pourquoi une assertion a échoué</a:t>
-            </a:r>
-          </a:p>
-          <a:p>
-            <a:pPr>
-              <a:spcAft>
-                <a:spcPts val="800"/>
-              </a:spcAft>
-              <a:defRPr sz="1600">
-                <a:solidFill>
-                  <a:srgbClr val="FFFFFF"/>
-                </a:solidFill>
-                <a:latin typeface="Segoe UI" panose="020B0502040204020203"/>
-              </a:defRPr>
-            </a:pPr>
-            <a:r>
-              <a:t>• Les problèmes de timing</a:t>
-            </a:r>
-          </a:p>
-          <a:p>
-            <a:pPr>
-              <a:spcAft>
-                <a:spcPts val="800"/>
-              </a:spcAft>
-              <a:defRPr sz="1600">
-                <a:solidFill>
-                  <a:srgbClr val="FFFFFF"/>
-                </a:solidFill>
-                <a:latin typeface="Segoe UI" panose="020B0502040204020203"/>
-              </a:defRPr>
-            </a:pPr>
-            <a:r>
-              <a:t>• Les erreurs réseau</a:t>
+              <a:defRPr sz="1500">
+                <a:solidFill>
+                  <a:srgbClr val="FFFFFF"/>
+                </a:solidFill>
+                <a:latin typeface="Segoe UI" panose="020B0502040204020203"/>
+              </a:defRPr>
+            </a:pPr>
+            <a:r>
+              <a:t>📌 Filtrage :</a:t>
+            </a:r>
+          </a:p>
+          <a:p>
+            <a:pPr>
+              <a:spcAft>
+                <a:spcPts val="800"/>
+              </a:spcAft>
+              <a:defRPr sz="1500">
+                <a:solidFill>
+                  <a:srgbClr val="FFFFFF"/>
+                </a:solidFill>
+                <a:latin typeface="Segoe UI" panose="020B0502040204020203"/>
+              </a:defRPr>
+            </a:pPr>
+            <a:r>
+              <a:t>• Par statut (échecs uniquement)</a:t>
+            </a:r>
+          </a:p>
+          <a:p>
+            <a:pPr>
+              <a:spcAft>
+                <a:spcPts val="800"/>
+              </a:spcAft>
+              <a:defRPr sz="1500">
+                <a:solidFill>
+                  <a:srgbClr val="FFFFFF"/>
+                </a:solidFill>
+                <a:latin typeface="Segoe UI" panose="020B0502040204020203"/>
+              </a:defRPr>
+            </a:pPr>
+            <a:r>
+              <a:t>• Par fichier de test</a:t>
+            </a:r>
+          </a:p>
+          <a:p>
+            <a:pPr>
+              <a:spcAft>
+                <a:spcPts val="800"/>
+              </a:spcAft>
+              <a:defRPr sz="1500">
+                <a:solidFill>
+                  <a:srgbClr val="FFFFFF"/>
+                </a:solidFill>
+                <a:latin typeface="Segoe UI" panose="020B0502040204020203"/>
+              </a:defRPr>
+            </a:pPr>
+            <a:r>
+              <a:t>• Par navigateur</a:t>
             </a:r>
           </a:p>
         </p:txBody>
@@ -6200,7 +6590,7 @@
         <p:spPr>
           <a:xfrm>
             <a:off x="457200" y="457200"/>
-            <a:ext cx="6147435" cy="706755"/>
+            <a:ext cx="8229600" cy="914400"/>
           </a:xfrm>
           <a:prstGeom prst="rect">
             <a:avLst/>
@@ -6222,18 +6612,8 @@
               </a:defRPr>
             </a:pPr>
             <a:r>
-              <a:rPr>
-                <a:solidFill>
-                  <a:srgbClr val="2EAD33"/>
-                </a:solidFill>
-              </a:rPr>
-              <a:t>5 Notifications et Alertes</a:t>
-            </a:r>
-            <a:endParaRPr>
-              <a:solidFill>
-                <a:srgbClr val="2EAD33"/>
-              </a:solidFill>
-            </a:endParaRPr>
+              <a:t>🔍 Trace Viewer - Débogage Avancé</a:t>
+            </a:r>
           </a:p>
         </p:txBody>
       </p:sp>
@@ -6271,7 +6651,23 @@
               </a:defRPr>
             </a:pPr>
             <a:r>
-              <a:t>🔔 Playwright offre plusieurs mécanismes de notification :</a:t>
+              <a:t>Accès : npx playwright show-trace trace.zi</a:t>
+            </a:r>
+          </a:p>
+          <a:p>
+            <a:pPr>
+              <a:spcAft>
+                <a:spcPts val="800"/>
+              </a:spcAft>
+              <a:defRPr sz="1600">
+                <a:solidFill>
+                  <a:srgbClr val="FFFFFF"/>
+                </a:solidFill>
+                <a:latin typeface="Segoe UI" panose="020B0502040204020203"/>
+              </a:defRPr>
+            </a:pPr>
+            <a:r>
+              <a:t>📌 Fonctionnalités du Trace Viewer :</a:t>
             </a:r>
           </a:p>
           <a:p>
@@ -6301,62 +6697,87 @@
               </a:defRPr>
             </a:pPr>
             <a:r>
-              <a:t>1</a:t>
-            </a:r>
-            <a:r>
-              <a:rPr lang="en-US"/>
-              <a:t> </a:t>
-            </a:r>
-            <a:r>
-              <a:t>Sortie Console (Terminal)</a:t>
-            </a:r>
-          </a:p>
-          <a:p>
-            <a:pPr lvl="1">
-              <a:spcAft>
-                <a:spcPts val="800"/>
-              </a:spcAft>
-              <a:defRPr sz="1600">
-                <a:solidFill>
-                  <a:srgbClr val="FFFFFF"/>
-                </a:solidFill>
-                <a:latin typeface="Segoe UI" panose="020B0502040204020203"/>
-              </a:defRPr>
-            </a:pPr>
-            <a:r>
-              <a:t>• Affichage en temps réel des tests</a:t>
-            </a:r>
-          </a:p>
-          <a:p>
-            <a:pPr lvl="1">
-              <a:spcAft>
-                <a:spcPts val="800"/>
-              </a:spcAft>
-              <a:defRPr sz="1600">
-                <a:solidFill>
-                  <a:srgbClr val="FFFFFF"/>
-                </a:solidFill>
-                <a:latin typeface="Segoe UI" panose="020B0502040204020203"/>
-              </a:defRPr>
-            </a:pPr>
-            <a:r>
-              <a:t>• Codes couleur : vert (passé), rouge (échoué)</a:t>
-            </a:r>
-          </a:p>
-          <a:p>
-            <a:pPr lvl="1">
-              <a:spcAft>
-                <a:spcPts val="800"/>
-              </a:spcAft>
-              <a:defRPr sz="1600">
-                <a:solidFill>
-                  <a:srgbClr val="FFFFFF"/>
-                </a:solidFill>
-                <a:latin typeface="Segoe UI" panose="020B0502040204020203"/>
-              </a:defRPr>
-            </a:pPr>
-            <a:r>
-              <a:t>• Résumé final avec statistiques</a:t>
+              <a:t>• Timeline : Visualisation chronologique de chaque action</a:t>
+            </a:r>
+          </a:p>
+          <a:p>
+            <a:pPr>
+              <a:spcAft>
+                <a:spcPts val="800"/>
+              </a:spcAft>
+              <a:defRPr sz="1600">
+                <a:solidFill>
+                  <a:srgbClr val="FFFFFF"/>
+                </a:solidFill>
+                <a:latin typeface="Segoe UI" panose="020B0502040204020203"/>
+              </a:defRPr>
+            </a:pPr>
+            <a:r>
+              <a:t>• Snapshots : État du DOM avant/après chaque action</a:t>
+            </a:r>
+          </a:p>
+          <a:p>
+            <a:pPr>
+              <a:spcAft>
+                <a:spcPts val="800"/>
+              </a:spcAft>
+              <a:defRPr sz="1600">
+                <a:solidFill>
+                  <a:srgbClr val="FFFFFF"/>
+                </a:solidFill>
+                <a:latin typeface="Segoe UI" panose="020B0502040204020203"/>
+              </a:defRPr>
+            </a:pPr>
+            <a:r>
+              <a:t>• Console : Logs JavaScript de la page</a:t>
+            </a:r>
+          </a:p>
+          <a:p>
+            <a:pPr>
+              <a:spcAft>
+                <a:spcPts val="800"/>
+              </a:spcAft>
+              <a:defRPr sz="1600">
+                <a:solidFill>
+                  <a:srgbClr val="FFFFFF"/>
+                </a:solidFill>
+                <a:latin typeface="Segoe UI" panose="020B0502040204020203"/>
+              </a:defRPr>
+            </a:pPr>
+            <a:r>
+              <a:t>• Network : Toutes les requêtes HTTP avec détails</a:t>
+            </a:r>
+          </a:p>
+          <a:p>
+            <a:pPr>
+              <a:spcAft>
+                <a:spcPts val="800"/>
+              </a:spcAft>
+              <a:defRPr sz="1600">
+                <a:solidFill>
+                  <a:srgbClr val="FFFFFF"/>
+                </a:solidFill>
+                <a:latin typeface="Segoe UI" panose="020B0502040204020203"/>
+              </a:defRPr>
+            </a:pPr>
+            <a:r>
+              <a:t>• Source : Code du test avec ligne courante</a:t>
+            </a:r>
+          </a:p>
+          <a:p>
+            <a:pPr>
+              <a:spcAft>
+                <a:spcPts val="800"/>
+              </a:spcAft>
+              <a:defRPr sz="1600">
+                <a:solidFill>
+                  <a:srgbClr val="FFFFFF"/>
+                </a:solidFill>
+                <a:latin typeface="Segoe UI" panose="020B0502040204020203"/>
+              </a:defRPr>
+            </a:pPr>
+            <a:r>
+              <a:t>• Actions : Liste de toutes les actions Playwright</a:t>
             </a:r>
           </a:p>
           <a:p>
@@ -6386,62 +6807,7 @@
               </a:defRPr>
             </a:pPr>
             <a:r>
-              <a:t>2</a:t>
-            </a:r>
-            <a:r>
-              <a:rPr lang="en-US"/>
-              <a:t> </a:t>
-            </a:r>
-            <a:r>
-              <a:t>Intégration CI/CD</a:t>
-            </a:r>
-          </a:p>
-          <a:p>
-            <a:pPr lvl="1">
-              <a:spcAft>
-                <a:spcPts val="800"/>
-              </a:spcAft>
-              <a:defRPr sz="1600">
-                <a:solidFill>
-                  <a:srgbClr val="FFFFFF"/>
-                </a:solidFill>
-                <a:latin typeface="Segoe UI" panose="020B0502040204020203"/>
-              </a:defRPr>
-            </a:pPr>
-            <a:r>
-              <a:t>• GitHub Actions : Commentaires sur PR</a:t>
-            </a:r>
-          </a:p>
-          <a:p>
-            <a:pPr lvl="1">
-              <a:spcAft>
-                <a:spcPts val="800"/>
-              </a:spcAft>
-              <a:defRPr sz="1600">
-                <a:solidFill>
-                  <a:srgbClr val="FFFFFF"/>
-                </a:solidFill>
-                <a:latin typeface="Segoe UI" panose="020B0502040204020203"/>
-              </a:defRPr>
-            </a:pPr>
-            <a:r>
-              <a:t>• Jenkins, GitLab CI : Rapports JUnit</a:t>
-            </a:r>
-          </a:p>
-          <a:p>
-            <a:pPr lvl="1">
-              <a:spcAft>
-                <a:spcPts val="800"/>
-              </a:spcAft>
-              <a:defRPr sz="1600">
-                <a:solidFill>
-                  <a:srgbClr val="FFFFFF"/>
-                </a:solidFill>
-                <a:latin typeface="Segoe UI" panose="020B0502040204020203"/>
-              </a:defRPr>
-            </a:pPr>
-            <a:r>
-              <a:t>• Slack/Teams : Webhooks personnalisés</a:t>
+              <a:t>💡 Très utile pour diagnostiquer :</a:t>
             </a:r>
           </a:p>
           <a:p>
@@ -6471,62 +6837,55 @@
               </a:defRPr>
             </a:pPr>
             <a:r>
-              <a:t>3</a:t>
-            </a:r>
-            <a:r>
-              <a:rPr lang="en-US"/>
-              <a:t> </a:t>
-            </a:r>
-            <a:r>
-              <a:t>Reporters Personnalisés</a:t>
-            </a:r>
-          </a:p>
-          <a:p>
-            <a:pPr lvl="1">
-              <a:spcAft>
-                <a:spcPts val="800"/>
-              </a:spcAft>
-              <a:defRPr sz="1600">
-                <a:solidFill>
-                  <a:srgbClr val="FFFFFF"/>
-                </a:solidFill>
-                <a:latin typeface="Segoe UI" panose="020B0502040204020203"/>
-              </a:defRPr>
-            </a:pPr>
-            <a:r>
-              <a:t>• Reporter JSON pour intégration tiers</a:t>
-            </a:r>
-          </a:p>
-          <a:p>
-            <a:pPr lvl="1">
-              <a:spcAft>
-                <a:spcPts val="800"/>
-              </a:spcAft>
-              <a:defRPr sz="1600">
-                <a:solidFill>
-                  <a:srgbClr val="FFFFFF"/>
-                </a:solidFill>
-                <a:latin typeface="Segoe UI" panose="020B0502040204020203"/>
-              </a:defRPr>
-            </a:pPr>
-            <a:r>
-              <a:t>• Reporter JUnit pour outils CI</a:t>
-            </a:r>
-          </a:p>
-          <a:p>
-            <a:pPr lvl="1">
-              <a:spcAft>
-                <a:spcPts val="800"/>
-              </a:spcAft>
-              <a:defRPr sz="1600">
-                <a:solidFill>
-                  <a:srgbClr val="FFFFFF"/>
-                </a:solidFill>
-                <a:latin typeface="Segoe UI" panose="020B0502040204020203"/>
-              </a:defRPr>
-            </a:pPr>
-            <a:r>
-              <a:t>• Reporter personnalisé (API JavaScript)</a:t>
+              <a:t>• Pourquoi un élément n'a pas été trouvé</a:t>
+            </a:r>
+          </a:p>
+          <a:p>
+            <a:pPr>
+              <a:spcAft>
+                <a:spcPts val="800"/>
+              </a:spcAft>
+              <a:defRPr sz="1600">
+                <a:solidFill>
+                  <a:srgbClr val="FFFFFF"/>
+                </a:solidFill>
+                <a:latin typeface="Segoe UI" panose="020B0502040204020203"/>
+              </a:defRPr>
+            </a:pPr>
+            <a:r>
+              <a:t>• Pourquoi une assertion a échoué</a:t>
+            </a:r>
+          </a:p>
+          <a:p>
+            <a:pPr>
+              <a:spcAft>
+                <a:spcPts val="800"/>
+              </a:spcAft>
+              <a:defRPr sz="1600">
+                <a:solidFill>
+                  <a:srgbClr val="FFFFFF"/>
+                </a:solidFill>
+                <a:latin typeface="Segoe UI" panose="020B0502040204020203"/>
+              </a:defRPr>
+            </a:pPr>
+            <a:r>
+              <a:t>• Les problèmes de timing</a:t>
+            </a:r>
+          </a:p>
+          <a:p>
+            <a:pPr>
+              <a:spcAft>
+                <a:spcPts val="800"/>
+              </a:spcAft>
+              <a:defRPr sz="1600">
+                <a:solidFill>
+                  <a:srgbClr val="FFFFFF"/>
+                </a:solidFill>
+                <a:latin typeface="Segoe UI" panose="020B0502040204020203"/>
+              </a:defRPr>
+            </a:pPr>
+            <a:r>
+              <a:t>• Les erreurs réseau</a:t>
             </a:r>
           </a:p>
         </p:txBody>
@@ -6540,6 +6899,372 @@
 </file>
 
 <file path=ppt/slides/slide18.xml><?xml version="1.0" encoding="utf-8"?>
+<p:sld xmlns:a="http://schemas.openxmlformats.org/drawingml/2006/main" xmlns:r="http://schemas.openxmlformats.org/officeDocument/2006/relationships" xmlns:p="http://schemas.openxmlformats.org/presentationml/2006/main">
+  <p:cSld>
+    <p:bg>
+      <p:bgPr>
+        <a:solidFill>
+          <a:srgbClr val="1A1A2E"/>
+        </a:solidFill>
+        <a:effectLst/>
+      </p:bgPr>
+    </p:bg>
+    <p:spTree>
+      <p:nvGrpSpPr>
+        <p:cNvPr id="1" name=""/>
+        <p:cNvGrpSpPr/>
+        <p:nvPr/>
+      </p:nvGrpSpPr>
+      <p:grpSpPr/>
+      <p:sp>
+        <p:nvSpPr>
+          <p:cNvPr id="2" name="TextBox 1"/>
+          <p:cNvSpPr txBox="1"/>
+          <p:nvPr/>
+        </p:nvSpPr>
+        <p:spPr>
+          <a:xfrm>
+            <a:off x="457200" y="457200"/>
+            <a:ext cx="6147435" cy="706755"/>
+          </a:xfrm>
+          <a:prstGeom prst="rect">
+            <a:avLst/>
+          </a:prstGeom>
+          <a:noFill/>
+        </p:spPr>
+        <p:txBody>
+          <a:bodyPr wrap="none">
+            <a:spAutoFit/>
+          </a:bodyPr>
+          <a:lstStyle/>
+          <a:p>
+            <a:pPr>
+              <a:defRPr sz="4000" b="1">
+                <a:solidFill>
+                  <a:srgbClr val="FFFFFF"/>
+                </a:solidFill>
+                <a:latin typeface="Segoe UI" panose="020B0502040204020203"/>
+              </a:defRPr>
+            </a:pPr>
+            <a:r>
+              <a:rPr>
+                <a:solidFill>
+                  <a:srgbClr val="2EAD33"/>
+                </a:solidFill>
+              </a:rPr>
+              <a:t>5 Notifications et Alertes</a:t>
+            </a:r>
+            <a:endParaRPr>
+              <a:solidFill>
+                <a:srgbClr val="2EAD33"/>
+              </a:solidFill>
+            </a:endParaRPr>
+          </a:p>
+        </p:txBody>
+      </p:sp>
+      <p:sp>
+        <p:nvSpPr>
+          <p:cNvPr id="3" name="TextBox 2"/>
+          <p:cNvSpPr txBox="1"/>
+          <p:nvPr/>
+        </p:nvSpPr>
+        <p:spPr>
+          <a:xfrm>
+            <a:off x="457200" y="1371600"/>
+            <a:ext cx="8229600" cy="5015865"/>
+          </a:xfrm>
+          <a:prstGeom prst="rect">
+            <a:avLst/>
+          </a:prstGeom>
+          <a:noFill/>
+        </p:spPr>
+        <p:txBody>
+          <a:bodyPr wrap="square">
+            <a:spAutoFit/>
+          </a:bodyPr>
+          <a:lstStyle/>
+          <a:p>
+            <a:pPr>
+              <a:spcAft>
+                <a:spcPts val="800"/>
+              </a:spcAft>
+              <a:defRPr sz="1600">
+                <a:solidFill>
+                  <a:srgbClr val="FFFFFF"/>
+                </a:solidFill>
+                <a:latin typeface="Segoe UI" panose="020B0502040204020203"/>
+              </a:defRPr>
+            </a:pPr>
+            <a:r>
+              <a:t>🔔 Playwright offre plusieurs mécanismes de notification :</a:t>
+            </a:r>
+          </a:p>
+          <a:p>
+            <a:pPr>
+              <a:spcAft>
+                <a:spcPts val="800"/>
+              </a:spcAft>
+              <a:defRPr sz="1600">
+                <a:solidFill>
+                  <a:srgbClr val="FFFFFF"/>
+                </a:solidFill>
+                <a:latin typeface="Segoe UI" panose="020B0502040204020203"/>
+              </a:defRPr>
+            </a:pPr>
+            <a:endParaRPr sz="400"/>
+          </a:p>
+          <a:p>
+            <a:pPr>
+              <a:spcAft>
+                <a:spcPts val="800"/>
+              </a:spcAft>
+              <a:defRPr sz="1600">
+                <a:solidFill>
+                  <a:srgbClr val="FFFFFF"/>
+                </a:solidFill>
+                <a:latin typeface="Segoe UI" panose="020B0502040204020203"/>
+              </a:defRPr>
+            </a:pPr>
+            <a:r>
+              <a:t>1</a:t>
+            </a:r>
+            <a:r>
+              <a:rPr lang="en-US"/>
+              <a:t> </a:t>
+            </a:r>
+            <a:r>
+              <a:t>Sortie Console (Terminal)</a:t>
+            </a:r>
+          </a:p>
+          <a:p>
+            <a:pPr lvl="1">
+              <a:spcAft>
+                <a:spcPts val="800"/>
+              </a:spcAft>
+              <a:defRPr sz="1600">
+                <a:solidFill>
+                  <a:srgbClr val="FFFFFF"/>
+                </a:solidFill>
+                <a:latin typeface="Segoe UI" panose="020B0502040204020203"/>
+              </a:defRPr>
+            </a:pPr>
+            <a:r>
+              <a:t>• Affichage en temps réel des tests</a:t>
+            </a:r>
+          </a:p>
+          <a:p>
+            <a:pPr lvl="1">
+              <a:spcAft>
+                <a:spcPts val="800"/>
+              </a:spcAft>
+              <a:defRPr sz="1600">
+                <a:solidFill>
+                  <a:srgbClr val="FFFFFF"/>
+                </a:solidFill>
+                <a:latin typeface="Segoe UI" panose="020B0502040204020203"/>
+              </a:defRPr>
+            </a:pPr>
+            <a:r>
+              <a:t>• Codes couleur : vert (passé), rouge (échoué)</a:t>
+            </a:r>
+          </a:p>
+          <a:p>
+            <a:pPr lvl="1">
+              <a:spcAft>
+                <a:spcPts val="800"/>
+              </a:spcAft>
+              <a:defRPr sz="1600">
+                <a:solidFill>
+                  <a:srgbClr val="FFFFFF"/>
+                </a:solidFill>
+                <a:latin typeface="Segoe UI" panose="020B0502040204020203"/>
+              </a:defRPr>
+            </a:pPr>
+            <a:r>
+              <a:t>• Résumé final avec statistiques</a:t>
+            </a:r>
+          </a:p>
+          <a:p>
+            <a:pPr>
+              <a:spcAft>
+                <a:spcPts val="800"/>
+              </a:spcAft>
+              <a:defRPr sz="1600">
+                <a:solidFill>
+                  <a:srgbClr val="FFFFFF"/>
+                </a:solidFill>
+                <a:latin typeface="Segoe UI" panose="020B0502040204020203"/>
+              </a:defRPr>
+            </a:pPr>
+            <a:endParaRPr sz="400"/>
+          </a:p>
+          <a:p>
+            <a:pPr>
+              <a:spcAft>
+                <a:spcPts val="800"/>
+              </a:spcAft>
+              <a:defRPr sz="1600">
+                <a:solidFill>
+                  <a:srgbClr val="FFFFFF"/>
+                </a:solidFill>
+                <a:latin typeface="Segoe UI" panose="020B0502040204020203"/>
+              </a:defRPr>
+            </a:pPr>
+            <a:r>
+              <a:t>2</a:t>
+            </a:r>
+            <a:r>
+              <a:rPr lang="en-US"/>
+              <a:t> </a:t>
+            </a:r>
+            <a:r>
+              <a:t>Intégration CI/CD</a:t>
+            </a:r>
+          </a:p>
+          <a:p>
+            <a:pPr lvl="1">
+              <a:spcAft>
+                <a:spcPts val="800"/>
+              </a:spcAft>
+              <a:defRPr sz="1600">
+                <a:solidFill>
+                  <a:srgbClr val="FFFFFF"/>
+                </a:solidFill>
+                <a:latin typeface="Segoe UI" panose="020B0502040204020203"/>
+              </a:defRPr>
+            </a:pPr>
+            <a:r>
+              <a:t>• GitHub Actions : Commentaires sur PR</a:t>
+            </a:r>
+          </a:p>
+          <a:p>
+            <a:pPr lvl="1">
+              <a:spcAft>
+                <a:spcPts val="800"/>
+              </a:spcAft>
+              <a:defRPr sz="1600">
+                <a:solidFill>
+                  <a:srgbClr val="FFFFFF"/>
+                </a:solidFill>
+                <a:latin typeface="Segoe UI" panose="020B0502040204020203"/>
+              </a:defRPr>
+            </a:pPr>
+            <a:r>
+              <a:t>• Jenkins, GitLab CI : Rapports JUnit</a:t>
+            </a:r>
+          </a:p>
+          <a:p>
+            <a:pPr lvl="1">
+              <a:spcAft>
+                <a:spcPts val="800"/>
+              </a:spcAft>
+              <a:defRPr sz="1600">
+                <a:solidFill>
+                  <a:srgbClr val="FFFFFF"/>
+                </a:solidFill>
+                <a:latin typeface="Segoe UI" panose="020B0502040204020203"/>
+              </a:defRPr>
+            </a:pPr>
+            <a:r>
+              <a:t>• Slack/Teams : Webhooks personnalisés</a:t>
+            </a:r>
+          </a:p>
+          <a:p>
+            <a:pPr>
+              <a:spcAft>
+                <a:spcPts val="800"/>
+              </a:spcAft>
+              <a:defRPr sz="1600">
+                <a:solidFill>
+                  <a:srgbClr val="FFFFFF"/>
+                </a:solidFill>
+                <a:latin typeface="Segoe UI" panose="020B0502040204020203"/>
+              </a:defRPr>
+            </a:pPr>
+            <a:endParaRPr sz="400"/>
+          </a:p>
+          <a:p>
+            <a:pPr>
+              <a:spcAft>
+                <a:spcPts val="800"/>
+              </a:spcAft>
+              <a:defRPr sz="1600">
+                <a:solidFill>
+                  <a:srgbClr val="FFFFFF"/>
+                </a:solidFill>
+                <a:latin typeface="Segoe UI" panose="020B0502040204020203"/>
+              </a:defRPr>
+            </a:pPr>
+            <a:r>
+              <a:t>3</a:t>
+            </a:r>
+            <a:r>
+              <a:rPr lang="en-US"/>
+              <a:t> </a:t>
+            </a:r>
+            <a:r>
+              <a:t>Reporters Personnalisés</a:t>
+            </a:r>
+          </a:p>
+          <a:p>
+            <a:pPr lvl="1">
+              <a:spcAft>
+                <a:spcPts val="800"/>
+              </a:spcAft>
+              <a:defRPr sz="1600">
+                <a:solidFill>
+                  <a:srgbClr val="FFFFFF"/>
+                </a:solidFill>
+                <a:latin typeface="Segoe UI" panose="020B0502040204020203"/>
+              </a:defRPr>
+            </a:pPr>
+            <a:r>
+              <a:t>• Reporter JSON pour intégration tiers</a:t>
+            </a:r>
+          </a:p>
+          <a:p>
+            <a:pPr lvl="1">
+              <a:spcAft>
+                <a:spcPts val="800"/>
+              </a:spcAft>
+              <a:defRPr sz="1600">
+                <a:solidFill>
+                  <a:srgbClr val="FFFFFF"/>
+                </a:solidFill>
+                <a:latin typeface="Segoe UI" panose="020B0502040204020203"/>
+              </a:defRPr>
+            </a:pPr>
+            <a:r>
+              <a:t>• Reporter JUnit pour outils CI</a:t>
+            </a:r>
+          </a:p>
+          <a:p>
+            <a:pPr lvl="1">
+              <a:spcAft>
+                <a:spcPts val="800"/>
+              </a:spcAft>
+              <a:defRPr sz="1600">
+                <a:solidFill>
+                  <a:srgbClr val="FFFFFF"/>
+                </a:solidFill>
+                <a:latin typeface="Segoe UI" panose="020B0502040204020203"/>
+              </a:defRPr>
+            </a:pPr>
+            <a:r>
+              <a:t>• Reporter personnalisé (API JavaScript)</a:t>
+            </a:r>
+          </a:p>
+        </p:txBody>
+      </p:sp>
+    </p:spTree>
+  </p:cSld>
+  <p:clrMapOvr>
+    <a:masterClrMapping/>
+  </p:clrMapOvr>
+</p:sld>
+</file>
+
+<file path=ppt/slides/slide19.xml><?xml version="1.0" encoding="utf-8"?>
 <p:sld xmlns:a="http://schemas.openxmlformats.org/drawingml/2006/main" xmlns:r="http://schemas.openxmlformats.org/officeDocument/2006/relationships" xmlns:p="http://schemas.openxmlformats.org/presentationml/2006/main">
   <p:cSld>
     <p:bg>
@@ -6740,74 +7465,6 @@
           </a:p>
         </p:txBody>
       </p:sp>
-      <p:sp>
-        <p:nvSpPr>
-          <p:cNvPr id="5" name="TextBox 4"/>
-          <p:cNvSpPr txBox="1"/>
-          <p:nvPr/>
-        </p:nvSpPr>
-        <p:spPr>
-          <a:xfrm>
-            <a:off x="457200" y="5029200"/>
-            <a:ext cx="8229600" cy="4572000"/>
-          </a:xfrm>
-          <a:prstGeom prst="rect">
-            <a:avLst/>
-          </a:prstGeom>
-          <a:noFill/>
-        </p:spPr>
-        <p:txBody>
-          <a:bodyPr wrap="square">
-            <a:spAutoFit/>
-          </a:bodyPr>
-          <a:lstStyle/>
-          <a:p>
-            <a:pPr>
-              <a:spcAft>
-                <a:spcPts val="800"/>
-              </a:spcAft>
-              <a:defRPr sz="1400">
-                <a:solidFill>
-                  <a:srgbClr val="FFFFFF"/>
-                </a:solidFill>
-                <a:latin typeface="Segoe UI" panose="020B0502040204020203"/>
-              </a:defRPr>
-            </a:pPr>
-          </a:p>
-          <a:p>
-            <a:pPr>
-              <a:spcAft>
-                <a:spcPts val="800"/>
-              </a:spcAft>
-              <a:defRPr sz="1400">
-                <a:solidFill>
-                  <a:srgbClr val="FFFFFF"/>
-                </a:solidFill>
-                <a:latin typeface="Segoe UI" panose="020B0502040204020203"/>
-              </a:defRPr>
-            </a:pPr>
-            <a:r>
-              <a:t>📧 Pour les notifications email/Slack, utilisez un script CI post-test</a:t>
-            </a:r>
-          </a:p>
-          <a:p>
-            <a:pPr>
-              <a:spcAft>
-                <a:spcPts val="800"/>
-              </a:spcAft>
-              <a:defRPr sz="1400">
-                <a:solidFill>
-                  <a:srgbClr val="FFFFFF"/>
-                </a:solidFill>
-                <a:latin typeface="Segoe UI" panose="020B0502040204020203"/>
-              </a:defRPr>
-            </a:pPr>
-            <a:r>
-              <a:t>qui parse le fichier results.json et envoie des alertes conditionnelles.</a:t>
-            </a:r>
-          </a:p>
-        </p:txBody>
-      </p:sp>
     </p:spTree>
   </p:cSld>
   <p:clrMapOvr>
@@ -6816,7 +7473,220 @@
 </p:sld>
 </file>
 
-<file path=ppt/slides/slide19.xml><?xml version="1.0" encoding="utf-8"?>
+<file path=ppt/slides/slide2.xml><?xml version="1.0" encoding="utf-8"?>
+<p:sld xmlns:a="http://schemas.openxmlformats.org/drawingml/2006/main" xmlns:r="http://schemas.openxmlformats.org/officeDocument/2006/relationships" xmlns:p="http://schemas.openxmlformats.org/presentationml/2006/main">
+  <p:cSld>
+    <p:bg>
+      <p:bgPr>
+        <a:solidFill>
+          <a:srgbClr val="1A1A2E"/>
+        </a:solidFill>
+        <a:effectLst/>
+      </p:bgPr>
+    </p:bg>
+    <p:spTree>
+      <p:nvGrpSpPr>
+        <p:cNvPr id="1" name=""/>
+        <p:cNvGrpSpPr/>
+        <p:nvPr/>
+      </p:nvGrpSpPr>
+      <p:grpSpPr/>
+      <p:sp>
+        <p:nvSpPr>
+          <p:cNvPr id="2" name="TextBox 1"/>
+          <p:cNvSpPr txBox="1"/>
+          <p:nvPr/>
+        </p:nvSpPr>
+        <p:spPr>
+          <a:xfrm>
+            <a:off x="457200" y="457200"/>
+            <a:ext cx="8229600" cy="914400"/>
+          </a:xfrm>
+          <a:prstGeom prst="rect">
+            <a:avLst/>
+          </a:prstGeom>
+          <a:noFill/>
+        </p:spPr>
+        <p:txBody>
+          <a:bodyPr wrap="none">
+            <a:spAutoFit/>
+          </a:bodyPr>
+          <a:lstStyle/>
+          <a:p>
+            <a:pPr>
+              <a:defRPr sz="4000" b="1">
+                <a:solidFill>
+                  <a:srgbClr val="FFFFFF"/>
+                </a:solidFill>
+                <a:latin typeface="Segoe UI" panose="020B0502040204020203"/>
+              </a:defRPr>
+            </a:pPr>
+            <a:r>
+              <a:t>📋 Sommaire</a:t>
+            </a:r>
+          </a:p>
+        </p:txBody>
+      </p:sp>
+      <p:sp>
+        <p:nvSpPr>
+          <p:cNvPr id="3" name="TextBox 2"/>
+          <p:cNvSpPr txBox="1"/>
+          <p:nvPr/>
+        </p:nvSpPr>
+        <p:spPr>
+          <a:xfrm>
+            <a:off x="457200" y="1371600"/>
+            <a:ext cx="8229600" cy="4572000"/>
+          </a:xfrm>
+          <a:prstGeom prst="rect">
+            <a:avLst/>
+          </a:prstGeom>
+          <a:noFill/>
+        </p:spPr>
+        <p:txBody>
+          <a:bodyPr wrap="square">
+            <a:spAutoFit/>
+          </a:bodyPr>
+          <a:lstStyle/>
+          <a:p>
+            <a:pPr>
+              <a:spcAft>
+                <a:spcPts val="800"/>
+              </a:spcAft>
+              <a:defRPr sz="2200">
+                <a:solidFill>
+                  <a:srgbClr val="FFFFFF"/>
+                </a:solidFill>
+                <a:latin typeface="Segoe UI" panose="020B0502040204020203"/>
+              </a:defRPr>
+            </a:pPr>
+            <a:r>
+              <a:t>1. Présentation Générale de Playwright</a:t>
+            </a:r>
+          </a:p>
+          <a:p>
+            <a:pPr>
+              <a:spcAft>
+                <a:spcPts val="800"/>
+              </a:spcAft>
+              <a:defRPr sz="2200">
+                <a:solidFill>
+                  <a:srgbClr val="FFFFFF"/>
+                </a:solidFill>
+                <a:latin typeface="Segoe UI" panose="020B0502040204020203"/>
+              </a:defRPr>
+            </a:pPr>
+            <a:r>
+              <a:t>2. Installation et Paramétrage Détaillé</a:t>
+            </a:r>
+          </a:p>
+          <a:p>
+            <a:pPr>
+              <a:spcAft>
+                <a:spcPts val="800"/>
+              </a:spcAft>
+              <a:defRPr sz="2200">
+                <a:solidFill>
+                  <a:srgbClr val="FFFFFF"/>
+                </a:solidFill>
+                <a:latin typeface="Segoe UI" panose="020B0502040204020203"/>
+              </a:defRPr>
+            </a:pPr>
+            <a:r>
+              <a:t>3. Mode d'Utilisation</a:t>
+            </a:r>
+          </a:p>
+          <a:p>
+            <a:pPr>
+              <a:spcAft>
+                <a:spcPts val="800"/>
+              </a:spcAft>
+              <a:defRPr sz="2200">
+                <a:solidFill>
+                  <a:srgbClr val="FFFFFF"/>
+                </a:solidFill>
+                <a:latin typeface="Segoe UI" panose="020B0502040204020203"/>
+              </a:defRPr>
+            </a:pPr>
+            <a:r>
+              <a:t>4. Types de Résultats Générés</a:t>
+            </a:r>
+          </a:p>
+          <a:p>
+            <a:pPr>
+              <a:spcAft>
+                <a:spcPts val="800"/>
+              </a:spcAft>
+              <a:defRPr sz="2200">
+                <a:solidFill>
+                  <a:srgbClr val="FFFFFF"/>
+                </a:solidFill>
+                <a:latin typeface="Segoe UI" panose="020B0502040204020203"/>
+              </a:defRPr>
+            </a:pPr>
+            <a:r>
+              <a:t>5. Notifications et Alertes</a:t>
+            </a:r>
+          </a:p>
+          <a:p>
+            <a:pPr>
+              <a:spcAft>
+                <a:spcPts val="800"/>
+              </a:spcAft>
+              <a:defRPr sz="2200">
+                <a:solidFill>
+                  <a:srgbClr val="FFFFFF"/>
+                </a:solidFill>
+                <a:latin typeface="Segoe UI" panose="020B0502040204020203"/>
+              </a:defRPr>
+            </a:pPr>
+            <a:r>
+              <a:t>6. Rapports Générés et leur Interprétation</a:t>
+            </a:r>
+          </a:p>
+          <a:p>
+            <a:pPr>
+              <a:spcAft>
+                <a:spcPts val="800"/>
+              </a:spcAft>
+              <a:defRPr sz="2200">
+                <a:solidFill>
+                  <a:srgbClr val="FFFFFF"/>
+                </a:solidFill>
+                <a:latin typeface="Segoe UI" panose="020B0502040204020203"/>
+              </a:defRPr>
+            </a:pPr>
+            <a:r>
+              <a:t>7. Cas Pratique : Application OWASP Juice Shop</a:t>
+            </a:r>
+          </a:p>
+          <a:p>
+            <a:pPr>
+              <a:spcAft>
+                <a:spcPts val="800"/>
+              </a:spcAft>
+              <a:defRPr sz="2200">
+                <a:solidFill>
+                  <a:srgbClr val="FFFFFF"/>
+                </a:solidFill>
+                <a:latin typeface="Segoe UI" panose="020B0502040204020203"/>
+              </a:defRPr>
+            </a:pPr>
+            <a:r>
+              <a:t>8. Conclusion</a:t>
+            </a:r>
+          </a:p>
+        </p:txBody>
+      </p:sp>
+    </p:spTree>
+  </p:cSld>
+  <p:clrMapOvr>
+    <a:masterClrMapping/>
+  </p:clrMapOvr>
+</p:sld>
+</file>
+
+<file path=ppt/slides/slide20.xml><?xml version="1.0" encoding="utf-8"?>
 <p:sld xmlns:a="http://schemas.openxmlformats.org/drawingml/2006/main" xmlns:r="http://schemas.openxmlformats.org/officeDocument/2006/relationships" xmlns:p="http://schemas.openxmlformats.org/presentationml/2006/main">
   <p:cSld>
     <p:bg>
@@ -7461,7 +8331,7 @@
         </p:nvSpPr>
         <p:spPr>
           <a:xfrm>
-            <a:off x="457200" y="5029200"/>
+            <a:off x="457200" y="5200015"/>
             <a:ext cx="8229600" cy="914400"/>
           </a:xfrm>
           <a:prstGeom prst="rect">
@@ -7497,7 +8367,7 @@
 </p:sld>
 </file>
 
-<file path=ppt/slides/slide2.xml><?xml version="1.0" encoding="utf-8"?>
+<file path=ppt/slides/slide21.xml><?xml version="1.0" encoding="utf-8"?>
 <p:sld xmlns:a="http://schemas.openxmlformats.org/drawingml/2006/main" xmlns:r="http://schemas.openxmlformats.org/officeDocument/2006/relationships" xmlns:p="http://schemas.openxmlformats.org/presentationml/2006/main">
   <p:cSld>
     <p:bg>
@@ -7523,8 +8393,8 @@
         </p:nvSpPr>
         <p:spPr>
           <a:xfrm>
-            <a:off x="457200" y="457200"/>
-            <a:ext cx="8229600" cy="914400"/>
+            <a:off x="457200" y="287020"/>
+            <a:ext cx="7705090" cy="645160"/>
           </a:xfrm>
           <a:prstGeom prst="rect">
             <a:avLst/>
@@ -7538,16 +8408,26 @@
           <a:lstStyle/>
           <a:p>
             <a:pPr>
-              <a:defRPr sz="4000" b="1">
-                <a:solidFill>
-                  <a:srgbClr val="FFFFFF"/>
-                </a:solidFill>
-                <a:latin typeface="Segoe UI" panose="020B0502040204020203"/>
-              </a:defRPr>
-            </a:pPr>
-            <a:r>
-              <a:t>📋 Sommaire</a:t>
-            </a:r>
+              <a:defRPr sz="3600" b="1">
+                <a:solidFill>
+                  <a:srgbClr val="FFFFFF"/>
+                </a:solidFill>
+                <a:latin typeface="Segoe UI" panose="020B0502040204020203"/>
+              </a:defRPr>
+            </a:pPr>
+            <a:r>
+              <a:rPr>
+                <a:solidFill>
+                  <a:srgbClr val="2EAD33"/>
+                </a:solidFill>
+              </a:rPr>
+              <a:t>7 Cas Pratique : OWASP Juice Shop</a:t>
+            </a:r>
+            <a:endParaRPr>
+              <a:solidFill>
+                <a:srgbClr val="2EAD33"/>
+              </a:solidFill>
+            </a:endParaRPr>
           </a:p>
         </p:txBody>
       </p:sp>
@@ -7560,7 +8440,7 @@
         <p:spPr>
           <a:xfrm>
             <a:off x="457200" y="1371600"/>
-            <a:ext cx="8229600" cy="4572000"/>
+            <a:ext cx="8229600" cy="4831080"/>
           </a:xfrm>
           <a:prstGeom prst="rect">
             <a:avLst/>
@@ -7577,127 +8457,247 @@
               <a:spcAft>
                 <a:spcPts val="800"/>
               </a:spcAft>
-              <a:defRPr sz="2200">
-                <a:solidFill>
-                  <a:srgbClr val="FFFFFF"/>
-                </a:solidFill>
-                <a:latin typeface="Segoe UI" panose="020B0502040204020203"/>
-              </a:defRPr>
-            </a:pPr>
-            <a:r>
-              <a:t>1. Présentation Générale de Playwright</a:t>
-            </a:r>
-          </a:p>
-          <a:p>
-            <a:pPr>
-              <a:spcAft>
-                <a:spcPts val="800"/>
-              </a:spcAft>
-              <a:defRPr sz="2200">
-                <a:solidFill>
-                  <a:srgbClr val="FFFFFF"/>
-                </a:solidFill>
-                <a:latin typeface="Segoe UI" panose="020B0502040204020203"/>
-              </a:defRPr>
-            </a:pPr>
-            <a:r>
-              <a:t>2. Installation et Paramétrage Détaillé</a:t>
-            </a:r>
-          </a:p>
-          <a:p>
-            <a:pPr>
-              <a:spcAft>
-                <a:spcPts val="800"/>
-              </a:spcAft>
-              <a:defRPr sz="2200">
-                <a:solidFill>
-                  <a:srgbClr val="FFFFFF"/>
-                </a:solidFill>
-                <a:latin typeface="Segoe UI" panose="020B0502040204020203"/>
-              </a:defRPr>
-            </a:pPr>
-            <a:r>
-              <a:t>3. Mode d'Utilisation</a:t>
-            </a:r>
-          </a:p>
-          <a:p>
-            <a:pPr>
-              <a:spcAft>
-                <a:spcPts val="800"/>
-              </a:spcAft>
-              <a:defRPr sz="2200">
-                <a:solidFill>
-                  <a:srgbClr val="FFFFFF"/>
-                </a:solidFill>
-                <a:latin typeface="Segoe UI" panose="020B0502040204020203"/>
-              </a:defRPr>
-            </a:pPr>
-            <a:r>
-              <a:t>4. Types de Résultats Générés</a:t>
-            </a:r>
-          </a:p>
-          <a:p>
-            <a:pPr>
-              <a:spcAft>
-                <a:spcPts val="800"/>
-              </a:spcAft>
-              <a:defRPr sz="2200">
-                <a:solidFill>
-                  <a:srgbClr val="FFFFFF"/>
-                </a:solidFill>
-                <a:latin typeface="Segoe UI" panose="020B0502040204020203"/>
-              </a:defRPr>
-            </a:pPr>
-            <a:r>
-              <a:t>5. Notifications et Alertes</a:t>
-            </a:r>
-          </a:p>
-          <a:p>
-            <a:pPr>
-              <a:spcAft>
-                <a:spcPts val="800"/>
-              </a:spcAft>
-              <a:defRPr sz="2200">
-                <a:solidFill>
-                  <a:srgbClr val="FFFFFF"/>
-                </a:solidFill>
-                <a:latin typeface="Segoe UI" panose="020B0502040204020203"/>
-              </a:defRPr>
-            </a:pPr>
-            <a:r>
-              <a:t>6. Rapports Générés et leur Interprétation</a:t>
-            </a:r>
-          </a:p>
-          <a:p>
-            <a:pPr>
-              <a:spcAft>
-                <a:spcPts val="800"/>
-              </a:spcAft>
-              <a:defRPr sz="2200">
-                <a:solidFill>
-                  <a:srgbClr val="FFFFFF"/>
-                </a:solidFill>
-                <a:latin typeface="Segoe UI" panose="020B0502040204020203"/>
-              </a:defRPr>
-            </a:pPr>
-            <a:r>
-              <a:t>7. Cas Pratique : Application OWASP Juice Shop</a:t>
-            </a:r>
-          </a:p>
-          <a:p>
-            <a:pPr>
-              <a:spcAft>
-                <a:spcPts val="800"/>
-              </a:spcAft>
-              <a:defRPr sz="2200">
-                <a:solidFill>
-                  <a:srgbClr val="FFFFFF"/>
-                </a:solidFill>
-                <a:latin typeface="Segoe UI" panose="020B0502040204020203"/>
-              </a:defRPr>
-            </a:pPr>
-            <a:r>
-              <a:t>8. Conclusion</a:t>
+              <a:defRPr sz="1600">
+                <a:solidFill>
+                  <a:srgbClr val="FFFFFF"/>
+                </a:solidFill>
+                <a:latin typeface="Segoe UI" panose="020B0502040204020203"/>
+              </a:defRPr>
+            </a:pPr>
+            <a:r>
+              <a:t>🛒 Application de Test : OWASP Juice Shop</a:t>
+            </a:r>
+          </a:p>
+          <a:p>
+            <a:pPr>
+              <a:spcAft>
+                <a:spcPts val="800"/>
+              </a:spcAft>
+              <a:defRPr sz="1600">
+                <a:solidFill>
+                  <a:srgbClr val="FFFFFF"/>
+                </a:solidFill>
+                <a:latin typeface="Segoe UI" panose="020B0502040204020203"/>
+              </a:defRPr>
+            </a:pPr>
+            <a:endParaRPr sz="400"/>
+          </a:p>
+          <a:p>
+            <a:pPr>
+              <a:spcAft>
+                <a:spcPts val="800"/>
+              </a:spcAft>
+              <a:defRPr sz="1600">
+                <a:solidFill>
+                  <a:srgbClr val="FFFFFF"/>
+                </a:solidFill>
+                <a:latin typeface="Segoe UI" panose="020B0502040204020203"/>
+              </a:defRPr>
+            </a:pPr>
+            <a:r>
+              <a:t>• Application e-commerce volontairement vulnérable</a:t>
+            </a:r>
+          </a:p>
+          <a:p>
+            <a:pPr>
+              <a:spcAft>
+                <a:spcPts val="800"/>
+              </a:spcAft>
+              <a:defRPr sz="1600">
+                <a:solidFill>
+                  <a:srgbClr val="FFFFFF"/>
+                </a:solidFill>
+                <a:latin typeface="Segoe UI" panose="020B0502040204020203"/>
+              </a:defRPr>
+            </a:pPr>
+            <a:r>
+              <a:t>• Développée par OWASP pour l'apprentissage de la sécurité</a:t>
+            </a:r>
+          </a:p>
+          <a:p>
+            <a:pPr>
+              <a:spcAft>
+                <a:spcPts val="800"/>
+              </a:spcAft>
+              <a:defRPr sz="1600">
+                <a:solidFill>
+                  <a:srgbClr val="FFFFFF"/>
+                </a:solidFill>
+                <a:latin typeface="Segoe UI" panose="020B0502040204020203"/>
+              </a:defRPr>
+            </a:pPr>
+            <a:r>
+              <a:t>• Technologies : Angular + Node.js + SQLite</a:t>
+            </a:r>
+          </a:p>
+          <a:p>
+            <a:pPr>
+              <a:spcAft>
+                <a:spcPts val="800"/>
+              </a:spcAft>
+              <a:defRPr sz="1600">
+                <a:solidFill>
+                  <a:srgbClr val="FFFFFF"/>
+                </a:solidFill>
+                <a:latin typeface="Segoe UI" panose="020B0502040204020203"/>
+              </a:defRPr>
+            </a:pPr>
+            <a:endParaRPr sz="400"/>
+          </a:p>
+          <a:p>
+            <a:pPr>
+              <a:spcAft>
+                <a:spcPts val="800"/>
+              </a:spcAft>
+              <a:defRPr sz="1600">
+                <a:solidFill>
+                  <a:srgbClr val="FFFFFF"/>
+                </a:solidFill>
+                <a:latin typeface="Segoe UI" panose="020B0502040204020203"/>
+              </a:defRPr>
+            </a:pPr>
+            <a:r>
+              <a:t>🧪 Tests Réalisés avec Playwright :</a:t>
+            </a:r>
+          </a:p>
+          <a:p>
+            <a:pPr>
+              <a:spcAft>
+                <a:spcPts val="800"/>
+              </a:spcAft>
+              <a:defRPr sz="1600">
+                <a:solidFill>
+                  <a:srgbClr val="FFFFFF"/>
+                </a:solidFill>
+                <a:latin typeface="Segoe UI" panose="020B0502040204020203"/>
+              </a:defRPr>
+            </a:pPr>
+            <a:endParaRPr sz="400"/>
+          </a:p>
+          <a:p>
+            <a:pPr>
+              <a:spcAft>
+                <a:spcPts val="800"/>
+              </a:spcAft>
+              <a:defRPr sz="1600">
+                <a:solidFill>
+                  <a:srgbClr val="FFFFFF"/>
+                </a:solidFill>
+                <a:latin typeface="Segoe UI" panose="020B0502040204020203"/>
+              </a:defRPr>
+            </a:pPr>
+            <a:r>
+              <a:t>1. Tests E2E (Interface Utilisateur)</a:t>
+            </a:r>
+          </a:p>
+          <a:p>
+            <a:pPr lvl="1">
+              <a:spcAft>
+                <a:spcPts val="800"/>
+              </a:spcAft>
+              <a:defRPr sz="1600">
+                <a:solidFill>
+                  <a:srgbClr val="FFFFFF"/>
+                </a:solidFill>
+                <a:latin typeface="Segoe UI" panose="020B0502040204020203"/>
+              </a:defRPr>
+            </a:pPr>
+            <a:r>
+              <a:t>• Gestion du panier d'achat</a:t>
+            </a:r>
+          </a:p>
+          <a:p>
+            <a:pPr lvl="1">
+              <a:spcAft>
+                <a:spcPts val="800"/>
+              </a:spcAft>
+              <a:defRPr sz="1600">
+                <a:solidFill>
+                  <a:srgbClr val="FFFFFF"/>
+                </a:solidFill>
+                <a:latin typeface="Segoe UI" panose="020B0502040204020203"/>
+              </a:defRPr>
+            </a:pPr>
+            <a:r>
+              <a:t>• Processus de connexion</a:t>
+            </a:r>
+          </a:p>
+          <a:p>
+            <a:pPr lvl="1">
+              <a:spcAft>
+                <a:spcPts val="800"/>
+              </a:spcAft>
+              <a:defRPr sz="1600">
+                <a:solidFill>
+                  <a:srgbClr val="FFFFFF"/>
+                </a:solidFill>
+                <a:latin typeface="Segoe UI" panose="020B0502040204020203"/>
+              </a:defRPr>
+            </a:pPr>
+            <a:r>
+              <a:t>• Navigation dans les produits</a:t>
+            </a:r>
+          </a:p>
+          <a:p>
+            <a:pPr>
+              <a:spcAft>
+                <a:spcPts val="800"/>
+              </a:spcAft>
+              <a:defRPr sz="1600">
+                <a:solidFill>
+                  <a:srgbClr val="FFFFFF"/>
+                </a:solidFill>
+                <a:latin typeface="Segoe UI" panose="020B0502040204020203"/>
+              </a:defRPr>
+            </a:pPr>
+            <a:endParaRPr sz="400"/>
+          </a:p>
+          <a:p>
+            <a:pPr>
+              <a:spcAft>
+                <a:spcPts val="800"/>
+              </a:spcAft>
+              <a:defRPr sz="1600">
+                <a:solidFill>
+                  <a:srgbClr val="FFFFFF"/>
+                </a:solidFill>
+                <a:latin typeface="Segoe UI" panose="020B0502040204020203"/>
+              </a:defRPr>
+            </a:pPr>
+            <a:r>
+              <a:t>2. Tests API</a:t>
+            </a:r>
+          </a:p>
+          <a:p>
+            <a:pPr lvl="1">
+              <a:spcAft>
+                <a:spcPts val="800"/>
+              </a:spcAft>
+              <a:defRPr sz="1600">
+                <a:solidFill>
+                  <a:srgbClr val="FFFFFF"/>
+                </a:solidFill>
+                <a:latin typeface="Segoe UI" panose="020B0502040204020203"/>
+              </a:defRPr>
+            </a:pPr>
+            <a:r>
+              <a:t>• Authentification REST</a:t>
+            </a:r>
+          </a:p>
+          <a:p>
+            <a:pPr lvl="1">
+              <a:spcAft>
+                <a:spcPts val="800"/>
+              </a:spcAft>
+              <a:defRPr sz="1600">
+                <a:solidFill>
+                  <a:srgbClr val="FFFFFF"/>
+                </a:solidFill>
+                <a:latin typeface="Segoe UI" panose="020B0502040204020203"/>
+              </a:defRPr>
+            </a:pPr>
+            <a:r>
+              <a:t>• Liste des produits</a:t>
             </a:r>
           </a:p>
         </p:txBody>
@@ -7710,7 +8710,7 @@
 </p:sld>
 </file>
 
-<file path=ppt/slides/slide20.xml><?xml version="1.0" encoding="utf-8"?>
+<file path=ppt/slides/slide22.xml><?xml version="1.0" encoding="utf-8"?>
 <p:sld xmlns:a="http://schemas.openxmlformats.org/drawingml/2006/main" xmlns:r="http://schemas.openxmlformats.org/officeDocument/2006/relationships" xmlns:p="http://schemas.openxmlformats.org/presentationml/2006/main">
   <p:cSld>
     <p:bg>
@@ -7728,319 +8728,6 @@
         <p:nvPr/>
       </p:nvGrpSpPr>
       <p:grpSpPr/>
-      <p:sp>
-        <p:nvSpPr>
-          <p:cNvPr id="2" name="TextBox 1"/>
-          <p:cNvSpPr txBox="1"/>
-          <p:nvPr/>
-        </p:nvSpPr>
-        <p:spPr>
-          <a:xfrm>
-            <a:off x="457200" y="457200"/>
-            <a:ext cx="7705090" cy="645160"/>
-          </a:xfrm>
-          <a:prstGeom prst="rect">
-            <a:avLst/>
-          </a:prstGeom>
-          <a:noFill/>
-        </p:spPr>
-        <p:txBody>
-          <a:bodyPr wrap="none">
-            <a:spAutoFit/>
-          </a:bodyPr>
-          <a:lstStyle/>
-          <a:p>
-            <a:pPr>
-              <a:defRPr sz="3600" b="1">
-                <a:solidFill>
-                  <a:srgbClr val="FFFFFF"/>
-                </a:solidFill>
-                <a:latin typeface="Segoe UI" panose="020B0502040204020203"/>
-              </a:defRPr>
-            </a:pPr>
-            <a:r>
-              <a:rPr>
-                <a:solidFill>
-                  <a:srgbClr val="2EAD33"/>
-                </a:solidFill>
-              </a:rPr>
-              <a:t>7 Cas Pratique : OWASP Juice Shop</a:t>
-            </a:r>
-            <a:endParaRPr>
-              <a:solidFill>
-                <a:srgbClr val="2EAD33"/>
-              </a:solidFill>
-            </a:endParaRPr>
-          </a:p>
-        </p:txBody>
-      </p:sp>
-      <p:sp>
-        <p:nvSpPr>
-          <p:cNvPr id="3" name="TextBox 2"/>
-          <p:cNvSpPr txBox="1"/>
-          <p:nvPr/>
-        </p:nvSpPr>
-        <p:spPr>
-          <a:xfrm>
-            <a:off x="457200" y="1371600"/>
-            <a:ext cx="8229600" cy="4572000"/>
-          </a:xfrm>
-          <a:prstGeom prst="rect">
-            <a:avLst/>
-          </a:prstGeom>
-          <a:noFill/>
-        </p:spPr>
-        <p:txBody>
-          <a:bodyPr wrap="square">
-            <a:spAutoFit/>
-          </a:bodyPr>
-          <a:lstStyle/>
-          <a:p>
-            <a:pPr>
-              <a:spcAft>
-                <a:spcPts val="800"/>
-              </a:spcAft>
-              <a:defRPr sz="1600">
-                <a:solidFill>
-                  <a:srgbClr val="FFFFFF"/>
-                </a:solidFill>
-                <a:latin typeface="Segoe UI" panose="020B0502040204020203"/>
-              </a:defRPr>
-            </a:pPr>
-            <a:r>
-              <a:t>🛒 Application de Test : OWASP Juice Shop</a:t>
-            </a:r>
-          </a:p>
-          <a:p>
-            <a:pPr>
-              <a:spcAft>
-                <a:spcPts val="800"/>
-              </a:spcAft>
-              <a:defRPr sz="1600">
-                <a:solidFill>
-                  <a:srgbClr val="FFFFFF"/>
-                </a:solidFill>
-                <a:latin typeface="Segoe UI" panose="020B0502040204020203"/>
-              </a:defRPr>
-            </a:pPr>
-          </a:p>
-          <a:p>
-            <a:pPr>
-              <a:spcAft>
-                <a:spcPts val="800"/>
-              </a:spcAft>
-              <a:defRPr sz="1600">
-                <a:solidFill>
-                  <a:srgbClr val="FFFFFF"/>
-                </a:solidFill>
-                <a:latin typeface="Segoe UI" panose="020B0502040204020203"/>
-              </a:defRPr>
-            </a:pPr>
-            <a:r>
-              <a:t>• Application e-commerce volontairement vulnérable</a:t>
-            </a:r>
-          </a:p>
-          <a:p>
-            <a:pPr>
-              <a:spcAft>
-                <a:spcPts val="800"/>
-              </a:spcAft>
-              <a:defRPr sz="1600">
-                <a:solidFill>
-                  <a:srgbClr val="FFFFFF"/>
-                </a:solidFill>
-                <a:latin typeface="Segoe UI" panose="020B0502040204020203"/>
-              </a:defRPr>
-            </a:pPr>
-            <a:r>
-              <a:t>• Développée par OWASP pour l'apprentissage de la sécurité</a:t>
-            </a:r>
-          </a:p>
-          <a:p>
-            <a:pPr>
-              <a:spcAft>
-                <a:spcPts val="800"/>
-              </a:spcAft>
-              <a:defRPr sz="1600">
-                <a:solidFill>
-                  <a:srgbClr val="FFFFFF"/>
-                </a:solidFill>
-                <a:latin typeface="Segoe UI" panose="020B0502040204020203"/>
-              </a:defRPr>
-            </a:pPr>
-            <a:r>
-              <a:t>• Technologies : Angular + Node.js + SQLite</a:t>
-            </a:r>
-          </a:p>
-          <a:p>
-            <a:pPr>
-              <a:spcAft>
-                <a:spcPts val="800"/>
-              </a:spcAft>
-              <a:defRPr sz="1600">
-                <a:solidFill>
-                  <a:srgbClr val="FFFFFF"/>
-                </a:solidFill>
-                <a:latin typeface="Segoe UI" panose="020B0502040204020203"/>
-              </a:defRPr>
-            </a:pPr>
-          </a:p>
-          <a:p>
-            <a:pPr>
-              <a:spcAft>
-                <a:spcPts val="800"/>
-              </a:spcAft>
-              <a:defRPr sz="1600">
-                <a:solidFill>
-                  <a:srgbClr val="FFFFFF"/>
-                </a:solidFill>
-                <a:latin typeface="Segoe UI" panose="020B0502040204020203"/>
-              </a:defRPr>
-            </a:pPr>
-            <a:r>
-              <a:t>🧪 Tests Réalisés avec Playwright :</a:t>
-            </a:r>
-          </a:p>
-          <a:p>
-            <a:pPr>
-              <a:spcAft>
-                <a:spcPts val="800"/>
-              </a:spcAft>
-              <a:defRPr sz="1600">
-                <a:solidFill>
-                  <a:srgbClr val="FFFFFF"/>
-                </a:solidFill>
-                <a:latin typeface="Segoe UI" panose="020B0502040204020203"/>
-              </a:defRPr>
-            </a:pPr>
-          </a:p>
-          <a:p>
-            <a:pPr>
-              <a:spcAft>
-                <a:spcPts val="800"/>
-              </a:spcAft>
-              <a:defRPr sz="1600">
-                <a:solidFill>
-                  <a:srgbClr val="FFFFFF"/>
-                </a:solidFill>
-                <a:latin typeface="Segoe UI" panose="020B0502040204020203"/>
-              </a:defRPr>
-            </a:pPr>
-            <a:r>
-              <a:t>1. Tests E2E (Interface Utilisateur)</a:t>
-            </a:r>
-          </a:p>
-          <a:p>
-            <a:pPr lvl="1">
-              <a:spcAft>
-                <a:spcPts val="800"/>
-              </a:spcAft>
-              <a:defRPr sz="1600">
-                <a:solidFill>
-                  <a:srgbClr val="FFFFFF"/>
-                </a:solidFill>
-                <a:latin typeface="Segoe UI" panose="020B0502040204020203"/>
-              </a:defRPr>
-            </a:pPr>
-            <a:r>
-              <a:t>• Gestion du panier d'achat</a:t>
-            </a:r>
-          </a:p>
-          <a:p>
-            <a:pPr lvl="1">
-              <a:spcAft>
-                <a:spcPts val="800"/>
-              </a:spcAft>
-              <a:defRPr sz="1600">
-                <a:solidFill>
-                  <a:srgbClr val="FFFFFF"/>
-                </a:solidFill>
-                <a:latin typeface="Segoe UI" panose="020B0502040204020203"/>
-              </a:defRPr>
-            </a:pPr>
-            <a:r>
-              <a:t>• Processus de connexion</a:t>
-            </a:r>
-          </a:p>
-          <a:p>
-            <a:pPr lvl="1">
-              <a:spcAft>
-                <a:spcPts val="800"/>
-              </a:spcAft>
-              <a:defRPr sz="1600">
-                <a:solidFill>
-                  <a:srgbClr val="FFFFFF"/>
-                </a:solidFill>
-                <a:latin typeface="Segoe UI" panose="020B0502040204020203"/>
-              </a:defRPr>
-            </a:pPr>
-            <a:r>
-              <a:t>• Navigation dans les produits</a:t>
-            </a:r>
-          </a:p>
-          <a:p>
-            <a:pPr>
-              <a:spcAft>
-                <a:spcPts val="800"/>
-              </a:spcAft>
-              <a:defRPr sz="1600">
-                <a:solidFill>
-                  <a:srgbClr val="FFFFFF"/>
-                </a:solidFill>
-                <a:latin typeface="Segoe UI" panose="020B0502040204020203"/>
-              </a:defRPr>
-            </a:pPr>
-          </a:p>
-          <a:p>
-            <a:pPr>
-              <a:spcAft>
-                <a:spcPts val="800"/>
-              </a:spcAft>
-              <a:defRPr sz="1600">
-                <a:solidFill>
-                  <a:srgbClr val="FFFFFF"/>
-                </a:solidFill>
-                <a:latin typeface="Segoe UI" panose="020B0502040204020203"/>
-              </a:defRPr>
-            </a:pPr>
-            <a:r>
-              <a:t>2. Tests API</a:t>
-            </a:r>
-          </a:p>
-          <a:p>
-            <a:pPr lvl="1">
-              <a:spcAft>
-                <a:spcPts val="800"/>
-              </a:spcAft>
-              <a:defRPr sz="1600">
-                <a:solidFill>
-                  <a:srgbClr val="FFFFFF"/>
-                </a:solidFill>
-                <a:latin typeface="Segoe UI" panose="020B0502040204020203"/>
-              </a:defRPr>
-            </a:pPr>
-            <a:r>
-              <a:t>• Authentification REST</a:t>
-            </a:r>
-          </a:p>
-          <a:p>
-            <a:pPr lvl="1">
-              <a:spcAft>
-                <a:spcPts val="800"/>
-              </a:spcAft>
-              <a:defRPr sz="1600">
-                <a:solidFill>
-                  <a:srgbClr val="FFFFFF"/>
-                </a:solidFill>
-                <a:latin typeface="Segoe UI" panose="020B0502040204020203"/>
-              </a:defRPr>
-            </a:pPr>
-            <a:r>
-              <a:t>• Liste des produits</a:t>
-            </a:r>
-          </a:p>
-        </p:txBody>
-      </p:sp>
       <p:pic>
         <p:nvPicPr>
           <p:cNvPr id="4" name="Picture 3" descr="screenshot_after_login.png"/>
@@ -8057,8 +8744,8 @@
         </p:blipFill>
         <p:spPr>
           <a:xfrm>
-            <a:off x="4156710" y="3862705"/>
-            <a:ext cx="4530090" cy="2548255"/>
+            <a:off x="413385" y="964565"/>
+            <a:ext cx="8317230" cy="4678680"/>
           </a:xfrm>
           <a:prstGeom prst="rect">
             <a:avLst/>
@@ -8073,7 +8760,7 @@
 </p:sld>
 </file>
 
-<file path=ppt/slides/slide21.xml><?xml version="1.0" encoding="utf-8"?>
+<file path=ppt/slides/slide23.xml><?xml version="1.0" encoding="utf-8"?>
 <p:sld xmlns:a="http://schemas.openxmlformats.org/drawingml/2006/main" xmlns:r="http://schemas.openxmlformats.org/officeDocument/2006/relationships" xmlns:p="http://schemas.openxmlformats.org/presentationml/2006/main">
   <p:cSld>
     <p:bg>
@@ -8305,598 +8992,30 @@
           </a:p>
         </p:txBody>
       </p:sp>
-    </p:spTree>
-  </p:cSld>
-  <p:clrMapOvr>
-    <a:masterClrMapping/>
-  </p:clrMapOvr>
-</p:sld>
-</file>
-
-<file path=ppt/slides/slide22.xml><?xml version="1.0" encoding="utf-8"?>
-<p:sld xmlns:a="http://schemas.openxmlformats.org/drawingml/2006/main" xmlns:r="http://schemas.openxmlformats.org/officeDocument/2006/relationships" xmlns:p="http://schemas.openxmlformats.org/presentationml/2006/main">
-  <p:cSld>
-    <p:bg>
-      <p:bgPr>
-        <a:solidFill>
-          <a:srgbClr val="1A1A2E"/>
-        </a:solidFill>
-        <a:effectLst/>
-      </p:bgPr>
-    </p:bg>
-    <p:spTree>
-      <p:nvGrpSpPr>
-        <p:cNvPr id="1" name=""/>
-        <p:cNvGrpSpPr/>
-        <p:nvPr/>
-      </p:nvGrpSpPr>
-      <p:grpSpPr/>
-      <p:sp>
-        <p:nvSpPr>
-          <p:cNvPr id="2" name="TextBox 1"/>
-          <p:cNvSpPr txBox="1"/>
+      <p:pic>
+        <p:nvPicPr>
+          <p:cNvPr id="5" name="Picture 4" descr="02_connexion_reussie.png"/>
+          <p:cNvPicPr>
+            <a:picLocks noChangeAspect="1"/>
+          </p:cNvPicPr>
           <p:nvPr/>
-        </p:nvSpPr>
+        </p:nvPicPr>
+        <p:blipFill>
+          <a:blip r:embed="rId1"/>
+          <a:stretch>
+            <a:fillRect/>
+          </a:stretch>
+        </p:blipFill>
         <p:spPr>
           <a:xfrm>
-            <a:off x="457200" y="277495"/>
-            <a:ext cx="8229600" cy="914400"/>
+            <a:off x="6858000" y="457200"/>
+            <a:ext cx="1828800" cy="1028700"/>
           </a:xfrm>
           <a:prstGeom prst="rect">
             <a:avLst/>
           </a:prstGeom>
-          <a:noFill/>
         </p:spPr>
-        <p:txBody>
-          <a:bodyPr wrap="none">
-            <a:spAutoFit/>
-          </a:bodyPr>
-          <a:lstStyle/>
-          <a:p>
-            <a:pPr>
-              <a:defRPr sz="3600" b="1">
-                <a:solidFill>
-                  <a:srgbClr val="FFFFFF"/>
-                </a:solidFill>
-                <a:latin typeface="Segoe UI" panose="020B0502040204020203"/>
-              </a:defRPr>
-            </a:pPr>
-            <a:r>
-              <a:t>🌐 Test API - Authentification</a:t>
-            </a:r>
-          </a:p>
-        </p:txBody>
-      </p:sp>
-      <p:sp>
-        <p:nvSpPr>
-          <p:cNvPr id="3" name="Rounded Rectangle 2"/>
-          <p:cNvSpPr/>
-          <p:nvPr/>
-        </p:nvSpPr>
-        <p:spPr>
-          <a:xfrm>
-            <a:off x="163830" y="1031240"/>
-            <a:ext cx="8270240" cy="5761355"/>
-          </a:xfrm>
-          <a:prstGeom prst="roundRect">
-            <a:avLst/>
-          </a:prstGeom>
-          <a:solidFill>
-            <a:srgbClr val="2D2D3A"/>
-          </a:solidFill>
-          <a:ln>
-            <a:noFill/>
-          </a:ln>
-        </p:spPr>
-        <p:style>
-          <a:lnRef idx="1">
-            <a:schemeClr val="accent1"/>
-          </a:lnRef>
-          <a:fillRef idx="3">
-            <a:schemeClr val="accent1"/>
-          </a:fillRef>
-          <a:effectRef idx="2">
-            <a:schemeClr val="accent1"/>
-          </a:effectRef>
-          <a:fontRef idx="minor">
-            <a:schemeClr val="lt1"/>
-          </a:fontRef>
-        </p:style>
-        <p:txBody>
-          <a:bodyPr rtlCol="0" anchor="ctr"/>
-          <a:lstStyle/>
-          <a:p>
-            <a:pPr algn="ctr"/>
-          </a:p>
-        </p:txBody>
-      </p:sp>
-      <p:sp>
-        <p:nvSpPr>
-          <p:cNvPr id="4" name="TextBox 3"/>
-          <p:cNvSpPr txBox="1"/>
-          <p:nvPr/>
-        </p:nvSpPr>
-        <p:spPr>
-          <a:xfrm>
-            <a:off x="640080" y="1299210"/>
-            <a:ext cx="7863840" cy="4937760"/>
-          </a:xfrm>
-          <a:prstGeom prst="rect">
-            <a:avLst/>
-          </a:prstGeom>
-          <a:noFill/>
-        </p:spPr>
-        <p:txBody>
-          <a:bodyPr wrap="square">
-            <a:spAutoFit/>
-          </a:bodyPr>
-          <a:lstStyle/>
-          <a:p>
-            <a:pPr>
-              <a:defRPr sz="1200">
-                <a:solidFill>
-                  <a:srgbClr val="A0E0A0"/>
-                </a:solidFill>
-                <a:latin typeface="Consolas" panose="020B0609020204030204"/>
-              </a:defRPr>
-            </a:pPr>
-            <a:r>
-              <a:t>import { test, expect } from '@playwright/test';</a:t>
-            </a:r>
-            <a:br/>
-            <a:br/>
-            <a:r>
-              <a:t>test.describe('Tests API - OWASP Juice Shop', () =&gt; {</a:t>
-            </a:r>
-            <a:br/>
-            <a:br/>
-            <a:r>
-              <a:t>    test('Liste des produits', async ({ request }) =&gt; {</a:t>
-            </a:r>
-            <a:br/>
-            <a:r>
-              <a:t>        const response = await request.get('/api/Products');</a:t>
-            </a:r>
-            <a:br/>
-            <a:r>
-              <a:t>        expect(response.ok()).toBeTruthy();</a:t>
-            </a:r>
-            <a:br/>
-            <a:r>
-              <a:t>        </a:t>
-            </a:r>
-            <a:br/>
-            <a:r>
-              <a:t>        const body = await response.json();</a:t>
-            </a:r>
-            <a:br/>
-            <a:r>
-              <a:t>        expect(body.status).toBe('success');</a:t>
-            </a:r>
-            <a:br/>
-            <a:r>
-              <a:t>        expect(body.data.length).toBeGreaterThan(0);</a:t>
-            </a:r>
-            <a:br/>
-            <a:r>
-              <a:t>        </a:t>
-            </a:r>
-            <a:br/>
-            <a:r>
-              <a:t>        console.log(`${body.data.length} produits trouvés`);</a:t>
-            </a:r>
-            <a:br/>
-            <a:r>
-              <a:t>    });</a:t>
-            </a:r>
-            <a:br/>
-            <a:br/>
-            <a:r>
-              <a:t>    test('Authentification API', async ({ request }) =&gt; {</a:t>
-            </a:r>
-            <a:br/>
-            <a:r>
-              <a:t>        const response = await request.post('/rest/user/login', {</a:t>
-            </a:r>
-            <a:br/>
-            <a:r>
-              <a:t>            data: {</a:t>
-            </a:r>
-            <a:br/>
-            <a:r>
-              <a:t>                email: 'admin@juice-sh.op',</a:t>
-            </a:r>
-            <a:br/>
-            <a:r>
-              <a:t>                password: 'admin123'</a:t>
-            </a:r>
-            <a:br/>
-            <a:r>
-              <a:t>            }</a:t>
-            </a:r>
-            <a:br/>
-            <a:r>
-              <a:t>        });</a:t>
-            </a:r>
-            <a:br/>
-            <a:r>
-              <a:t>        </a:t>
-            </a:r>
-            <a:br/>
-            <a:r>
-              <a:t>        expect(response.ok()).toBeTruthy();</a:t>
-            </a:r>
-            <a:br/>
-            <a:r>
-              <a:t>        const body = await response.json();</a:t>
-            </a:r>
-            <a:br/>
-            <a:r>
-              <a:t>        expect(body.authentication.token).toBeDefined();</a:t>
-            </a:r>
-            <a:br/>
-            <a:r>
-              <a:t>    });</a:t>
-            </a:r>
-            <a:br/>
-            <a:r>
-              <a:t>});</a:t>
-            </a:r>
-          </a:p>
-        </p:txBody>
-      </p:sp>
-    </p:spTree>
-  </p:cSld>
-  <p:clrMapOvr>
-    <a:masterClrMapping/>
-  </p:clrMapOvr>
-</p:sld>
-</file>
-
-<file path=ppt/slides/slide23.xml><?xml version="1.0" encoding="utf-8"?>
-<p:sld xmlns:a="http://schemas.openxmlformats.org/drawingml/2006/main" xmlns:r="http://schemas.openxmlformats.org/officeDocument/2006/relationships" xmlns:p="http://schemas.openxmlformats.org/presentationml/2006/main">
-  <p:cSld>
-    <p:bg>
-      <p:bgPr>
-        <a:solidFill>
-          <a:srgbClr val="1A1A2E"/>
-        </a:solidFill>
-        <a:effectLst/>
-      </p:bgPr>
-    </p:bg>
-    <p:spTree>
-      <p:nvGrpSpPr>
-        <p:cNvPr id="1" name=""/>
-        <p:cNvGrpSpPr/>
-        <p:nvPr/>
-      </p:nvGrpSpPr>
-      <p:grpSpPr/>
-      <p:sp>
-        <p:nvSpPr>
-          <p:cNvPr id="2" name="TextBox 1"/>
-          <p:cNvSpPr txBox="1"/>
-          <p:nvPr/>
-        </p:nvSpPr>
-        <p:spPr>
-          <a:xfrm>
-            <a:off x="457200" y="457200"/>
-            <a:ext cx="5280660" cy="706755"/>
-          </a:xfrm>
-          <a:prstGeom prst="rect">
-            <a:avLst/>
-          </a:prstGeom>
-          <a:noFill/>
-        </p:spPr>
-        <p:txBody>
-          <a:bodyPr wrap="none">
-            <a:spAutoFit/>
-          </a:bodyPr>
-          <a:lstStyle/>
-          <a:p>
-            <a:pPr>
-              <a:defRPr sz="4000" b="1">
-                <a:solidFill>
-                  <a:srgbClr val="FFFFFF"/>
-                </a:solidFill>
-                <a:latin typeface="Segoe UI" panose="020B0502040204020203"/>
-              </a:defRPr>
-            </a:pPr>
-            <a:r>
-              <a:t>📊 </a:t>
-            </a:r>
-            <a:r>
-              <a:rPr lang="en-US"/>
-              <a:t> </a:t>
-            </a:r>
-            <a:r>
-              <a:t>Résultats Obtenus</a:t>
-            </a:r>
-          </a:p>
-        </p:txBody>
-      </p:sp>
-      <p:sp>
-        <p:nvSpPr>
-          <p:cNvPr id="3" name="TextBox 2"/>
-          <p:cNvSpPr txBox="1"/>
-          <p:nvPr/>
-        </p:nvSpPr>
-        <p:spPr>
-          <a:xfrm>
-            <a:off x="457200" y="1371600"/>
-            <a:ext cx="8229600" cy="5101590"/>
-          </a:xfrm>
-          <a:prstGeom prst="rect">
-            <a:avLst/>
-          </a:prstGeom>
-          <a:noFill/>
-        </p:spPr>
-        <p:txBody>
-          <a:bodyPr wrap="square">
-            <a:noAutofit/>
-          </a:bodyPr>
-          <a:lstStyle/>
-          <a:p>
-            <a:pPr>
-              <a:spcAft>
-                <a:spcPts val="800"/>
-              </a:spcAft>
-              <a:defRPr sz="1600">
-                <a:solidFill>
-                  <a:srgbClr val="FFFFFF"/>
-                </a:solidFill>
-                <a:latin typeface="Segoe UI" panose="020B0502040204020203"/>
-              </a:defRPr>
-            </a:pPr>
-            <a:r>
-              <a:t>🎯 Résultats des Tests OWASP Juice Shop :</a:t>
-            </a:r>
-          </a:p>
-          <a:p>
-            <a:pPr>
-              <a:spcAft>
-                <a:spcPts val="800"/>
-              </a:spcAft>
-              <a:defRPr sz="1600">
-                <a:solidFill>
-                  <a:srgbClr val="FFFFFF"/>
-                </a:solidFill>
-                <a:latin typeface="Segoe UI" panose="020B0502040204020203"/>
-              </a:defRPr>
-            </a:pPr>
-          </a:p>
-          <a:p>
-            <a:pPr>
-              <a:spcAft>
-                <a:spcPts val="800"/>
-              </a:spcAft>
-              <a:defRPr sz="1600">
-                <a:solidFill>
-                  <a:srgbClr val="FFFFFF"/>
-                </a:solidFill>
-                <a:latin typeface="Segoe UI" panose="020B0502040204020203"/>
-              </a:defRPr>
-            </a:pPr>
-            <a:r>
-              <a:t>✅ Tests E2E (Interface Utilisateur)</a:t>
-            </a:r>
-          </a:p>
-          <a:p>
-            <a:pPr>
-              <a:spcAft>
-                <a:spcPts val="800"/>
-              </a:spcAft>
-              <a:defRPr sz="1600">
-                <a:solidFill>
-                  <a:srgbClr val="FFFFFF"/>
-                </a:solidFill>
-                <a:latin typeface="Segoe UI" panose="020B0502040204020203"/>
-              </a:defRPr>
-            </a:pPr>
-            <a:r>
-              <a:t>• Ajout d'article au panier : PASSÉ</a:t>
-            </a:r>
-          </a:p>
-          <a:p>
-            <a:pPr>
-              <a:spcAft>
-                <a:spcPts val="800"/>
-              </a:spcAft>
-              <a:defRPr sz="1600">
-                <a:solidFill>
-                  <a:srgbClr val="FFFFFF"/>
-                </a:solidFill>
-                <a:latin typeface="Segoe UI" panose="020B0502040204020203"/>
-              </a:defRPr>
-            </a:pPr>
-            <a:r>
-              <a:t>• Suppression d'article : PASSÉ</a:t>
-            </a:r>
-          </a:p>
-          <a:p>
-            <a:pPr>
-              <a:spcAft>
-                <a:spcPts val="800"/>
-              </a:spcAft>
-              <a:defRPr sz="1600">
-                <a:solidFill>
-                  <a:srgbClr val="FFFFFF"/>
-                </a:solidFill>
-                <a:latin typeface="Segoe UI" panose="020B0502040204020203"/>
-              </a:defRPr>
-            </a:pPr>
-            <a:r>
-              <a:t>• Navigation et connexion : PASSÉ</a:t>
-            </a:r>
-          </a:p>
-          <a:p>
-            <a:pPr>
-              <a:spcAft>
-                <a:spcPts val="800"/>
-              </a:spcAft>
-              <a:defRPr sz="1600">
-                <a:solidFill>
-                  <a:srgbClr val="FFFFFF"/>
-                </a:solidFill>
-                <a:latin typeface="Segoe UI" panose="020B0502040204020203"/>
-              </a:defRPr>
-            </a:pPr>
-          </a:p>
-          <a:p>
-            <a:pPr>
-              <a:spcAft>
-                <a:spcPts val="800"/>
-              </a:spcAft>
-              <a:defRPr sz="1600">
-                <a:solidFill>
-                  <a:srgbClr val="FFFFFF"/>
-                </a:solidFill>
-                <a:latin typeface="Segoe UI" panose="020B0502040204020203"/>
-              </a:defRPr>
-            </a:pPr>
-            <a:r>
-              <a:t>✅ Tests API</a:t>
-            </a:r>
-          </a:p>
-          <a:p>
-            <a:pPr>
-              <a:spcAft>
-                <a:spcPts val="800"/>
-              </a:spcAft>
-              <a:defRPr sz="1600">
-                <a:solidFill>
-                  <a:srgbClr val="FFFFFF"/>
-                </a:solidFill>
-                <a:latin typeface="Segoe UI" panose="020B0502040204020203"/>
-              </a:defRPr>
-            </a:pPr>
-            <a:r>
-              <a:t>• GET /api/Products : PASSÉ (37 produits trouvés)</a:t>
-            </a:r>
-          </a:p>
-          <a:p>
-            <a:pPr>
-              <a:spcAft>
-                <a:spcPts val="800"/>
-              </a:spcAft>
-              <a:defRPr sz="1600">
-                <a:solidFill>
-                  <a:srgbClr val="FFFFFF"/>
-                </a:solidFill>
-                <a:latin typeface="Segoe UI" panose="020B0502040204020203"/>
-              </a:defRPr>
-            </a:pPr>
-            <a:r>
-              <a:t>• POST /rest/user/login : PASSÉ (JWT token reçu)</a:t>
-            </a:r>
-          </a:p>
-          <a:p>
-            <a:pPr>
-              <a:spcAft>
-                <a:spcPts val="800"/>
-              </a:spcAft>
-              <a:defRPr sz="1600">
-                <a:solidFill>
-                  <a:srgbClr val="FFFFFF"/>
-                </a:solidFill>
-                <a:latin typeface="Segoe UI" panose="020B0502040204020203"/>
-              </a:defRPr>
-            </a:pPr>
-          </a:p>
-          <a:p>
-            <a:pPr>
-              <a:spcAft>
-                <a:spcPts val="800"/>
-              </a:spcAft>
-              <a:defRPr sz="1600">
-                <a:solidFill>
-                  <a:srgbClr val="FFFFFF"/>
-                </a:solidFill>
-                <a:latin typeface="Segoe UI" panose="020B0502040204020203"/>
-              </a:defRPr>
-            </a:pPr>
-            <a:r>
-              <a:t>📈 Métriques :</a:t>
-            </a:r>
-          </a:p>
-          <a:p>
-            <a:pPr>
-              <a:spcAft>
-                <a:spcPts val="800"/>
-              </a:spcAft>
-              <a:defRPr sz="1600">
-                <a:solidFill>
-                  <a:srgbClr val="FFFFFF"/>
-                </a:solidFill>
-                <a:latin typeface="Segoe UI" panose="020B0502040204020203"/>
-              </a:defRPr>
-            </a:pPr>
-            <a:r>
-              <a:t>• Taux de réussite : 100%</a:t>
-            </a:r>
-          </a:p>
-          <a:p>
-            <a:pPr>
-              <a:spcAft>
-                <a:spcPts val="800"/>
-              </a:spcAft>
-              <a:defRPr sz="1600">
-                <a:solidFill>
-                  <a:srgbClr val="FFFFFF"/>
-                </a:solidFill>
-                <a:latin typeface="Segoe UI" panose="020B0502040204020203"/>
-              </a:defRPr>
-            </a:pPr>
-            <a:r>
-              <a:t>• Durée moyenne par test : &lt; 5 secondes</a:t>
-            </a:r>
-          </a:p>
-          <a:p>
-            <a:pPr>
-              <a:spcAft>
-                <a:spcPts val="800"/>
-              </a:spcAft>
-              <a:defRPr sz="1600">
-                <a:solidFill>
-                  <a:srgbClr val="FFFFFF"/>
-                </a:solidFill>
-                <a:latin typeface="Segoe UI" panose="020B0502040204020203"/>
-              </a:defRPr>
-            </a:pPr>
-            <a:r>
-              <a:t>• Navigateur testé : Chromium</a:t>
-            </a:r>
-          </a:p>
-          <a:p>
-            <a:pPr>
-              <a:spcAft>
-                <a:spcPts val="800"/>
-              </a:spcAft>
-              <a:defRPr sz="1600">
-                <a:solidFill>
-                  <a:srgbClr val="FFFFFF"/>
-                </a:solidFill>
-                <a:latin typeface="Segoe UI" panose="020B0502040204020203"/>
-              </a:defRPr>
-            </a:pPr>
-          </a:p>
-          <a:p>
-            <a:pPr>
-              <a:spcAft>
-                <a:spcPts val="800"/>
-              </a:spcAft>
-              <a:defRPr sz="1600">
-                <a:solidFill>
-                  <a:srgbClr val="FFFFFF"/>
-                </a:solidFill>
-                <a:latin typeface="Segoe UI" panose="020B0502040204020203"/>
-              </a:defRPr>
-            </a:pPr>
-            <a:r>
-              <a:t>➡️ Rapport HTML disponible dans playwright-report/</a:t>
-            </a:r>
-          </a:p>
-        </p:txBody>
-      </p:sp>
+      </p:pic>
     </p:spTree>
   </p:cSld>
   <p:clrMapOvr>
@@ -8932,7 +9051,7 @@
         <p:spPr>
           <a:xfrm>
             <a:off x="457200" y="457200"/>
-            <a:ext cx="5109845" cy="706755"/>
+            <a:ext cx="6862445" cy="645160"/>
           </a:xfrm>
           <a:prstGeom prst="rect">
             <a:avLst/>
@@ -8946,36 +9065,79 @@
           <a:lstStyle/>
           <a:p>
             <a:pPr>
-              <a:defRPr sz="4000" b="1">
-                <a:solidFill>
-                  <a:srgbClr val="FFFFFF"/>
-                </a:solidFill>
-                <a:latin typeface="Segoe UI" panose="020B0502040204020203"/>
-              </a:defRPr>
-            </a:pPr>
-            <a:r>
-              <a:t>📝 </a:t>
+              <a:defRPr sz="3600" b="1">
+                <a:solidFill>
+                  <a:srgbClr val="FFFFFF"/>
+                </a:solidFill>
+                <a:latin typeface="Segoe UI" panose="020B0502040204020203"/>
+              </a:defRPr>
+            </a:pPr>
+            <a:r>
+              <a:t>🛒 </a:t>
             </a:r>
             <a:r>
               <a:rPr lang="en-US"/>
               <a:t> </a:t>
             </a:r>
             <a:r>
-              <a:t>Bonnes Pratiques</a:t>
-            </a:r>
-          </a:p>
-        </p:txBody>
-      </p:sp>
-      <p:sp>
-        <p:nvSpPr>
-          <p:cNvPr id="3" name="TextBox 2"/>
+              <a:t>Test E2E - Gestion du Panier</a:t>
+            </a:r>
+          </a:p>
+        </p:txBody>
+      </p:sp>
+      <p:sp>
+        <p:nvSpPr>
+          <p:cNvPr id="3" name="Rounded Rectangle 2"/>
+          <p:cNvSpPr/>
+          <p:nvPr/>
+        </p:nvSpPr>
+        <p:spPr>
+          <a:xfrm>
+            <a:off x="457200" y="1097280"/>
+            <a:ext cx="8229600" cy="5303520"/>
+          </a:xfrm>
+          <a:prstGeom prst="roundRect">
+            <a:avLst/>
+          </a:prstGeom>
+          <a:solidFill>
+            <a:srgbClr val="2D2D3A"/>
+          </a:solidFill>
+          <a:ln>
+            <a:noFill/>
+          </a:ln>
+        </p:spPr>
+        <p:style>
+          <a:lnRef idx="1">
+            <a:schemeClr val="accent1"/>
+          </a:lnRef>
+          <a:fillRef idx="3">
+            <a:schemeClr val="accent1"/>
+          </a:fillRef>
+          <a:effectRef idx="2">
+            <a:schemeClr val="accent1"/>
+          </a:effectRef>
+          <a:fontRef idx="minor">
+            <a:schemeClr val="lt1"/>
+          </a:fontRef>
+        </p:style>
+        <p:txBody>
+          <a:bodyPr rtlCol="0" anchor="ctr"/>
+          <a:lstStyle/>
+          <a:p>
+            <a:pPr algn="ctr"/>
+          </a:p>
+        </p:txBody>
+      </p:sp>
+      <p:sp>
+        <p:nvSpPr>
+          <p:cNvPr id="4" name="TextBox 3"/>
           <p:cNvSpPr txBox="1"/>
           <p:nvPr/>
         </p:nvSpPr>
         <p:spPr>
           <a:xfrm>
-            <a:off x="457200" y="1371600"/>
-            <a:ext cx="8229600" cy="4572000"/>
+            <a:off x="640080" y="1280160"/>
+            <a:ext cx="7863840" cy="4937760"/>
           </a:xfrm>
           <a:prstGeom prst="rect">
             <a:avLst/>
@@ -8989,207 +9151,107 @@
           <a:lstStyle/>
           <a:p>
             <a:pPr>
-              <a:spcAft>
-                <a:spcPts val="800"/>
-              </a:spcAft>
-              <a:defRPr sz="1600">
-                <a:solidFill>
-                  <a:srgbClr val="FFFFFF"/>
-                </a:solidFill>
-                <a:latin typeface="Segoe UI" panose="020B0502040204020203"/>
-              </a:defRPr>
-            </a:pPr>
-            <a:r>
-              <a:t>✅ À Faire :</a:t>
-            </a:r>
-          </a:p>
-          <a:p>
-            <a:pPr>
-              <a:spcAft>
-                <a:spcPts val="800"/>
-              </a:spcAft>
-              <a:defRPr sz="1600">
-                <a:solidFill>
-                  <a:srgbClr val="FFFFFF"/>
-                </a:solidFill>
-                <a:latin typeface="Segoe UI" panose="020B0502040204020203"/>
-              </a:defRPr>
-            </a:pPr>
-            <a:r>
-              <a:t>• Utiliser des sélecteurs accessibles (getByRole, getByLabel)</a:t>
-            </a:r>
-          </a:p>
-          <a:p>
-            <a:pPr>
-              <a:spcAft>
-                <a:spcPts val="800"/>
-              </a:spcAft>
-              <a:defRPr sz="1600">
-                <a:solidFill>
-                  <a:srgbClr val="FFFFFF"/>
-                </a:solidFill>
-                <a:latin typeface="Segoe UI" panose="020B0502040204020203"/>
-              </a:defRPr>
-            </a:pPr>
-            <a:r>
-              <a:t>• Isoler les tests (chaque test indépendant)</a:t>
-            </a:r>
-          </a:p>
-          <a:p>
-            <a:pPr>
-              <a:spcAft>
-                <a:spcPts val="800"/>
-              </a:spcAft>
-              <a:defRPr sz="1600">
-                <a:solidFill>
-                  <a:srgbClr val="FFFFFF"/>
-                </a:solidFill>
-                <a:latin typeface="Segoe UI" panose="020B0502040204020203"/>
-              </a:defRPr>
-            </a:pPr>
-            <a:r>
-              <a:t>• Utiliser des fixtures pour les données de test</a:t>
-            </a:r>
-          </a:p>
-          <a:p>
-            <a:pPr>
-              <a:spcAft>
-                <a:spcPts val="800"/>
-              </a:spcAft>
-              <a:defRPr sz="1600">
-                <a:solidFill>
-                  <a:srgbClr val="FFFFFF"/>
-                </a:solidFill>
-                <a:latin typeface="Segoe UI" panose="020B0502040204020203"/>
-              </a:defRPr>
-            </a:pPr>
-            <a:r>
-              <a:t>• Configurer les retries en CI pour les tests flaky</a:t>
-            </a:r>
-          </a:p>
-          <a:p>
-            <a:pPr>
-              <a:spcAft>
-                <a:spcPts val="800"/>
-              </a:spcAft>
-              <a:defRPr sz="1600">
-                <a:solidFill>
-                  <a:srgbClr val="FFFFFF"/>
-                </a:solidFill>
-                <a:latin typeface="Segoe UI" panose="020B0502040204020203"/>
-              </a:defRPr>
-            </a:pPr>
-            <a:r>
-              <a:t>• Garder les tests rapides (&lt; 30 secondes)</a:t>
-            </a:r>
-          </a:p>
-          <a:p>
-            <a:pPr>
-              <a:spcAft>
-                <a:spcPts val="800"/>
-              </a:spcAft>
-              <a:defRPr sz="1600">
-                <a:solidFill>
-                  <a:srgbClr val="FFFFFF"/>
-                </a:solidFill>
-                <a:latin typeface="Segoe UI" panose="020B0502040204020203"/>
-              </a:defRPr>
-            </a:pPr>
-          </a:p>
-          <a:p>
-            <a:pPr>
-              <a:spcAft>
-                <a:spcPts val="800"/>
-              </a:spcAft>
-              <a:defRPr sz="1600">
-                <a:solidFill>
-                  <a:srgbClr val="FFFFFF"/>
-                </a:solidFill>
-                <a:latin typeface="Segoe UI" panose="020B0502040204020203"/>
-              </a:defRPr>
-            </a:pPr>
-            <a:r>
-              <a:t>❌ À Éviter :</a:t>
-            </a:r>
-          </a:p>
-          <a:p>
-            <a:pPr>
-              <a:spcAft>
-                <a:spcPts val="800"/>
-              </a:spcAft>
-              <a:defRPr sz="1600">
-                <a:solidFill>
-                  <a:srgbClr val="FFFFFF"/>
-                </a:solidFill>
-                <a:latin typeface="Segoe UI" panose="020B0502040204020203"/>
-              </a:defRPr>
-            </a:pPr>
-            <a:r>
-              <a:t>• XPath complexes ou sélecteurs fragiles</a:t>
-            </a:r>
-          </a:p>
-          <a:p>
-            <a:pPr>
-              <a:spcAft>
-                <a:spcPts val="800"/>
-              </a:spcAft>
-              <a:defRPr sz="1600">
-                <a:solidFill>
-                  <a:srgbClr val="FFFFFF"/>
-                </a:solidFill>
-                <a:latin typeface="Segoe UI" panose="020B0502040204020203"/>
-              </a:defRPr>
-            </a:pPr>
-            <a:r>
-              <a:t>• Dépendances entre tests</a:t>
-            </a:r>
-          </a:p>
-          <a:p>
-            <a:pPr>
-              <a:spcAft>
-                <a:spcPts val="800"/>
-              </a:spcAft>
-              <a:defRPr sz="1600">
-                <a:solidFill>
-                  <a:srgbClr val="FFFFFF"/>
-                </a:solidFill>
-                <a:latin typeface="Segoe UI" panose="020B0502040204020203"/>
-              </a:defRPr>
-            </a:pPr>
-            <a:r>
-              <a:t>• Attentes hardcodées (await page.waitForTimeout)</a:t>
-            </a:r>
-          </a:p>
-          <a:p>
-            <a:pPr>
-              <a:spcAft>
-                <a:spcPts val="800"/>
-              </a:spcAft>
-              <a:defRPr sz="1600">
-                <a:solidFill>
-                  <a:srgbClr val="FFFFFF"/>
-                </a:solidFill>
-                <a:latin typeface="Segoe UI" panose="020B0502040204020203"/>
-              </a:defRPr>
-            </a:pPr>
-            <a:r>
-              <a:t>• Tests qui modifient l'état partagé</a:t>
-            </a:r>
-          </a:p>
-          <a:p>
-            <a:pPr>
-              <a:spcAft>
-                <a:spcPts val="800"/>
-              </a:spcAft>
-              <a:defRPr sz="1600">
-                <a:solidFill>
-                  <a:srgbClr val="FFFFFF"/>
-                </a:solidFill>
-                <a:latin typeface="Segoe UI" panose="020B0502040204020203"/>
-              </a:defRPr>
-            </a:pPr>
-            <a:r>
-              <a:t>• Ignorer les tests échoués sans investigation</a:t>
+              <a:defRPr sz="1200">
+                <a:solidFill>
+                  <a:srgbClr val="A0E0A0"/>
+                </a:solidFill>
+                <a:latin typeface="Consolas" panose="020B0609020204030204"/>
+              </a:defRPr>
+            </a:pPr>
+            <a:r>
+              <a:t>test('Ajout d\'un article au panier', async ({ page }) =&gt; {</a:t>
+            </a:r>
+            <a:br/>
+            <a:r>
+              <a:t>    // Navigation vers l'accueil</a:t>
+            </a:r>
+            <a:br/>
+            <a:r>
+              <a:t>    await page.goto('/#/');</a:t>
+            </a:r>
+            <a:br/>
+            <a:r>
+              <a:t>    </a:t>
+            </a:r>
+            <a:br/>
+            <a:r>
+              <a:t>    // Fermer les popups initiales</a:t>
+            </a:r>
+            <a:br/>
+            <a:r>
+              <a:t>    await page.locator('button[aria-label="Close Welcome Banner"]').click();</a:t>
+            </a:r>
+            <a:br/>
+            <a:r>
+              <a:t>    </a:t>
+            </a:r>
+            <a:br/>
+            <a:r>
+              <a:t>    // Connexion de l'utilisateur</a:t>
+            </a:r>
+            <a:br/>
+            <a:r>
+              <a:t>    await page.locator('#navbarAccount').click();</a:t>
+            </a:r>
+            <a:br/>
+            <a:r>
+              <a:t>    await page.locator('#navbarLoginButton').click();</a:t>
+            </a:r>
+            <a:br/>
+            <a:r>
+              <a:t>    await page.fill('input#email', 'admin@juice-sh.op');</a:t>
+            </a:r>
+            <a:br/>
+            <a:r>
+              <a:t>    await page.fill('input#password', 'admin123');</a:t>
+            </a:r>
+            <a:br/>
+            <a:r>
+              <a:t>    await page.click('button#loginButton');</a:t>
+            </a:r>
+            <a:br/>
+            <a:r>
+              <a:t>    </a:t>
+            </a:r>
+            <a:br/>
+            <a:r>
+              <a:t>    // Ajouter un produit au panier</a:t>
+            </a:r>
+            <a:br/>
+            <a:r>
+              <a:t>    await page.locator('button[aria-label="Add to Basket"]').first().click();</a:t>
+            </a:r>
+            <a:br/>
+            <a:r>
+              <a:t>    </a:t>
+            </a:r>
+            <a:br/>
+            <a:r>
+              <a:t>    // Vérifier la notification</a:t>
+            </a:r>
+            <a:br/>
+            <a:r>
+              <a:t>    await expect(page.locator('simple-snack-bar')).toBeVisible();</a:t>
+            </a:r>
+            <a:br/>
+            <a:r>
+              <a:t>    </a:t>
+            </a:r>
+            <a:br/>
+            <a:r>
+              <a:t>    // Vérifier le panier</a:t>
+            </a:r>
+            <a:br/>
+            <a:r>
+              <a:t>    await page.locator('[aria-label="Show the shopping basket"]').click();</a:t>
+            </a:r>
+            <a:br/>
+            <a:r>
+              <a:t>    await expect(page.locator('mat-row')).toBeVisible();</a:t>
+            </a:r>
+            <a:br/>
+            <a:r>
+              <a:t>});</a:t>
             </a:r>
           </a:p>
         </p:txBody>
@@ -9220,354 +9282,30 @@
         <p:nvPr/>
       </p:nvGrpSpPr>
       <p:grpSpPr/>
-      <p:sp>
-        <p:nvSpPr>
-          <p:cNvPr id="2" name="TextBox 1"/>
-          <p:cNvSpPr txBox="1"/>
+      <p:pic>
+        <p:nvPicPr>
+          <p:cNvPr id="5" name="Picture 4" descr="02_connexion_reussie.png"/>
+          <p:cNvPicPr>
+            <a:picLocks noChangeAspect="1"/>
+          </p:cNvPicPr>
           <p:nvPr/>
-        </p:nvSpPr>
+        </p:nvPicPr>
+        <p:blipFill>
+          <a:blip r:embed="rId1"/>
+          <a:stretch>
+            <a:fillRect/>
+          </a:stretch>
+        </p:blipFill>
         <p:spPr>
           <a:xfrm>
-            <a:off x="457200" y="457200"/>
-            <a:ext cx="3230880" cy="706755"/>
+            <a:off x="890905" y="873760"/>
+            <a:ext cx="7739380" cy="4353560"/>
           </a:xfrm>
           <a:prstGeom prst="rect">
             <a:avLst/>
           </a:prstGeom>
-          <a:noFill/>
         </p:spPr>
-        <p:txBody>
-          <a:bodyPr wrap="none">
-            <a:spAutoFit/>
-          </a:bodyPr>
-          <a:lstStyle/>
-          <a:p>
-            <a:pPr>
-              <a:defRPr sz="4000" b="1">
-                <a:solidFill>
-                  <a:srgbClr val="FFFFFF"/>
-                </a:solidFill>
-                <a:latin typeface="Segoe UI" panose="020B0502040204020203"/>
-              </a:defRPr>
-            </a:pPr>
-            <a:r>
-              <a:rPr>
-                <a:solidFill>
-                  <a:srgbClr val="2EAD33"/>
-                </a:solidFill>
-              </a:rPr>
-              <a:t>8 Conclusion</a:t>
-            </a:r>
-            <a:endParaRPr>
-              <a:solidFill>
-                <a:srgbClr val="2EAD33"/>
-              </a:solidFill>
-            </a:endParaRPr>
-          </a:p>
-        </p:txBody>
-      </p:sp>
-      <p:sp>
-        <p:nvSpPr>
-          <p:cNvPr id="3" name="TextBox 2"/>
-          <p:cNvSpPr txBox="1"/>
-          <p:nvPr/>
-        </p:nvSpPr>
-        <p:spPr>
-          <a:xfrm>
-            <a:off x="457200" y="1371600"/>
-            <a:ext cx="8229600" cy="4572000"/>
-          </a:xfrm>
-          <a:prstGeom prst="rect">
-            <a:avLst/>
-          </a:prstGeom>
-          <a:noFill/>
-        </p:spPr>
-        <p:txBody>
-          <a:bodyPr wrap="square">
-            <a:spAutoFit/>
-          </a:bodyPr>
-          <a:lstStyle/>
-          <a:p>
-            <a:pPr>
-              <a:spcAft>
-                <a:spcPts val="800"/>
-              </a:spcAft>
-              <a:defRPr sz="1600">
-                <a:solidFill>
-                  <a:srgbClr val="FFFFFF"/>
-                </a:solidFill>
-                <a:latin typeface="Segoe UI" panose="020B0502040204020203"/>
-              </a:defRPr>
-            </a:pPr>
-            <a:r>
-              <a:t>🎭 Playwright est un outil moderne et puissant pour le test automatisé</a:t>
-            </a:r>
-          </a:p>
-          <a:p>
-            <a:pPr>
-              <a:spcAft>
-                <a:spcPts val="800"/>
-              </a:spcAft>
-              <a:defRPr sz="1600">
-                <a:solidFill>
-                  <a:srgbClr val="FFFFFF"/>
-                </a:solidFill>
-                <a:latin typeface="Segoe UI" panose="020B0502040204020203"/>
-              </a:defRPr>
-            </a:pPr>
-          </a:p>
-          <a:p>
-            <a:pPr>
-              <a:spcAft>
-                <a:spcPts val="800"/>
-              </a:spcAft>
-              <a:defRPr sz="1600">
-                <a:solidFill>
-                  <a:srgbClr val="FFFFFF"/>
-                </a:solidFill>
-                <a:latin typeface="Segoe UI" panose="020B0502040204020203"/>
-              </a:defRPr>
-            </a:pPr>
-            <a:r>
-              <a:t>✨ Points Forts Principaux :</a:t>
-            </a:r>
-          </a:p>
-          <a:p>
-            <a:pPr>
-              <a:spcAft>
-                <a:spcPts val="800"/>
-              </a:spcAft>
-              <a:defRPr sz="1600">
-                <a:solidFill>
-                  <a:srgbClr val="FFFFFF"/>
-                </a:solidFill>
-                <a:latin typeface="Segoe UI" panose="020B0502040204020203"/>
-              </a:defRPr>
-            </a:pPr>
-            <a:r>
-              <a:t>• Installation simple et rapide</a:t>
-            </a:r>
-          </a:p>
-          <a:p>
-            <a:pPr>
-              <a:spcAft>
-                <a:spcPts val="800"/>
-              </a:spcAft>
-              <a:defRPr sz="1600">
-                <a:solidFill>
-                  <a:srgbClr val="FFFFFF"/>
-                </a:solidFill>
-                <a:latin typeface="Segoe UI" panose="020B0502040204020203"/>
-              </a:defRPr>
-            </a:pPr>
-            <a:r>
-              <a:t>• Support multi-navigateur natif</a:t>
-            </a:r>
-          </a:p>
-          <a:p>
-            <a:pPr>
-              <a:spcAft>
-                <a:spcPts val="800"/>
-              </a:spcAft>
-              <a:defRPr sz="1600">
-                <a:solidFill>
-                  <a:srgbClr val="FFFFFF"/>
-                </a:solidFill>
-                <a:latin typeface="Segoe UI" panose="020B0502040204020203"/>
-              </a:defRPr>
-            </a:pPr>
-            <a:r>
-              <a:t>• Auto-waiting intelligent et fiable</a:t>
-            </a:r>
-          </a:p>
-          <a:p>
-            <a:pPr>
-              <a:spcAft>
-                <a:spcPts val="800"/>
-              </a:spcAft>
-              <a:defRPr sz="1600">
-                <a:solidFill>
-                  <a:srgbClr val="FFFFFF"/>
-                </a:solidFill>
-                <a:latin typeface="Segoe UI" panose="020B0502040204020203"/>
-              </a:defRPr>
-            </a:pPr>
-            <a:r>
-              <a:t>• Rapports HTML riches et interactifs</a:t>
-            </a:r>
-          </a:p>
-          <a:p>
-            <a:pPr>
-              <a:spcAft>
-                <a:spcPts val="800"/>
-              </a:spcAft>
-              <a:defRPr sz="1600">
-                <a:solidFill>
-                  <a:srgbClr val="FFFFFF"/>
-                </a:solidFill>
-                <a:latin typeface="Segoe UI" panose="020B0502040204020203"/>
-              </a:defRPr>
-            </a:pPr>
-            <a:r>
-              <a:t>• Trace Viewer pour le débogage</a:t>
-            </a:r>
-          </a:p>
-          <a:p>
-            <a:pPr>
-              <a:spcAft>
-                <a:spcPts val="800"/>
-              </a:spcAft>
-              <a:defRPr sz="1600">
-                <a:solidFill>
-                  <a:srgbClr val="FFFFFF"/>
-                </a:solidFill>
-                <a:latin typeface="Segoe UI" panose="020B0502040204020203"/>
-              </a:defRPr>
-            </a:pPr>
-            <a:r>
-              <a:t>• Tests API intégrés</a:t>
-            </a:r>
-          </a:p>
-          <a:p>
-            <a:pPr>
-              <a:spcAft>
-                <a:spcPts val="800"/>
-              </a:spcAft>
-              <a:defRPr sz="1600">
-                <a:solidFill>
-                  <a:srgbClr val="FFFFFF"/>
-                </a:solidFill>
-                <a:latin typeface="Segoe UI" panose="020B0502040204020203"/>
-              </a:defRPr>
-            </a:pPr>
-          </a:p>
-          <a:p>
-            <a:pPr>
-              <a:spcAft>
-                <a:spcPts val="800"/>
-              </a:spcAft>
-              <a:defRPr sz="1600">
-                <a:solidFill>
-                  <a:srgbClr val="FFFFFF"/>
-                </a:solidFill>
-                <a:latin typeface="Segoe UI" panose="020B0502040204020203"/>
-              </a:defRPr>
-            </a:pPr>
-            <a:r>
-              <a:t>🚀 Cas d'Usage Idéaux :</a:t>
-            </a:r>
-          </a:p>
-          <a:p>
-            <a:pPr>
-              <a:spcAft>
-                <a:spcPts val="800"/>
-              </a:spcAft>
-              <a:defRPr sz="1600">
-                <a:solidFill>
-                  <a:srgbClr val="FFFFFF"/>
-                </a:solidFill>
-                <a:latin typeface="Segoe UI" panose="020B0502040204020203"/>
-              </a:defRPr>
-            </a:pPr>
-            <a:r>
-              <a:t>• Tests de régression automatisés</a:t>
-            </a:r>
-          </a:p>
-          <a:p>
-            <a:pPr>
-              <a:spcAft>
-                <a:spcPts val="800"/>
-              </a:spcAft>
-              <a:defRPr sz="1600">
-                <a:solidFill>
-                  <a:srgbClr val="FFFFFF"/>
-                </a:solidFill>
-                <a:latin typeface="Segoe UI" panose="020B0502040204020203"/>
-              </a:defRPr>
-            </a:pPr>
-            <a:r>
-              <a:t>• Tests E2E d'applications web modernes</a:t>
-            </a:r>
-          </a:p>
-          <a:p>
-            <a:pPr>
-              <a:spcAft>
-                <a:spcPts val="800"/>
-              </a:spcAft>
-              <a:defRPr sz="1600">
-                <a:solidFill>
-                  <a:srgbClr val="FFFFFF"/>
-                </a:solidFill>
-                <a:latin typeface="Segoe UI" panose="020B0502040204020203"/>
-              </a:defRPr>
-            </a:pPr>
-            <a:r>
-              <a:t>• Validation d'API REST/GraphQL</a:t>
-            </a:r>
-          </a:p>
-          <a:p>
-            <a:pPr>
-              <a:spcAft>
-                <a:spcPts val="800"/>
-              </a:spcAft>
-              <a:defRPr sz="1600">
-                <a:solidFill>
-                  <a:srgbClr val="FFFFFF"/>
-                </a:solidFill>
-                <a:latin typeface="Segoe UI" panose="020B0502040204020203"/>
-              </a:defRPr>
-            </a:pPr>
-            <a:r>
-              <a:t>• Intégration continue (CI/CD)</a:t>
-            </a:r>
-          </a:p>
-          <a:p>
-            <a:pPr>
-              <a:spcAft>
-                <a:spcPts val="800"/>
-              </a:spcAft>
-              <a:defRPr sz="1600">
-                <a:solidFill>
-                  <a:srgbClr val="FFFFFF"/>
-                </a:solidFill>
-                <a:latin typeface="Segoe UI" panose="020B0502040204020203"/>
-              </a:defRPr>
-            </a:pPr>
-          </a:p>
-          <a:p>
-            <a:pPr>
-              <a:spcAft>
-                <a:spcPts val="800"/>
-              </a:spcAft>
-              <a:defRPr sz="1600">
-                <a:solidFill>
-                  <a:srgbClr val="FFFFFF"/>
-                </a:solidFill>
-                <a:latin typeface="Segoe UI" panose="020B0502040204020203"/>
-              </a:defRPr>
-            </a:pPr>
-            <a:r>
-              <a:t>💡 Playwright est particulièrement adapté aux applications</a:t>
-            </a:r>
-          </a:p>
-          <a:p>
-            <a:pPr>
-              <a:spcAft>
-                <a:spcPts val="800"/>
-              </a:spcAft>
-              <a:defRPr sz="1600">
-                <a:solidFill>
-                  <a:srgbClr val="FFFFFF"/>
-                </a:solidFill>
-                <a:latin typeface="Segoe UI" panose="020B0502040204020203"/>
-              </a:defRPr>
-            </a:pPr>
-            <a:r>
-              <a:t>   SPA (Single Page Applications) comme Angular, React, Vue.js</a:t>
-            </a:r>
-          </a:p>
-        </p:txBody>
-      </p:sp>
+      </p:pic>
     </p:spTree>
   </p:cSld>
   <p:clrMapOvr>
@@ -9603,7 +9341,7 @@
         <p:spPr>
           <a:xfrm>
             <a:off x="457200" y="457200"/>
-            <a:ext cx="6912610" cy="706755"/>
+            <a:ext cx="5280660" cy="706755"/>
           </a:xfrm>
           <a:prstGeom prst="rect">
             <a:avLst/>
@@ -9625,14 +9363,14 @@
               </a:defRPr>
             </a:pPr>
             <a:r>
-              <a:t>📚 </a:t>
+              <a:t>📊 </a:t>
             </a:r>
             <a:r>
               <a:rPr lang="en-US"/>
               <a:t> </a:t>
             </a:r>
             <a:r>
-              <a:t>Ressources et Références</a:t>
+              <a:t>Résultats Obtenus</a:t>
             </a:r>
           </a:p>
         </p:txBody>
@@ -9646,7 +9384,7 @@
         <p:spPr>
           <a:xfrm>
             <a:off x="457200" y="1371600"/>
-            <a:ext cx="8229600" cy="5313045"/>
+            <a:ext cx="8229600" cy="5101590"/>
           </a:xfrm>
           <a:prstGeom prst="rect">
             <a:avLst/>
@@ -9655,7 +9393,7 @@
         </p:spPr>
         <p:txBody>
           <a:bodyPr wrap="square">
-            <a:spAutoFit/>
+            <a:noAutofit/>
           </a:bodyPr>
           <a:lstStyle/>
           <a:p>
@@ -9663,279 +9401,259 @@
               <a:spcAft>
                 <a:spcPts val="800"/>
               </a:spcAft>
-              <a:defRPr sz="1500">
-                <a:solidFill>
-                  <a:srgbClr val="FFFFFF"/>
-                </a:solidFill>
-                <a:latin typeface="Segoe UI" panose="020B0502040204020203"/>
-              </a:defRPr>
-            </a:pPr>
-            <a:r>
-              <a:t>🔗 Liens Utiles :</a:t>
-            </a:r>
-          </a:p>
-          <a:p>
-            <a:pPr>
-              <a:spcAft>
-                <a:spcPts val="800"/>
-              </a:spcAft>
-              <a:defRPr sz="1500">
-                <a:solidFill>
-                  <a:srgbClr val="FFFFFF"/>
-                </a:solidFill>
-                <a:latin typeface="Segoe UI" panose="020B0502040204020203"/>
-              </a:defRPr>
-            </a:pPr>
-            <a:endParaRPr sz="400"/>
-          </a:p>
-          <a:p>
-            <a:pPr>
-              <a:spcAft>
-                <a:spcPts val="800"/>
-              </a:spcAft>
-              <a:defRPr sz="1500">
-                <a:solidFill>
-                  <a:srgbClr val="FFFFFF"/>
-                </a:solidFill>
-                <a:latin typeface="Segoe UI" panose="020B0502040204020203"/>
-              </a:defRPr>
-            </a:pPr>
-            <a:r>
-              <a:t>• Documentation Officielle : https://playwright.dev/</a:t>
-            </a:r>
-          </a:p>
-          <a:p>
-            <a:pPr>
-              <a:spcAft>
-                <a:spcPts val="800"/>
-              </a:spcAft>
-              <a:defRPr sz="1500">
-                <a:solidFill>
-                  <a:srgbClr val="FFFFFF"/>
-                </a:solidFill>
-                <a:latin typeface="Segoe UI" panose="020B0502040204020203"/>
-              </a:defRPr>
-            </a:pPr>
-            <a:r>
-              <a:t>• GitHub : https://github.com/microsoft/playwright</a:t>
-            </a:r>
-          </a:p>
-          <a:p>
-            <a:pPr>
-              <a:spcAft>
-                <a:spcPts val="800"/>
-              </a:spcAft>
-              <a:defRPr sz="1500">
-                <a:solidFill>
-                  <a:srgbClr val="FFFFFF"/>
-                </a:solidFill>
-                <a:latin typeface="Segoe UI" panose="020B0502040204020203"/>
-              </a:defRPr>
-            </a:pPr>
-            <a:r>
-              <a:t>• Playground : https://try.playwright.tech/</a:t>
-            </a:r>
-          </a:p>
-          <a:p>
-            <a:pPr>
-              <a:spcAft>
-                <a:spcPts val="800"/>
-              </a:spcAft>
-              <a:defRPr sz="1500">
-                <a:solidFill>
-                  <a:srgbClr val="FFFFFF"/>
-                </a:solidFill>
-                <a:latin typeface="Segoe UI" panose="020B0502040204020203"/>
-              </a:defRPr>
-            </a:pPr>
-            <a:endParaRPr sz="400"/>
-          </a:p>
-          <a:p>
-            <a:pPr>
-              <a:spcAft>
-                <a:spcPts val="800"/>
-              </a:spcAft>
-              <a:defRPr sz="1500">
-                <a:solidFill>
-                  <a:srgbClr val="FFFFFF"/>
-                </a:solidFill>
-                <a:latin typeface="Segoe UI" panose="020B0502040204020203"/>
-              </a:defRPr>
-            </a:pPr>
-            <a:r>
-              <a:t>📖 Apprentissage :</a:t>
-            </a:r>
-          </a:p>
-          <a:p>
-            <a:pPr>
-              <a:spcAft>
-                <a:spcPts val="800"/>
-              </a:spcAft>
-              <a:defRPr sz="1500">
-                <a:solidFill>
-                  <a:srgbClr val="FFFFFF"/>
-                </a:solidFill>
-                <a:latin typeface="Segoe UI" panose="020B0502040204020203"/>
-              </a:defRPr>
-            </a:pPr>
-            <a:r>
-              <a:t>• Tutoriel Getting Started : playwright.dev/docs/intro</a:t>
-            </a:r>
-          </a:p>
-          <a:p>
-            <a:pPr>
-              <a:spcAft>
-                <a:spcPts val="800"/>
-              </a:spcAft>
-              <a:defRPr sz="1500">
-                <a:solidFill>
-                  <a:srgbClr val="FFFFFF"/>
-                </a:solidFill>
-                <a:latin typeface="Segoe UI" panose="020B0502040204020203"/>
-              </a:defRPr>
-            </a:pPr>
-            <a:r>
-              <a:t>• API Reference : playwright.dev/docs/api/class-page</a:t>
-            </a:r>
-          </a:p>
-          <a:p>
-            <a:pPr>
-              <a:spcAft>
-                <a:spcPts val="800"/>
-              </a:spcAft>
-              <a:defRPr sz="1500">
-                <a:solidFill>
-                  <a:srgbClr val="FFFFFF"/>
-                </a:solidFill>
-                <a:latin typeface="Segoe UI" panose="020B0502040204020203"/>
-              </a:defRPr>
-            </a:pPr>
-            <a:r>
-              <a:t>• Best Practices : playwright.dev/docs/best-practices</a:t>
-            </a:r>
-          </a:p>
-          <a:p>
-            <a:pPr>
-              <a:spcAft>
-                <a:spcPts val="800"/>
-              </a:spcAft>
-              <a:defRPr sz="1500">
-                <a:solidFill>
-                  <a:srgbClr val="FFFFFF"/>
-                </a:solidFill>
-                <a:latin typeface="Segoe UI" panose="020B0502040204020203"/>
-              </a:defRPr>
-            </a:pPr>
-            <a:endParaRPr sz="400"/>
-          </a:p>
-          <a:p>
-            <a:pPr>
-              <a:spcAft>
-                <a:spcPts val="800"/>
-              </a:spcAft>
-              <a:defRPr sz="1500">
-                <a:solidFill>
-                  <a:srgbClr val="FFFFFF"/>
-                </a:solidFill>
-                <a:latin typeface="Segoe UI" panose="020B0502040204020203"/>
-              </a:defRPr>
-            </a:pPr>
-            <a:r>
-              <a:t>📦 Application Testée :</a:t>
-            </a:r>
-          </a:p>
-          <a:p>
-            <a:pPr>
-              <a:spcAft>
-                <a:spcPts val="800"/>
-              </a:spcAft>
-              <a:defRPr sz="1500">
-                <a:solidFill>
-                  <a:srgbClr val="FFFFFF"/>
-                </a:solidFill>
-                <a:latin typeface="Segoe UI" panose="020B0502040204020203"/>
-              </a:defRPr>
-            </a:pPr>
-            <a:r>
-              <a:t>• OWASP Juice Shop : https://owasp.org/www-project-juice-shop/</a:t>
-            </a:r>
-          </a:p>
-          <a:p>
-            <a:pPr>
-              <a:spcAft>
-                <a:spcPts val="800"/>
-              </a:spcAft>
-              <a:defRPr sz="1500">
-                <a:solidFill>
-                  <a:srgbClr val="FFFFFF"/>
-                </a:solidFill>
-                <a:latin typeface="Segoe UI" panose="020B0502040204020203"/>
-              </a:defRPr>
-            </a:pPr>
-            <a:r>
-              <a:t>• GitHub Juice Shop : github.com/juice-shop/juice-shop</a:t>
-            </a:r>
-          </a:p>
-          <a:p>
-            <a:pPr>
-              <a:spcAft>
-                <a:spcPts val="800"/>
-              </a:spcAft>
-              <a:defRPr sz="1500">
-                <a:solidFill>
-                  <a:srgbClr val="FFFFFF"/>
-                </a:solidFill>
-                <a:latin typeface="Segoe UI" panose="020B0502040204020203"/>
-              </a:defRPr>
-            </a:pPr>
-            <a:endParaRPr sz="400"/>
-          </a:p>
-          <a:p>
-            <a:pPr>
-              <a:spcAft>
-                <a:spcPts val="800"/>
-              </a:spcAft>
-              <a:defRPr sz="1500">
-                <a:solidFill>
-                  <a:srgbClr val="FFFFFF"/>
-                </a:solidFill>
-                <a:latin typeface="Segoe UI" panose="020B0502040204020203"/>
-              </a:defRPr>
-            </a:pPr>
-            <a:r>
-              <a:t>🛠️ Outils Complémentaires :</a:t>
-            </a:r>
-          </a:p>
-          <a:p>
-            <a:pPr>
-              <a:spcAft>
-                <a:spcPts val="800"/>
-              </a:spcAft>
-              <a:defRPr sz="1500">
-                <a:solidFill>
-                  <a:srgbClr val="FFFFFF"/>
-                </a:solidFill>
-                <a:latin typeface="Segoe UI" panose="020B0502040204020203"/>
-              </a:defRPr>
-            </a:pPr>
-            <a:r>
-              <a:t>• VS Code Extension : Playwright Test for VSCode</a:t>
-            </a:r>
-          </a:p>
-          <a:p>
-            <a:pPr>
-              <a:spcAft>
-                <a:spcPts val="800"/>
-              </a:spcAft>
-              <a:defRPr sz="1500">
-                <a:solidFill>
-                  <a:srgbClr val="FFFFFF"/>
-                </a:solidFill>
-                <a:latin typeface="Segoe UI" panose="020B0502040204020203"/>
-              </a:defRPr>
-            </a:pPr>
-            <a:r>
-              <a:t>• Playwright Inspector : Débogage pas à pas</a:t>
+              <a:defRPr sz="1600">
+                <a:solidFill>
+                  <a:srgbClr val="FFFFFF"/>
+                </a:solidFill>
+                <a:latin typeface="Segoe UI" panose="020B0502040204020203"/>
+              </a:defRPr>
+            </a:pPr>
+            <a:r>
+              <a:t>🎯 Résultats des Tests OWASP Juice Shop :</a:t>
+            </a:r>
+          </a:p>
+          <a:p>
+            <a:pPr>
+              <a:spcAft>
+                <a:spcPts val="800"/>
+              </a:spcAft>
+              <a:defRPr sz="1600">
+                <a:solidFill>
+                  <a:srgbClr val="FFFFFF"/>
+                </a:solidFill>
+                <a:latin typeface="Segoe UI" panose="020B0502040204020203"/>
+              </a:defRPr>
+            </a:pPr>
+          </a:p>
+          <a:p>
+            <a:pPr>
+              <a:spcAft>
+                <a:spcPts val="800"/>
+              </a:spcAft>
+              <a:defRPr sz="1600">
+                <a:solidFill>
+                  <a:srgbClr val="FFFFFF"/>
+                </a:solidFill>
+                <a:latin typeface="Segoe UI" panose="020B0502040204020203"/>
+              </a:defRPr>
+            </a:pPr>
+            <a:r>
+              <a:t>✅ Tests E2E (Interface Utilisateur)</a:t>
+            </a:r>
+          </a:p>
+          <a:p>
+            <a:pPr>
+              <a:spcAft>
+                <a:spcPts val="800"/>
+              </a:spcAft>
+              <a:defRPr sz="1600">
+                <a:solidFill>
+                  <a:srgbClr val="FFFFFF"/>
+                </a:solidFill>
+                <a:latin typeface="Segoe UI" panose="020B0502040204020203"/>
+              </a:defRPr>
+            </a:pPr>
+            <a:r>
+              <a:t>• Ajout d'article au panier : PASSÉ</a:t>
+            </a:r>
+          </a:p>
+          <a:p>
+            <a:pPr>
+              <a:spcAft>
+                <a:spcPts val="800"/>
+              </a:spcAft>
+              <a:defRPr sz="1600">
+                <a:solidFill>
+                  <a:srgbClr val="FFFFFF"/>
+                </a:solidFill>
+                <a:latin typeface="Segoe UI" panose="020B0502040204020203"/>
+              </a:defRPr>
+            </a:pPr>
+            <a:r>
+              <a:t>• Suppression d'article : PASSÉ</a:t>
+            </a:r>
+          </a:p>
+          <a:p>
+            <a:pPr>
+              <a:spcAft>
+                <a:spcPts val="800"/>
+              </a:spcAft>
+              <a:defRPr sz="1600">
+                <a:solidFill>
+                  <a:srgbClr val="FFFFFF"/>
+                </a:solidFill>
+                <a:latin typeface="Segoe UI" panose="020B0502040204020203"/>
+              </a:defRPr>
+            </a:pPr>
+            <a:r>
+              <a:t>• Navigation et connexion : PASSÉ</a:t>
+            </a:r>
+          </a:p>
+          <a:p>
+            <a:pPr>
+              <a:spcAft>
+                <a:spcPts val="800"/>
+              </a:spcAft>
+              <a:defRPr sz="1600">
+                <a:solidFill>
+                  <a:srgbClr val="FFFFFF"/>
+                </a:solidFill>
+                <a:latin typeface="Segoe UI" panose="020B0502040204020203"/>
+              </a:defRPr>
+            </a:pPr>
+          </a:p>
+          <a:p>
+            <a:pPr>
+              <a:spcAft>
+                <a:spcPts val="800"/>
+              </a:spcAft>
+              <a:defRPr sz="1600">
+                <a:solidFill>
+                  <a:srgbClr val="FFFFFF"/>
+                </a:solidFill>
+                <a:latin typeface="Segoe UI" panose="020B0502040204020203"/>
+              </a:defRPr>
+            </a:pPr>
+            <a:r>
+              <a:t>✅ Tests API</a:t>
+            </a:r>
+          </a:p>
+          <a:p>
+            <a:pPr>
+              <a:spcAft>
+                <a:spcPts val="800"/>
+              </a:spcAft>
+              <a:defRPr sz="1600">
+                <a:solidFill>
+                  <a:srgbClr val="FFFFFF"/>
+                </a:solidFill>
+                <a:latin typeface="Segoe UI" panose="020B0502040204020203"/>
+              </a:defRPr>
+            </a:pPr>
+            <a:r>
+              <a:t>• GET /api/Products : PASSÉ (37 produits trouvés)</a:t>
+            </a:r>
+          </a:p>
+          <a:p>
+            <a:pPr>
+              <a:spcAft>
+                <a:spcPts val="800"/>
+              </a:spcAft>
+              <a:defRPr sz="1600">
+                <a:solidFill>
+                  <a:srgbClr val="FFFFFF"/>
+                </a:solidFill>
+                <a:latin typeface="Segoe UI" panose="020B0502040204020203"/>
+              </a:defRPr>
+            </a:pPr>
+            <a:r>
+              <a:t>• POST /rest/user/login : PASSÉ (JWT token reçu)</a:t>
+            </a:r>
+          </a:p>
+          <a:p>
+            <a:pPr>
+              <a:spcAft>
+                <a:spcPts val="800"/>
+              </a:spcAft>
+              <a:defRPr sz="1600">
+                <a:solidFill>
+                  <a:srgbClr val="FFFFFF"/>
+                </a:solidFill>
+                <a:latin typeface="Segoe UI" panose="020B0502040204020203"/>
+              </a:defRPr>
+            </a:pPr>
+          </a:p>
+          <a:p>
+            <a:pPr>
+              <a:spcAft>
+                <a:spcPts val="800"/>
+              </a:spcAft>
+              <a:defRPr sz="1600">
+                <a:solidFill>
+                  <a:srgbClr val="FFFFFF"/>
+                </a:solidFill>
+                <a:latin typeface="Segoe UI" panose="020B0502040204020203"/>
+              </a:defRPr>
+            </a:pPr>
+            <a:r>
+              <a:t>📈 Métriques :</a:t>
+            </a:r>
+          </a:p>
+          <a:p>
+            <a:pPr>
+              <a:spcAft>
+                <a:spcPts val="800"/>
+              </a:spcAft>
+              <a:defRPr sz="1600">
+                <a:solidFill>
+                  <a:srgbClr val="FFFFFF"/>
+                </a:solidFill>
+                <a:latin typeface="Segoe UI" panose="020B0502040204020203"/>
+              </a:defRPr>
+            </a:pPr>
+            <a:r>
+              <a:t>• Taux de réussite : 100%</a:t>
+            </a:r>
+          </a:p>
+          <a:p>
+            <a:pPr>
+              <a:spcAft>
+                <a:spcPts val="800"/>
+              </a:spcAft>
+              <a:defRPr sz="1600">
+                <a:solidFill>
+                  <a:srgbClr val="FFFFFF"/>
+                </a:solidFill>
+                <a:latin typeface="Segoe UI" panose="020B0502040204020203"/>
+              </a:defRPr>
+            </a:pPr>
+            <a:r>
+              <a:t>• Durée moyenne par test : &lt; 5 secondes</a:t>
+            </a:r>
+          </a:p>
+          <a:p>
+            <a:pPr>
+              <a:spcAft>
+                <a:spcPts val="800"/>
+              </a:spcAft>
+              <a:defRPr sz="1600">
+                <a:solidFill>
+                  <a:srgbClr val="FFFFFF"/>
+                </a:solidFill>
+                <a:latin typeface="Segoe UI" panose="020B0502040204020203"/>
+              </a:defRPr>
+            </a:pPr>
+            <a:r>
+              <a:t>• Navigateur testé : Chromium</a:t>
+            </a:r>
+          </a:p>
+          <a:p>
+            <a:pPr>
+              <a:spcAft>
+                <a:spcPts val="800"/>
+              </a:spcAft>
+              <a:defRPr sz="1600">
+                <a:solidFill>
+                  <a:srgbClr val="FFFFFF"/>
+                </a:solidFill>
+                <a:latin typeface="Segoe UI" panose="020B0502040204020203"/>
+              </a:defRPr>
+            </a:pPr>
+          </a:p>
+          <a:p>
+            <a:pPr>
+              <a:spcAft>
+                <a:spcPts val="800"/>
+              </a:spcAft>
+              <a:defRPr sz="1600">
+                <a:solidFill>
+                  <a:srgbClr val="FFFFFF"/>
+                </a:solidFill>
+                <a:latin typeface="Segoe UI" panose="020B0502040204020203"/>
+              </a:defRPr>
+            </a:pPr>
+            <a:r>
+              <a:t>➡️ Rapport HTML disponible dans playwright-report/</a:t>
             </a:r>
           </a:p>
         </p:txBody>
@@ -9974,8 +9692,8 @@
         </p:nvSpPr>
         <p:spPr>
           <a:xfrm>
-            <a:off x="457200" y="2286000"/>
-            <a:ext cx="8051800" cy="2283460"/>
+            <a:off x="457200" y="457200"/>
+            <a:ext cx="5109845" cy="706755"/>
           </a:xfrm>
           <a:prstGeom prst="rect">
             <a:avLst/>
@@ -9984,54 +9702,1001 @@
         </p:spPr>
         <p:txBody>
           <a:bodyPr wrap="none">
-            <a:noAutofit/>
+            <a:spAutoFit/>
           </a:bodyPr>
           <a:lstStyle/>
           <a:p>
             <a:pPr>
-              <a:defRPr sz="6000" b="1">
-                <a:solidFill>
-                  <a:srgbClr val="2EAD33"/>
-                </a:solidFill>
-                <a:latin typeface="Segoe UI" panose="020B0502040204020203"/>
-              </a:defRPr>
-            </a:pPr>
-            <a:r>
-              <a:t>🙏 </a:t>
+              <a:defRPr sz="4000" b="1">
+                <a:solidFill>
+                  <a:srgbClr val="FFFFFF"/>
+                </a:solidFill>
+                <a:latin typeface="Segoe UI" panose="020B0502040204020203"/>
+              </a:defRPr>
+            </a:pPr>
+            <a:r>
+              <a:t>📝 </a:t>
             </a:r>
             <a:r>
               <a:rPr lang="en-US"/>
               <a:t> </a:t>
             </a:r>
             <a:r>
+              <a:t>Bonnes Pratiques</a:t>
+            </a:r>
+          </a:p>
+        </p:txBody>
+      </p:sp>
+      <p:sp>
+        <p:nvSpPr>
+          <p:cNvPr id="3" name="TextBox 2"/>
+          <p:cNvSpPr txBox="1"/>
+          <p:nvPr/>
+        </p:nvSpPr>
+        <p:spPr>
+          <a:xfrm>
+            <a:off x="457200" y="1371600"/>
+            <a:ext cx="8229600" cy="4572000"/>
+          </a:xfrm>
+          <a:prstGeom prst="rect">
+            <a:avLst/>
+          </a:prstGeom>
+          <a:noFill/>
+        </p:spPr>
+        <p:txBody>
+          <a:bodyPr wrap="square">
+            <a:spAutoFit/>
+          </a:bodyPr>
+          <a:lstStyle/>
+          <a:p>
+            <a:pPr>
+              <a:spcAft>
+                <a:spcPts val="800"/>
+              </a:spcAft>
+              <a:defRPr sz="1600">
+                <a:solidFill>
+                  <a:srgbClr val="FFFFFF"/>
+                </a:solidFill>
+                <a:latin typeface="Segoe UI" panose="020B0502040204020203"/>
+              </a:defRPr>
+            </a:pPr>
+            <a:r>
+              <a:t>✅ À Faire :</a:t>
+            </a:r>
+          </a:p>
+          <a:p>
+            <a:pPr>
+              <a:spcAft>
+                <a:spcPts val="800"/>
+              </a:spcAft>
+              <a:defRPr sz="1600">
+                <a:solidFill>
+                  <a:srgbClr val="FFFFFF"/>
+                </a:solidFill>
+                <a:latin typeface="Segoe UI" panose="020B0502040204020203"/>
+              </a:defRPr>
+            </a:pPr>
+            <a:r>
+              <a:t>• Utiliser des sélecteurs accessibles (getByRole, getByLabel)</a:t>
+            </a:r>
+          </a:p>
+          <a:p>
+            <a:pPr>
+              <a:spcAft>
+                <a:spcPts val="800"/>
+              </a:spcAft>
+              <a:defRPr sz="1600">
+                <a:solidFill>
+                  <a:srgbClr val="FFFFFF"/>
+                </a:solidFill>
+                <a:latin typeface="Segoe UI" panose="020B0502040204020203"/>
+              </a:defRPr>
+            </a:pPr>
+            <a:r>
+              <a:t>• Isoler les tests (chaque test indépendant)</a:t>
+            </a:r>
+          </a:p>
+          <a:p>
+            <a:pPr>
+              <a:spcAft>
+                <a:spcPts val="800"/>
+              </a:spcAft>
+              <a:defRPr sz="1600">
+                <a:solidFill>
+                  <a:srgbClr val="FFFFFF"/>
+                </a:solidFill>
+                <a:latin typeface="Segoe UI" panose="020B0502040204020203"/>
+              </a:defRPr>
+            </a:pPr>
+            <a:r>
+              <a:t>• Utiliser des fixtures pour les données de test</a:t>
+            </a:r>
+          </a:p>
+          <a:p>
+            <a:pPr>
+              <a:spcAft>
+                <a:spcPts val="800"/>
+              </a:spcAft>
+              <a:defRPr sz="1600">
+                <a:solidFill>
+                  <a:srgbClr val="FFFFFF"/>
+                </a:solidFill>
+                <a:latin typeface="Segoe UI" panose="020B0502040204020203"/>
+              </a:defRPr>
+            </a:pPr>
+            <a:r>
+              <a:t>• Configurer les retries en CI pour les tests flaky</a:t>
+            </a:r>
+          </a:p>
+          <a:p>
+            <a:pPr>
+              <a:spcAft>
+                <a:spcPts val="800"/>
+              </a:spcAft>
+              <a:defRPr sz="1600">
+                <a:solidFill>
+                  <a:srgbClr val="FFFFFF"/>
+                </a:solidFill>
+                <a:latin typeface="Segoe UI" panose="020B0502040204020203"/>
+              </a:defRPr>
+            </a:pPr>
+            <a:r>
+              <a:t>• Garder les tests rapides (&lt; 30 secondes)</a:t>
+            </a:r>
+          </a:p>
+          <a:p>
+            <a:pPr>
+              <a:spcAft>
+                <a:spcPts val="800"/>
+              </a:spcAft>
+              <a:defRPr sz="1600">
+                <a:solidFill>
+                  <a:srgbClr val="FFFFFF"/>
+                </a:solidFill>
+                <a:latin typeface="Segoe UI" panose="020B0502040204020203"/>
+              </a:defRPr>
+            </a:pPr>
+          </a:p>
+          <a:p>
+            <a:pPr>
+              <a:spcAft>
+                <a:spcPts val="800"/>
+              </a:spcAft>
+              <a:defRPr sz="1600">
+                <a:solidFill>
+                  <a:srgbClr val="FFFFFF"/>
+                </a:solidFill>
+                <a:latin typeface="Segoe UI" panose="020B0502040204020203"/>
+              </a:defRPr>
+            </a:pPr>
+            <a:r>
+              <a:t>❌ À Éviter :</a:t>
+            </a:r>
+          </a:p>
+          <a:p>
+            <a:pPr>
+              <a:spcAft>
+                <a:spcPts val="800"/>
+              </a:spcAft>
+              <a:defRPr sz="1600">
+                <a:solidFill>
+                  <a:srgbClr val="FFFFFF"/>
+                </a:solidFill>
+                <a:latin typeface="Segoe UI" panose="020B0502040204020203"/>
+              </a:defRPr>
+            </a:pPr>
+            <a:r>
+              <a:t>• XPath complexes ou sélecteurs fragiles</a:t>
+            </a:r>
+          </a:p>
+          <a:p>
+            <a:pPr>
+              <a:spcAft>
+                <a:spcPts val="800"/>
+              </a:spcAft>
+              <a:defRPr sz="1600">
+                <a:solidFill>
+                  <a:srgbClr val="FFFFFF"/>
+                </a:solidFill>
+                <a:latin typeface="Segoe UI" panose="020B0502040204020203"/>
+              </a:defRPr>
+            </a:pPr>
+            <a:r>
+              <a:t>• Dépendances entre tests</a:t>
+            </a:r>
+          </a:p>
+          <a:p>
+            <a:pPr>
+              <a:spcAft>
+                <a:spcPts val="800"/>
+              </a:spcAft>
+              <a:defRPr sz="1600">
+                <a:solidFill>
+                  <a:srgbClr val="FFFFFF"/>
+                </a:solidFill>
+                <a:latin typeface="Segoe UI" panose="020B0502040204020203"/>
+              </a:defRPr>
+            </a:pPr>
+            <a:r>
+              <a:t>• Attentes hardcodées (await page.waitForTimeout)</a:t>
+            </a:r>
+          </a:p>
+          <a:p>
+            <a:pPr>
+              <a:spcAft>
+                <a:spcPts val="800"/>
+              </a:spcAft>
+              <a:defRPr sz="1600">
+                <a:solidFill>
+                  <a:srgbClr val="FFFFFF"/>
+                </a:solidFill>
+                <a:latin typeface="Segoe UI" panose="020B0502040204020203"/>
+              </a:defRPr>
+            </a:pPr>
+            <a:r>
+              <a:t>• Tests qui modifient l'état partagé</a:t>
+            </a:r>
+          </a:p>
+          <a:p>
+            <a:pPr>
+              <a:spcAft>
+                <a:spcPts val="800"/>
+              </a:spcAft>
+              <a:defRPr sz="1600">
+                <a:solidFill>
+                  <a:srgbClr val="FFFFFF"/>
+                </a:solidFill>
+                <a:latin typeface="Segoe UI" panose="020B0502040204020203"/>
+              </a:defRPr>
+            </a:pPr>
+            <a:r>
+              <a:t>• Ignorer les tests échoués sans investigation</a:t>
+            </a:r>
+          </a:p>
+        </p:txBody>
+      </p:sp>
+    </p:spTree>
+  </p:cSld>
+  <p:clrMapOvr>
+    <a:masterClrMapping/>
+  </p:clrMapOvr>
+</p:sld>
+</file>
+
+<file path=ppt/slides/slide28.xml><?xml version="1.0" encoding="utf-8"?>
+<p:sld xmlns:a="http://schemas.openxmlformats.org/drawingml/2006/main" xmlns:r="http://schemas.openxmlformats.org/officeDocument/2006/relationships" xmlns:p="http://schemas.openxmlformats.org/presentationml/2006/main">
+  <p:cSld>
+    <p:bg>
+      <p:bgPr>
+        <a:solidFill>
+          <a:srgbClr val="1A1A2E"/>
+        </a:solidFill>
+        <a:effectLst/>
+      </p:bgPr>
+    </p:bg>
+    <p:spTree>
+      <p:nvGrpSpPr>
+        <p:cNvPr id="1" name=""/>
+        <p:cNvGrpSpPr/>
+        <p:nvPr/>
+      </p:nvGrpSpPr>
+      <p:grpSpPr/>
+      <p:sp>
+        <p:nvSpPr>
+          <p:cNvPr id="2" name="TextBox 1"/>
+          <p:cNvSpPr txBox="1"/>
+          <p:nvPr/>
+        </p:nvSpPr>
+        <p:spPr>
+          <a:xfrm>
+            <a:off x="457200" y="457200"/>
+            <a:ext cx="3230880" cy="706755"/>
+          </a:xfrm>
+          <a:prstGeom prst="rect">
+            <a:avLst/>
+          </a:prstGeom>
+          <a:noFill/>
+        </p:spPr>
+        <p:txBody>
+          <a:bodyPr wrap="none">
+            <a:spAutoFit/>
+          </a:bodyPr>
+          <a:lstStyle/>
+          <a:p>
+            <a:pPr>
+              <a:defRPr sz="4000" b="1">
+                <a:solidFill>
+                  <a:srgbClr val="FFFFFF"/>
+                </a:solidFill>
+                <a:latin typeface="Segoe UI" panose="020B0502040204020203"/>
+              </a:defRPr>
+            </a:pPr>
+            <a:r>
               <a:rPr>
                 <a:solidFill>
                   <a:srgbClr val="2EAD33"/>
                 </a:solidFill>
               </a:rPr>
-              <a:t>Merci </a:t>
+              <a:t>8 Conclusion</a:t>
+            </a:r>
+            <a:endParaRPr>
+              <a:solidFill>
+                <a:srgbClr val="2EAD33"/>
+              </a:solidFill>
+            </a:endParaRPr>
+          </a:p>
+        </p:txBody>
+      </p:sp>
+      <p:sp>
+        <p:nvSpPr>
+          <p:cNvPr id="3" name="TextBox 2"/>
+          <p:cNvSpPr txBox="1"/>
+          <p:nvPr/>
+        </p:nvSpPr>
+        <p:spPr>
+          <a:xfrm>
+            <a:off x="457200" y="1371600"/>
+            <a:ext cx="8229600" cy="4572000"/>
+          </a:xfrm>
+          <a:prstGeom prst="rect">
+            <a:avLst/>
+          </a:prstGeom>
+          <a:noFill/>
+        </p:spPr>
+        <p:txBody>
+          <a:bodyPr wrap="square">
+            <a:spAutoFit/>
+          </a:bodyPr>
+          <a:lstStyle/>
+          <a:p>
+            <a:pPr>
+              <a:spcAft>
+                <a:spcPts val="800"/>
+              </a:spcAft>
+              <a:defRPr sz="1600">
+                <a:solidFill>
+                  <a:srgbClr val="FFFFFF"/>
+                </a:solidFill>
+                <a:latin typeface="Segoe UI" panose="020B0502040204020203"/>
+              </a:defRPr>
+            </a:pPr>
+            <a:r>
+              <a:t>🎭 Playwright est un outil moderne et puissant pour le test automatisé</a:t>
+            </a:r>
+          </a:p>
+          <a:p>
+            <a:pPr>
+              <a:spcAft>
+                <a:spcPts val="800"/>
+              </a:spcAft>
+              <a:defRPr sz="1600">
+                <a:solidFill>
+                  <a:srgbClr val="FFFFFF"/>
+                </a:solidFill>
+                <a:latin typeface="Segoe UI" panose="020B0502040204020203"/>
+              </a:defRPr>
+            </a:pPr>
+          </a:p>
+          <a:p>
+            <a:pPr>
+              <a:spcAft>
+                <a:spcPts val="800"/>
+              </a:spcAft>
+              <a:defRPr sz="1600">
+                <a:solidFill>
+                  <a:srgbClr val="FFFFFF"/>
+                </a:solidFill>
+                <a:latin typeface="Segoe UI" panose="020B0502040204020203"/>
+              </a:defRPr>
+            </a:pPr>
+            <a:r>
+              <a:t>✨ Points Forts Principaux :</a:t>
+            </a:r>
+          </a:p>
+          <a:p>
+            <a:pPr>
+              <a:spcAft>
+                <a:spcPts val="800"/>
+              </a:spcAft>
+              <a:defRPr sz="1600">
+                <a:solidFill>
+                  <a:srgbClr val="FFFFFF"/>
+                </a:solidFill>
+                <a:latin typeface="Segoe UI" panose="020B0502040204020203"/>
+              </a:defRPr>
+            </a:pPr>
+            <a:r>
+              <a:t>• Installation simple et rapide</a:t>
+            </a:r>
+          </a:p>
+          <a:p>
+            <a:pPr>
+              <a:spcAft>
+                <a:spcPts val="800"/>
+              </a:spcAft>
+              <a:defRPr sz="1600">
+                <a:solidFill>
+                  <a:srgbClr val="FFFFFF"/>
+                </a:solidFill>
+                <a:latin typeface="Segoe UI" panose="020B0502040204020203"/>
+              </a:defRPr>
+            </a:pPr>
+            <a:r>
+              <a:t>• Support multi-navigateur natif</a:t>
+            </a:r>
+          </a:p>
+          <a:p>
+            <a:pPr>
+              <a:spcAft>
+                <a:spcPts val="800"/>
+              </a:spcAft>
+              <a:defRPr sz="1600">
+                <a:solidFill>
+                  <a:srgbClr val="FFFFFF"/>
+                </a:solidFill>
+                <a:latin typeface="Segoe UI" panose="020B0502040204020203"/>
+              </a:defRPr>
+            </a:pPr>
+            <a:r>
+              <a:t>• Auto-waiting intelligent et fiable</a:t>
+            </a:r>
+          </a:p>
+          <a:p>
+            <a:pPr>
+              <a:spcAft>
+                <a:spcPts val="800"/>
+              </a:spcAft>
+              <a:defRPr sz="1600">
+                <a:solidFill>
+                  <a:srgbClr val="FFFFFF"/>
+                </a:solidFill>
+                <a:latin typeface="Segoe UI" panose="020B0502040204020203"/>
+              </a:defRPr>
+            </a:pPr>
+            <a:r>
+              <a:t>• Rapports HTML riches et interactifs</a:t>
+            </a:r>
+          </a:p>
+          <a:p>
+            <a:pPr>
+              <a:spcAft>
+                <a:spcPts val="800"/>
+              </a:spcAft>
+              <a:defRPr sz="1600">
+                <a:solidFill>
+                  <a:srgbClr val="FFFFFF"/>
+                </a:solidFill>
+                <a:latin typeface="Segoe UI" panose="020B0502040204020203"/>
+              </a:defRPr>
+            </a:pPr>
+            <a:r>
+              <a:t>• Trace Viewer pour le débogage</a:t>
+            </a:r>
+          </a:p>
+          <a:p>
+            <a:pPr>
+              <a:spcAft>
+                <a:spcPts val="800"/>
+              </a:spcAft>
+              <a:defRPr sz="1600">
+                <a:solidFill>
+                  <a:srgbClr val="FFFFFF"/>
+                </a:solidFill>
+                <a:latin typeface="Segoe UI" panose="020B0502040204020203"/>
+              </a:defRPr>
+            </a:pPr>
+            <a:r>
+              <a:t>• Tests API intégrés</a:t>
+            </a:r>
+          </a:p>
+          <a:p>
+            <a:pPr>
+              <a:spcAft>
+                <a:spcPts val="800"/>
+              </a:spcAft>
+              <a:defRPr sz="1600">
+                <a:solidFill>
+                  <a:srgbClr val="FFFFFF"/>
+                </a:solidFill>
+                <a:latin typeface="Segoe UI" panose="020B0502040204020203"/>
+              </a:defRPr>
+            </a:pPr>
+          </a:p>
+          <a:p>
+            <a:pPr>
+              <a:spcAft>
+                <a:spcPts val="800"/>
+              </a:spcAft>
+              <a:defRPr sz="1600">
+                <a:solidFill>
+                  <a:srgbClr val="FFFFFF"/>
+                </a:solidFill>
+                <a:latin typeface="Segoe UI" panose="020B0502040204020203"/>
+              </a:defRPr>
+            </a:pPr>
+            <a:r>
+              <a:t>🚀 Cas d'Usage Idéaux :</a:t>
+            </a:r>
+          </a:p>
+          <a:p>
+            <a:pPr>
+              <a:spcAft>
+                <a:spcPts val="800"/>
+              </a:spcAft>
+              <a:defRPr sz="1600">
+                <a:solidFill>
+                  <a:srgbClr val="FFFFFF"/>
+                </a:solidFill>
+                <a:latin typeface="Segoe UI" panose="020B0502040204020203"/>
+              </a:defRPr>
+            </a:pPr>
+            <a:r>
+              <a:t>• Tests de régression automatisés</a:t>
+            </a:r>
+          </a:p>
+          <a:p>
+            <a:pPr>
+              <a:spcAft>
+                <a:spcPts val="800"/>
+              </a:spcAft>
+              <a:defRPr sz="1600">
+                <a:solidFill>
+                  <a:srgbClr val="FFFFFF"/>
+                </a:solidFill>
+                <a:latin typeface="Segoe UI" panose="020B0502040204020203"/>
+              </a:defRPr>
+            </a:pPr>
+            <a:r>
+              <a:t>• Tests E2E d'applications web modernes</a:t>
+            </a:r>
+          </a:p>
+          <a:p>
+            <a:pPr>
+              <a:spcAft>
+                <a:spcPts val="800"/>
+              </a:spcAft>
+              <a:defRPr sz="1600">
+                <a:solidFill>
+                  <a:srgbClr val="FFFFFF"/>
+                </a:solidFill>
+                <a:latin typeface="Segoe UI" panose="020B0502040204020203"/>
+              </a:defRPr>
+            </a:pPr>
+            <a:r>
+              <a:t>• Validation d'API REST/GraphQL</a:t>
+            </a:r>
+          </a:p>
+          <a:p>
+            <a:pPr>
+              <a:spcAft>
+                <a:spcPts val="800"/>
+              </a:spcAft>
+              <a:defRPr sz="1600">
+                <a:solidFill>
+                  <a:srgbClr val="FFFFFF"/>
+                </a:solidFill>
+                <a:latin typeface="Segoe UI" panose="020B0502040204020203"/>
+              </a:defRPr>
+            </a:pPr>
+            <a:r>
+              <a:t>• Intégration continue (CI/CD)</a:t>
+            </a:r>
+          </a:p>
+          <a:p>
+            <a:pPr>
+              <a:spcAft>
+                <a:spcPts val="800"/>
+              </a:spcAft>
+              <a:defRPr sz="1600">
+                <a:solidFill>
+                  <a:srgbClr val="FFFFFF"/>
+                </a:solidFill>
+                <a:latin typeface="Segoe UI" panose="020B0502040204020203"/>
+              </a:defRPr>
+            </a:pPr>
+          </a:p>
+          <a:p>
+            <a:pPr>
+              <a:spcAft>
+                <a:spcPts val="800"/>
+              </a:spcAft>
+              <a:defRPr sz="1600">
+                <a:solidFill>
+                  <a:srgbClr val="FFFFFF"/>
+                </a:solidFill>
+                <a:latin typeface="Segoe UI" panose="020B0502040204020203"/>
+              </a:defRPr>
+            </a:pPr>
+            <a:r>
+              <a:t>💡 Playwright est particulièrement adapté aux applications</a:t>
+            </a:r>
+          </a:p>
+          <a:p>
+            <a:pPr>
+              <a:spcAft>
+                <a:spcPts val="800"/>
+              </a:spcAft>
+              <a:defRPr sz="1600">
+                <a:solidFill>
+                  <a:srgbClr val="FFFFFF"/>
+                </a:solidFill>
+                <a:latin typeface="Segoe UI" panose="020B0502040204020203"/>
+              </a:defRPr>
+            </a:pPr>
+            <a:r>
+              <a:t>   SPA (Single Page Applications) comme Angular, React, Vue.js</a:t>
+            </a:r>
+          </a:p>
+        </p:txBody>
+      </p:sp>
+    </p:spTree>
+  </p:cSld>
+  <p:clrMapOvr>
+    <a:masterClrMapping/>
+  </p:clrMapOvr>
+</p:sld>
+</file>
+
+<file path=ppt/slides/slide29.xml><?xml version="1.0" encoding="utf-8"?>
+<p:sld xmlns:a="http://schemas.openxmlformats.org/drawingml/2006/main" xmlns:r="http://schemas.openxmlformats.org/officeDocument/2006/relationships" xmlns:p="http://schemas.openxmlformats.org/presentationml/2006/main">
+  <p:cSld>
+    <p:bg>
+      <p:bgPr>
+        <a:solidFill>
+          <a:srgbClr val="1A1A2E"/>
+        </a:solidFill>
+        <a:effectLst/>
+      </p:bgPr>
+    </p:bg>
+    <p:spTree>
+      <p:nvGrpSpPr>
+        <p:cNvPr id="1" name=""/>
+        <p:cNvGrpSpPr/>
+        <p:nvPr/>
+      </p:nvGrpSpPr>
+      <p:grpSpPr/>
+      <p:sp>
+        <p:nvSpPr>
+          <p:cNvPr id="2" name="TextBox 1"/>
+          <p:cNvSpPr txBox="1"/>
+          <p:nvPr/>
+        </p:nvSpPr>
+        <p:spPr>
+          <a:xfrm>
+            <a:off x="457200" y="457200"/>
+            <a:ext cx="6912610" cy="706755"/>
+          </a:xfrm>
+          <a:prstGeom prst="rect">
+            <a:avLst/>
+          </a:prstGeom>
+          <a:noFill/>
+        </p:spPr>
+        <p:txBody>
+          <a:bodyPr wrap="none">
+            <a:spAutoFit/>
+          </a:bodyPr>
+          <a:lstStyle/>
+          <a:p>
+            <a:pPr>
+              <a:defRPr sz="4000" b="1">
+                <a:solidFill>
+                  <a:srgbClr val="FFFFFF"/>
+                </a:solidFill>
+                <a:latin typeface="Segoe UI" panose="020B0502040204020203"/>
+              </a:defRPr>
+            </a:pPr>
+            <a:r>
+              <a:t>📚 </a:t>
             </a:r>
             <a:r>
               <a:rPr lang="en-US"/>
-              <a:t>Pour Votre </a:t>
-            </a:r>
-            <a:endParaRPr lang="en-US"/>
-          </a:p>
-          <a:p>
-            <a:pPr algn="ctr">
-              <a:defRPr sz="6000" b="1">
-                <a:solidFill>
-                  <a:srgbClr val="2EAD33"/>
-                </a:solidFill>
-                <a:latin typeface="Segoe UI" panose="020B0502040204020203"/>
-              </a:defRPr>
-            </a:pPr>
-            <a:r>
-              <a:rPr lang="en-US"/>
-              <a:t>Attention</a:t>
-            </a:r>
-            <a:r>
-              <a:t>!</a:t>
+              <a:t> </a:t>
+            </a:r>
+            <a:r>
+              <a:t>Ressources et Références</a:t>
+            </a:r>
+          </a:p>
+        </p:txBody>
+      </p:sp>
+      <p:sp>
+        <p:nvSpPr>
+          <p:cNvPr id="3" name="TextBox 2"/>
+          <p:cNvSpPr txBox="1"/>
+          <p:nvPr/>
+        </p:nvSpPr>
+        <p:spPr>
+          <a:xfrm>
+            <a:off x="457200" y="1371600"/>
+            <a:ext cx="8229600" cy="5313045"/>
+          </a:xfrm>
+          <a:prstGeom prst="rect">
+            <a:avLst/>
+          </a:prstGeom>
+          <a:noFill/>
+        </p:spPr>
+        <p:txBody>
+          <a:bodyPr wrap="square">
+            <a:spAutoFit/>
+          </a:bodyPr>
+          <a:lstStyle/>
+          <a:p>
+            <a:pPr>
+              <a:spcAft>
+                <a:spcPts val="800"/>
+              </a:spcAft>
+              <a:defRPr sz="1500">
+                <a:solidFill>
+                  <a:srgbClr val="FFFFFF"/>
+                </a:solidFill>
+                <a:latin typeface="Segoe UI" panose="020B0502040204020203"/>
+              </a:defRPr>
+            </a:pPr>
+            <a:r>
+              <a:t>🔗 Liens Utiles :</a:t>
+            </a:r>
+          </a:p>
+          <a:p>
+            <a:pPr>
+              <a:spcAft>
+                <a:spcPts val="800"/>
+              </a:spcAft>
+              <a:defRPr sz="1500">
+                <a:solidFill>
+                  <a:srgbClr val="FFFFFF"/>
+                </a:solidFill>
+                <a:latin typeface="Segoe UI" panose="020B0502040204020203"/>
+              </a:defRPr>
+            </a:pPr>
+            <a:endParaRPr sz="400"/>
+          </a:p>
+          <a:p>
+            <a:pPr>
+              <a:spcAft>
+                <a:spcPts val="800"/>
+              </a:spcAft>
+              <a:defRPr sz="1500">
+                <a:solidFill>
+                  <a:srgbClr val="FFFFFF"/>
+                </a:solidFill>
+                <a:latin typeface="Segoe UI" panose="020B0502040204020203"/>
+              </a:defRPr>
+            </a:pPr>
+            <a:r>
+              <a:t>• Documentation Officielle : https://playwright.dev/</a:t>
+            </a:r>
+          </a:p>
+          <a:p>
+            <a:pPr>
+              <a:spcAft>
+                <a:spcPts val="800"/>
+              </a:spcAft>
+              <a:defRPr sz="1500">
+                <a:solidFill>
+                  <a:srgbClr val="FFFFFF"/>
+                </a:solidFill>
+                <a:latin typeface="Segoe UI" panose="020B0502040204020203"/>
+              </a:defRPr>
+            </a:pPr>
+            <a:r>
+              <a:t>• GitHub : https://github.com/microsoft/playwright</a:t>
+            </a:r>
+          </a:p>
+          <a:p>
+            <a:pPr>
+              <a:spcAft>
+                <a:spcPts val="800"/>
+              </a:spcAft>
+              <a:defRPr sz="1500">
+                <a:solidFill>
+                  <a:srgbClr val="FFFFFF"/>
+                </a:solidFill>
+                <a:latin typeface="Segoe UI" panose="020B0502040204020203"/>
+              </a:defRPr>
+            </a:pPr>
+            <a:r>
+              <a:t>• Playground : https://try.playwright.tech/</a:t>
+            </a:r>
+          </a:p>
+          <a:p>
+            <a:pPr>
+              <a:spcAft>
+                <a:spcPts val="800"/>
+              </a:spcAft>
+              <a:defRPr sz="1500">
+                <a:solidFill>
+                  <a:srgbClr val="FFFFFF"/>
+                </a:solidFill>
+                <a:latin typeface="Segoe UI" panose="020B0502040204020203"/>
+              </a:defRPr>
+            </a:pPr>
+            <a:endParaRPr sz="400"/>
+          </a:p>
+          <a:p>
+            <a:pPr>
+              <a:spcAft>
+                <a:spcPts val="800"/>
+              </a:spcAft>
+              <a:defRPr sz="1500">
+                <a:solidFill>
+                  <a:srgbClr val="FFFFFF"/>
+                </a:solidFill>
+                <a:latin typeface="Segoe UI" panose="020B0502040204020203"/>
+              </a:defRPr>
+            </a:pPr>
+            <a:r>
+              <a:t>📖 Apprentissage :</a:t>
+            </a:r>
+          </a:p>
+          <a:p>
+            <a:pPr>
+              <a:spcAft>
+                <a:spcPts val="800"/>
+              </a:spcAft>
+              <a:defRPr sz="1500">
+                <a:solidFill>
+                  <a:srgbClr val="FFFFFF"/>
+                </a:solidFill>
+                <a:latin typeface="Segoe UI" panose="020B0502040204020203"/>
+              </a:defRPr>
+            </a:pPr>
+            <a:r>
+              <a:t>• Tutoriel Getting Started : playwright.dev/docs/intro</a:t>
+            </a:r>
+          </a:p>
+          <a:p>
+            <a:pPr>
+              <a:spcAft>
+                <a:spcPts val="800"/>
+              </a:spcAft>
+              <a:defRPr sz="1500">
+                <a:solidFill>
+                  <a:srgbClr val="FFFFFF"/>
+                </a:solidFill>
+                <a:latin typeface="Segoe UI" panose="020B0502040204020203"/>
+              </a:defRPr>
+            </a:pPr>
+            <a:r>
+              <a:t>• API Reference : playwright.dev/docs/api/class-page</a:t>
+            </a:r>
+          </a:p>
+          <a:p>
+            <a:pPr>
+              <a:spcAft>
+                <a:spcPts val="800"/>
+              </a:spcAft>
+              <a:defRPr sz="1500">
+                <a:solidFill>
+                  <a:srgbClr val="FFFFFF"/>
+                </a:solidFill>
+                <a:latin typeface="Segoe UI" panose="020B0502040204020203"/>
+              </a:defRPr>
+            </a:pPr>
+            <a:r>
+              <a:t>• Best Practices : playwright.dev/docs/best-practices</a:t>
+            </a:r>
+          </a:p>
+          <a:p>
+            <a:pPr>
+              <a:spcAft>
+                <a:spcPts val="800"/>
+              </a:spcAft>
+              <a:defRPr sz="1500">
+                <a:solidFill>
+                  <a:srgbClr val="FFFFFF"/>
+                </a:solidFill>
+                <a:latin typeface="Segoe UI" panose="020B0502040204020203"/>
+              </a:defRPr>
+            </a:pPr>
+            <a:endParaRPr sz="400"/>
+          </a:p>
+          <a:p>
+            <a:pPr>
+              <a:spcAft>
+                <a:spcPts val="800"/>
+              </a:spcAft>
+              <a:defRPr sz="1500">
+                <a:solidFill>
+                  <a:srgbClr val="FFFFFF"/>
+                </a:solidFill>
+                <a:latin typeface="Segoe UI" panose="020B0502040204020203"/>
+              </a:defRPr>
+            </a:pPr>
+            <a:r>
+              <a:t>📦 Application Testée :</a:t>
+            </a:r>
+          </a:p>
+          <a:p>
+            <a:pPr>
+              <a:spcAft>
+                <a:spcPts val="800"/>
+              </a:spcAft>
+              <a:defRPr sz="1500">
+                <a:solidFill>
+                  <a:srgbClr val="FFFFFF"/>
+                </a:solidFill>
+                <a:latin typeface="Segoe UI" panose="020B0502040204020203"/>
+              </a:defRPr>
+            </a:pPr>
+            <a:r>
+              <a:t>• OWASP Juice Shop : https://owasp.org/www-project-juice-shop/</a:t>
+            </a:r>
+          </a:p>
+          <a:p>
+            <a:pPr>
+              <a:spcAft>
+                <a:spcPts val="800"/>
+              </a:spcAft>
+              <a:defRPr sz="1500">
+                <a:solidFill>
+                  <a:srgbClr val="FFFFFF"/>
+                </a:solidFill>
+                <a:latin typeface="Segoe UI" panose="020B0502040204020203"/>
+              </a:defRPr>
+            </a:pPr>
+            <a:r>
+              <a:t>• GitHub Juice Shop : github.com/juice-shop/juice-shop</a:t>
+            </a:r>
+          </a:p>
+          <a:p>
+            <a:pPr>
+              <a:spcAft>
+                <a:spcPts val="800"/>
+              </a:spcAft>
+              <a:defRPr sz="1500">
+                <a:solidFill>
+                  <a:srgbClr val="FFFFFF"/>
+                </a:solidFill>
+                <a:latin typeface="Segoe UI" panose="020B0502040204020203"/>
+              </a:defRPr>
+            </a:pPr>
+            <a:endParaRPr sz="400"/>
+          </a:p>
+          <a:p>
+            <a:pPr>
+              <a:spcAft>
+                <a:spcPts val="800"/>
+              </a:spcAft>
+              <a:defRPr sz="1500">
+                <a:solidFill>
+                  <a:srgbClr val="FFFFFF"/>
+                </a:solidFill>
+                <a:latin typeface="Segoe UI" panose="020B0502040204020203"/>
+              </a:defRPr>
+            </a:pPr>
+            <a:r>
+              <a:t>🛠️ Outils Complémentaires :</a:t>
+            </a:r>
+          </a:p>
+          <a:p>
+            <a:pPr>
+              <a:spcAft>
+                <a:spcPts val="800"/>
+              </a:spcAft>
+              <a:defRPr sz="1500">
+                <a:solidFill>
+                  <a:srgbClr val="FFFFFF"/>
+                </a:solidFill>
+                <a:latin typeface="Segoe UI" panose="020B0502040204020203"/>
+              </a:defRPr>
+            </a:pPr>
+            <a:r>
+              <a:t>• VS Code Extension : Playwright Test for VSCode</a:t>
+            </a:r>
+          </a:p>
+          <a:p>
+            <a:pPr>
+              <a:spcAft>
+                <a:spcPts val="800"/>
+              </a:spcAft>
+              <a:defRPr sz="1500">
+                <a:solidFill>
+                  <a:srgbClr val="FFFFFF"/>
+                </a:solidFill>
+                <a:latin typeface="Segoe UI" panose="020B0502040204020203"/>
+              </a:defRPr>
+            </a:pPr>
+            <a:r>
+              <a:t>• Playwright Inspector : Débogage pas à pas</a:t>
             </a:r>
           </a:p>
         </p:txBody>
@@ -10377,6 +11042,102 @@
             </a:pPr>
             <a:r>
               <a:t>• Isolation parfaite des tests</a:t>
+            </a:r>
+          </a:p>
+        </p:txBody>
+      </p:sp>
+    </p:spTree>
+  </p:cSld>
+  <p:clrMapOvr>
+    <a:masterClrMapping/>
+  </p:clrMapOvr>
+</p:sld>
+</file>
+
+<file path=ppt/slides/slide30.xml><?xml version="1.0" encoding="utf-8"?>
+<p:sld xmlns:a="http://schemas.openxmlformats.org/drawingml/2006/main" xmlns:r="http://schemas.openxmlformats.org/officeDocument/2006/relationships" xmlns:p="http://schemas.openxmlformats.org/presentationml/2006/main">
+  <p:cSld>
+    <p:bg>
+      <p:bgPr>
+        <a:solidFill>
+          <a:srgbClr val="1A1A2E"/>
+        </a:solidFill>
+        <a:effectLst/>
+      </p:bgPr>
+    </p:bg>
+    <p:spTree>
+      <p:nvGrpSpPr>
+        <p:cNvPr id="1" name=""/>
+        <p:cNvGrpSpPr/>
+        <p:nvPr/>
+      </p:nvGrpSpPr>
+      <p:grpSpPr/>
+      <p:sp>
+        <p:nvSpPr>
+          <p:cNvPr id="2" name="TextBox 1"/>
+          <p:cNvSpPr txBox="1"/>
+          <p:nvPr/>
+        </p:nvSpPr>
+        <p:spPr>
+          <a:xfrm>
+            <a:off x="457200" y="2286000"/>
+            <a:ext cx="8051800" cy="2283460"/>
+          </a:xfrm>
+          <a:prstGeom prst="rect">
+            <a:avLst/>
+          </a:prstGeom>
+          <a:noFill/>
+        </p:spPr>
+        <p:txBody>
+          <a:bodyPr wrap="none">
+            <a:noAutofit/>
+          </a:bodyPr>
+          <a:lstStyle/>
+          <a:p>
+            <a:pPr>
+              <a:defRPr sz="6000" b="1">
+                <a:solidFill>
+                  <a:srgbClr val="2EAD33"/>
+                </a:solidFill>
+                <a:latin typeface="Segoe UI" panose="020B0502040204020203"/>
+              </a:defRPr>
+            </a:pPr>
+            <a:r>
+              <a:t>🙏 </a:t>
+            </a:r>
+            <a:r>
+              <a:rPr lang="en-US"/>
+              <a:t> </a:t>
+            </a:r>
+            <a:r>
+              <a:rPr>
+                <a:solidFill>
+                  <a:srgbClr val="2EAD33"/>
+                </a:solidFill>
+              </a:rPr>
+              <a:t>Merci </a:t>
+            </a:r>
+            <a:r>
+              <a:rPr lang="en-US"/>
+              <a:t>Pour Votre </a:t>
+            </a:r>
+            <a:endParaRPr lang="en-US"/>
+          </a:p>
+          <a:p>
+            <a:pPr algn="ctr">
+              <a:defRPr sz="6000" b="1">
+                <a:solidFill>
+                  <a:srgbClr val="2EAD33"/>
+                </a:solidFill>
+                <a:latin typeface="Segoe UI" panose="020B0502040204020203"/>
+              </a:defRPr>
+            </a:pPr>
+            <a:r>
+              <a:rPr lang="en-US"/>
+              <a:t>Attention</a:t>
+            </a:r>
+            <a:r>
+              <a:t>!</a:t>
             </a:r>
           </a:p>
         </p:txBody>
@@ -11014,6 +11775,56 @@
         <p:nvPr/>
       </p:nvGrpSpPr>
       <p:grpSpPr/>
+      <p:pic>
+        <p:nvPicPr>
+          <p:cNvPr id="4" name="Picture 3"/>
+          <p:cNvPicPr>
+            <a:picLocks noChangeAspect="1"/>
+          </p:cNvPicPr>
+          <p:nvPr/>
+        </p:nvPicPr>
+        <p:blipFill>
+          <a:blip r:embed="rId1"/>
+          <a:stretch>
+            <a:fillRect/>
+          </a:stretch>
+        </p:blipFill>
+        <p:spPr>
+          <a:xfrm>
+            <a:off x="85725" y="1390015"/>
+            <a:ext cx="8973185" cy="3509645"/>
+          </a:xfrm>
+          <a:prstGeom prst="rect">
+            <a:avLst/>
+          </a:prstGeom>
+        </p:spPr>
+      </p:pic>
+    </p:spTree>
+  </p:cSld>
+  <p:clrMapOvr>
+    <a:masterClrMapping/>
+  </p:clrMapOvr>
+</p:sld>
+</file>
+
+<file path=ppt/slides/slide6.xml><?xml version="1.0" encoding="utf-8"?>
+<p:sld xmlns:a="http://schemas.openxmlformats.org/drawingml/2006/main" xmlns:r="http://schemas.openxmlformats.org/officeDocument/2006/relationships" xmlns:p="http://schemas.openxmlformats.org/presentationml/2006/main">
+  <p:cSld>
+    <p:bg>
+      <p:bgPr>
+        <a:solidFill>
+          <a:srgbClr val="1A1A2E"/>
+        </a:solidFill>
+        <a:effectLst/>
+      </p:bgPr>
+    </p:bg>
+    <p:spTree>
+      <p:nvGrpSpPr>
+        <p:cNvPr id="1" name=""/>
+        <p:cNvGrpSpPr/>
+        <p:nvPr/>
+      </p:nvGrpSpPr>
+      <p:grpSpPr/>
       <p:sp>
         <p:nvSpPr>
           <p:cNvPr id="2" name="TextBox 1"/>
@@ -11341,7 +12152,7 @@
 </p:sld>
 </file>
 
-<file path=ppt/slides/slide6.xml><?xml version="1.0" encoding="utf-8"?>
+<file path=ppt/slides/slide7.xml><?xml version="1.0" encoding="utf-8"?>
 <p:sld xmlns:a="http://schemas.openxmlformats.org/drawingml/2006/main" xmlns:r="http://schemas.openxmlformats.org/officeDocument/2006/relationships" xmlns:p="http://schemas.openxmlformats.org/presentationml/2006/main">
   <p:cSld>
     <p:bg>
@@ -11668,7 +12479,7 @@
 </p:sld>
 </file>
 
-<file path=ppt/slides/slide7.xml><?xml version="1.0" encoding="utf-8"?>
+<file path=ppt/slides/slide8.xml><?xml version="1.0" encoding="utf-8"?>
 <p:sld xmlns:a="http://schemas.openxmlformats.org/drawingml/2006/main" xmlns:r="http://schemas.openxmlformats.org/officeDocument/2006/relationships" xmlns:p="http://schemas.openxmlformats.org/presentationml/2006/main">
   <p:cSld>
     <p:bg>
@@ -11780,8 +12591,8 @@
         </p:nvSpPr>
         <p:spPr>
           <a:xfrm>
-            <a:off x="640080" y="1554480"/>
-            <a:ext cx="7863840" cy="2834640"/>
+            <a:off x="640080" y="1990090"/>
+            <a:ext cx="7863840" cy="1753235"/>
           </a:xfrm>
           <a:prstGeom prst="rect">
             <a:avLst/>
@@ -11831,12 +12642,15 @@
             </a:r>
             <a:br/>
             <a:r>
-              <a:t>├── playwright-report/      # Rapports HTML générés</a:t>
-            </a:r>
-            <a:br/>
-            <a:r>
-              <a:t>└── test-results/           # Résultats des tests (traces, screenshots)</a:t>
-            </a:r>
+              <a:rPr>
+                <a:sym typeface="+mn-ea"/>
+              </a:rPr>
+              <a:t>└── </a:t>
+            </a:r>
+            <a:r>
+              <a:t> playwright-report/      # Rapports HTML générés</a:t>
+            </a:r>
+            <a:br/>
           </a:p>
         </p:txBody>
       </p:sp>
@@ -11948,7 +12762,7 @@
 </p:sld>
 </file>
 
-<file path=ppt/slides/slide8.xml><?xml version="1.0" encoding="utf-8"?>
+<file path=ppt/slides/slide9.xml><?xml version="1.0" encoding="utf-8"?>
 <p:sld xmlns:a="http://schemas.openxmlformats.org/drawingml/2006/main" xmlns:r="http://schemas.openxmlformats.org/officeDocument/2006/relationships" xmlns:p="http://schemas.openxmlformats.org/presentationml/2006/main">
   <p:cSld>
     <p:bg>
@@ -12154,238 +12968,6 @@
             <a:br/>
             <a:r>
               <a:t>    ],</a:t>
-            </a:r>
-            <a:br/>
-            <a:r>
-              <a:t>});</a:t>
-            </a:r>
-          </a:p>
-        </p:txBody>
-      </p:sp>
-    </p:spTree>
-  </p:cSld>
-  <p:clrMapOvr>
-    <a:masterClrMapping/>
-  </p:clrMapOvr>
-</p:sld>
-</file>
-
-<file path=ppt/slides/slide9.xml><?xml version="1.0" encoding="utf-8"?>
-<p:sld xmlns:a="http://schemas.openxmlformats.org/drawingml/2006/main" xmlns:r="http://schemas.openxmlformats.org/officeDocument/2006/relationships" xmlns:p="http://schemas.openxmlformats.org/presentationml/2006/main">
-  <p:cSld>
-    <p:bg>
-      <p:bgPr>
-        <a:solidFill>
-          <a:srgbClr val="1A1A2E"/>
-        </a:solidFill>
-        <a:effectLst/>
-      </p:bgPr>
-    </p:bg>
-    <p:spTree>
-      <p:nvGrpSpPr>
-        <p:cNvPr id="1" name=""/>
-        <p:cNvGrpSpPr/>
-        <p:nvPr/>
-      </p:nvGrpSpPr>
-      <p:grpSpPr/>
-      <p:sp>
-        <p:nvSpPr>
-          <p:cNvPr id="2" name="TextBox 1"/>
-          <p:cNvSpPr txBox="1"/>
-          <p:nvPr/>
-        </p:nvSpPr>
-        <p:spPr>
-          <a:xfrm>
-            <a:off x="457200" y="457200"/>
-            <a:ext cx="8509000" cy="645160"/>
-          </a:xfrm>
-          <a:prstGeom prst="rect">
-            <a:avLst/>
-          </a:prstGeom>
-          <a:noFill/>
-        </p:spPr>
-        <p:txBody>
-          <a:bodyPr wrap="none">
-            <a:spAutoFit/>
-          </a:bodyPr>
-          <a:lstStyle/>
-          <a:p>
-            <a:pPr>
-              <a:defRPr sz="3600" b="1">
-                <a:solidFill>
-                  <a:srgbClr val="FFFFFF"/>
-                </a:solidFill>
-                <a:latin typeface="Segoe UI" panose="020B0502040204020203"/>
-              </a:defRPr>
-            </a:pPr>
-            <a:r>
-              <a:rPr>
-                <a:solidFill>
-                  <a:srgbClr val="2EAD33"/>
-                </a:solidFill>
-              </a:rPr>
-              <a:t>3 Mode d'Utilisation - Écriture de Tests</a:t>
-            </a:r>
-            <a:endParaRPr>
-              <a:solidFill>
-                <a:srgbClr val="2EAD33"/>
-              </a:solidFill>
-            </a:endParaRPr>
-          </a:p>
-        </p:txBody>
-      </p:sp>
-      <p:sp>
-        <p:nvSpPr>
-          <p:cNvPr id="3" name="Rounded Rectangle 2"/>
-          <p:cNvSpPr/>
-          <p:nvPr/>
-        </p:nvSpPr>
-        <p:spPr>
-          <a:xfrm>
-            <a:off x="457200" y="1188720"/>
-            <a:ext cx="8229600" cy="5029200"/>
-          </a:xfrm>
-          <a:prstGeom prst="roundRect">
-            <a:avLst/>
-          </a:prstGeom>
-          <a:solidFill>
-            <a:srgbClr val="2D2D3A"/>
-          </a:solidFill>
-          <a:ln>
-            <a:noFill/>
-          </a:ln>
-        </p:spPr>
-        <p:style>
-          <a:lnRef idx="1">
-            <a:schemeClr val="accent1"/>
-          </a:lnRef>
-          <a:fillRef idx="3">
-            <a:schemeClr val="accent1"/>
-          </a:fillRef>
-          <a:effectRef idx="2">
-            <a:schemeClr val="accent1"/>
-          </a:effectRef>
-          <a:fontRef idx="minor">
-            <a:schemeClr val="lt1"/>
-          </a:fontRef>
-        </p:style>
-        <p:txBody>
-          <a:bodyPr rtlCol="0" anchor="ctr"/>
-          <a:lstStyle/>
-          <a:p>
-            <a:pPr algn="ctr"/>
-          </a:p>
-        </p:txBody>
-      </p:sp>
-      <p:sp>
-        <p:nvSpPr>
-          <p:cNvPr id="4" name="TextBox 3"/>
-          <p:cNvSpPr txBox="1"/>
-          <p:nvPr/>
-        </p:nvSpPr>
-        <p:spPr>
-          <a:xfrm>
-            <a:off x="640080" y="1371600"/>
-            <a:ext cx="7863840" cy="4663440"/>
-          </a:xfrm>
-          <a:prstGeom prst="rect">
-            <a:avLst/>
-          </a:prstGeom>
-          <a:noFill/>
-        </p:spPr>
-        <p:txBody>
-          <a:bodyPr wrap="square">
-            <a:spAutoFit/>
-          </a:bodyPr>
-          <a:lstStyle/>
-          <a:p>
-            <a:pPr>
-              <a:defRPr sz="1200">
-                <a:solidFill>
-                  <a:srgbClr val="A0E0A0"/>
-                </a:solidFill>
-                <a:latin typeface="Consolas" panose="020B0609020204030204"/>
-              </a:defRPr>
-            </a:pPr>
-            <a:r>
-              <a:t>import { test, expect } from '@playwright/test';</a:t>
-            </a:r>
-            <a:br/>
-            <a:br/>
-            <a:r>
-              <a:t>test.describe('Tests de Connexion', () =&gt; {</a:t>
-            </a:r>
-            <a:br/>
-            <a:r>
-              <a:t>    </a:t>
-            </a:r>
-            <a:br/>
-            <a:r>
-              <a:t>    test('connexion avec identifiants valides', async ({ page }) =&gt; {</a:t>
-            </a:r>
-            <a:br/>
-            <a:r>
-              <a:t>        // Navigation vers la page de login</a:t>
-            </a:r>
-            <a:br/>
-            <a:r>
-              <a:t>        await page.goto('/login');</a:t>
-            </a:r>
-            <a:br/>
-            <a:r>
-              <a:t>        </a:t>
-            </a:r>
-            <a:br/>
-            <a:r>
-              <a:t>        // Remplir le formulaire</a:t>
-            </a:r>
-            <a:br/>
-            <a:r>
-              <a:t>        await page.fill('input#email', 'user@example.com');</a:t>
-            </a:r>
-            <a:br/>
-            <a:r>
-              <a:t>        await page.fill('input#password', 'password123');</a:t>
-            </a:r>
-            <a:br/>
-            <a:r>
-              <a:t>        </a:t>
-            </a:r>
-            <a:br/>
-            <a:r>
-              <a:t>        // Cliquer sur le bouton de connexion</a:t>
-            </a:r>
-            <a:br/>
-            <a:r>
-              <a:t>        await page.click('button#loginButton');</a:t>
-            </a:r>
-            <a:br/>
-            <a:r>
-              <a:t>        </a:t>
-            </a:r>
-            <a:br/>
-            <a:r>
-              <a:t>        // Vérifier la redirection</a:t>
-            </a:r>
-            <a:br/>
-            <a:r>
-              <a:t>        await expect(page).toHaveURL('/dashboard');</a:t>
-            </a:r>
-            <a:br/>
-            <a:r>
-              <a:t>        </a:t>
-            </a:r>
-            <a:br/>
-            <a:r>
-              <a:t>        // Vérifier le message de bienvenue</a:t>
-            </a:r>
-            <a:br/>
-            <a:r>
-              <a:t>        await expect(page.locator('.welcome')).toContainText('Bienvenue');</a:t>
-            </a:r>
-            <a:br/>
-            <a:r>
-              <a:t>    });</a:t>
             </a:r>
             <a:br/>
             <a:r>
@@ -12724,4 +13306,522 @@
     </a:ext>
   </a:extLst>
 </a:theme>
+</file>
+
+<file path=ppt/theme/theme2.xml><?xml version="1.0" encoding="utf-8"?>
+<a:theme xmlns:a="http://schemas.openxmlformats.org/drawingml/2006/main" name="Office Theme">
+  <a:themeElements>
+    <a:clrScheme name="Office">
+      <a:dk1>
+        <a:sysClr val="windowText" lastClr="000000"/>
+      </a:dk1>
+      <a:lt1>
+        <a:sysClr val="window" lastClr="FFFFFF"/>
+      </a:lt1>
+      <a:dk2>
+        <a:srgbClr val="44546A"/>
+      </a:dk2>
+      <a:lt2>
+        <a:srgbClr val="E7E6E6"/>
+      </a:lt2>
+      <a:accent1>
+        <a:srgbClr val="5B9BD5"/>
+      </a:accent1>
+      <a:accent2>
+        <a:srgbClr val="ED7D31"/>
+      </a:accent2>
+      <a:accent3>
+        <a:srgbClr val="A5A5A5"/>
+      </a:accent3>
+      <a:accent4>
+        <a:srgbClr val="FFC000"/>
+      </a:accent4>
+      <a:accent5>
+        <a:srgbClr val="4472C4"/>
+      </a:accent5>
+      <a:accent6>
+        <a:srgbClr val="70AD47"/>
+      </a:accent6>
+      <a:hlink>
+        <a:srgbClr val="0563C1"/>
+      </a:hlink>
+      <a:folHlink>
+        <a:srgbClr val="954F72"/>
+      </a:folHlink>
+    </a:clrScheme>
+    <a:fontScheme name="Office">
+      <a:majorFont>
+        <a:latin typeface="Calibri Light"/>
+        <a:ea typeface=""/>
+        <a:cs typeface=""/>
+        <a:font script="Jpan" typeface="ＭＳ Ｐゴシック"/>
+        <a:font script="Hang" typeface="맑은 고딕"/>
+        <a:font script="Hans" typeface="宋体"/>
+        <a:font script="Hant" typeface="新細明體"/>
+        <a:font script="Arab" typeface="Times New Roman"/>
+        <a:font script="Hebr" typeface="Times New Roman"/>
+        <a:font script="Thai" typeface="Angsana New"/>
+        <a:font script="Ethi" typeface="Nyala"/>
+        <a:font script="Beng" typeface="Vrinda"/>
+        <a:font script="Gujr" typeface="Shruti"/>
+        <a:font script="Khmr" typeface="MoolBoran"/>
+        <a:font script="Knda" typeface="Tunga"/>
+        <a:font script="Guru" typeface="Raavi"/>
+        <a:font script="Cans" typeface="Euphemia"/>
+        <a:font script="Cher" typeface="Plantagenet Cherokee"/>
+        <a:font script="Yiii" typeface="Microsoft Yi Baiti"/>
+        <a:font script="Tibt" typeface="Microsoft Himalaya"/>
+        <a:font script="Thaa" typeface="MV Boli"/>
+        <a:font script="Deva" typeface="Mangal"/>
+        <a:font script="Telu" typeface="Gautami"/>
+        <a:font script="Taml" typeface="Latha"/>
+        <a:font script="Syrc" typeface="Estrangelo Edessa"/>
+        <a:font script="Orya" typeface="Kalinga"/>
+        <a:font script="Mlym" typeface="Kartika"/>
+        <a:font script="Laoo" typeface="DokChampa"/>
+        <a:font script="Sinh" typeface="Iskoola Pota"/>
+        <a:font script="Mong" typeface="Mongolian Baiti"/>
+        <a:font script="Viet" typeface="Times New Roman"/>
+        <a:font script="Uigh" typeface="Microsoft Uighur"/>
+        <a:font script="Geor" typeface="Sylfaen"/>
+      </a:majorFont>
+      <a:minorFont>
+        <a:latin typeface="Calibri"/>
+        <a:ea typeface=""/>
+        <a:cs typeface=""/>
+        <a:font script="Jpan" typeface="ＭＳ Ｐゴシック"/>
+        <a:font script="Hang" typeface="맑은 고딕"/>
+        <a:font script="Hans" typeface="宋体"/>
+        <a:font script="Hant" typeface="新細明體"/>
+        <a:font script="Arab" typeface="Arial"/>
+        <a:font script="Hebr" typeface="Arial"/>
+        <a:font script="Thai" typeface="Cordia New"/>
+        <a:font script="Ethi" typeface="Nyala"/>
+        <a:font script="Beng" typeface="Vrinda"/>
+        <a:font script="Gujr" typeface="Shruti"/>
+        <a:font script="Khmr" typeface="DaunPenh"/>
+        <a:font script="Knda" typeface="Tunga"/>
+        <a:font script="Guru" typeface="Raavi"/>
+        <a:font script="Cans" typeface="Euphemia"/>
+        <a:font script="Cher" typeface="Plantagenet Cherokee"/>
+        <a:font script="Yiii" typeface="Microsoft Yi Baiti"/>
+        <a:font script="Tibt" typeface="Microsoft Himalaya"/>
+        <a:font script="Thaa" typeface="MV Boli"/>
+        <a:font script="Deva" typeface="Mangal"/>
+        <a:font script="Telu" typeface="Gautami"/>
+        <a:font script="Taml" typeface="Latha"/>
+        <a:font script="Syrc" typeface="Estrangelo Edessa"/>
+        <a:font script="Orya" typeface="Kalinga"/>
+        <a:font script="Mlym" typeface="Kartika"/>
+        <a:font script="Laoo" typeface="DokChampa"/>
+        <a:font script="Sinh" typeface="Iskoola Pota"/>
+        <a:font script="Mong" typeface="Mongolian Baiti"/>
+        <a:font script="Viet" typeface="Arial"/>
+        <a:font script="Uigh" typeface="Microsoft Uighur"/>
+        <a:font script="Geor" typeface="Sylfaen"/>
+      </a:minorFont>
+    </a:fontScheme>
+    <a:fmtScheme name="Office">
+      <a:fillStyleLst>
+        <a:solidFill>
+          <a:schemeClr val="phClr"/>
+        </a:solidFill>
+        <a:gradFill rotWithShape="1">
+          <a:gsLst>
+            <a:gs pos="0">
+              <a:schemeClr val="phClr">
+                <a:lumMod val="110000"/>
+                <a:satMod val="105000"/>
+                <a:tint val="67000"/>
+              </a:schemeClr>
+            </a:gs>
+            <a:gs pos="50000">
+              <a:schemeClr val="phClr">
+                <a:lumMod val="105000"/>
+                <a:satMod val="103000"/>
+                <a:tint val="73000"/>
+              </a:schemeClr>
+            </a:gs>
+            <a:gs pos="100000">
+              <a:schemeClr val="phClr">
+                <a:lumMod val="105000"/>
+                <a:satMod val="109000"/>
+                <a:tint val="81000"/>
+              </a:schemeClr>
+            </a:gs>
+          </a:gsLst>
+          <a:lin ang="5400000" scaled="0"/>
+        </a:gradFill>
+        <a:gradFill rotWithShape="1">
+          <a:gsLst>
+            <a:gs pos="0">
+              <a:schemeClr val="phClr">
+                <a:satMod val="103000"/>
+                <a:lumMod val="102000"/>
+                <a:tint val="94000"/>
+              </a:schemeClr>
+            </a:gs>
+            <a:gs pos="50000">
+              <a:schemeClr val="phClr">
+                <a:satMod val="110000"/>
+                <a:lumMod val="100000"/>
+                <a:shade val="100000"/>
+              </a:schemeClr>
+            </a:gs>
+            <a:gs pos="100000">
+              <a:schemeClr val="phClr">
+                <a:lumMod val="99000"/>
+                <a:satMod val="120000"/>
+                <a:shade val="78000"/>
+              </a:schemeClr>
+            </a:gs>
+          </a:gsLst>
+          <a:lin ang="5400000" scaled="0"/>
+        </a:gradFill>
+      </a:fillStyleLst>
+      <a:lnStyleLst>
+        <a:ln w="6350" cap="flat" cmpd="sng" algn="ctr">
+          <a:solidFill>
+            <a:schemeClr val="phClr"/>
+          </a:solidFill>
+          <a:prstDash val="solid"/>
+          <a:miter lim="800000"/>
+        </a:ln>
+        <a:ln w="12700" cap="flat" cmpd="sng" algn="ctr">
+          <a:solidFill>
+            <a:schemeClr val="phClr"/>
+          </a:solidFill>
+          <a:prstDash val="solid"/>
+          <a:miter lim="800000"/>
+        </a:ln>
+        <a:ln w="19050" cap="flat" cmpd="sng" algn="ctr">
+          <a:solidFill>
+            <a:schemeClr val="phClr"/>
+          </a:solidFill>
+          <a:prstDash val="solid"/>
+          <a:miter lim="800000"/>
+        </a:ln>
+      </a:lnStyleLst>
+      <a:effectStyleLst>
+        <a:effectStyle>
+          <a:effectLst/>
+        </a:effectStyle>
+        <a:effectStyle>
+          <a:effectLst/>
+        </a:effectStyle>
+        <a:effectStyle>
+          <a:effectLst>
+            <a:outerShdw blurRad="57150" dist="19050" dir="5400000" algn="ctr" rotWithShape="0">
+              <a:srgbClr val="000000">
+                <a:alpha val="63000"/>
+              </a:srgbClr>
+            </a:outerShdw>
+          </a:effectLst>
+        </a:effectStyle>
+      </a:effectStyleLst>
+      <a:bgFillStyleLst>
+        <a:solidFill>
+          <a:schemeClr val="phClr"/>
+        </a:solidFill>
+        <a:solidFill>
+          <a:schemeClr val="phClr">
+            <a:tint val="95000"/>
+            <a:satMod val="170000"/>
+          </a:schemeClr>
+        </a:solidFill>
+        <a:gradFill rotWithShape="1">
+          <a:gsLst>
+            <a:gs pos="0">
+              <a:schemeClr val="phClr">
+                <a:tint val="93000"/>
+                <a:satMod val="150000"/>
+                <a:shade val="98000"/>
+                <a:lumMod val="102000"/>
+              </a:schemeClr>
+            </a:gs>
+            <a:gs pos="50000">
+              <a:schemeClr val="phClr">
+                <a:tint val="98000"/>
+                <a:satMod val="130000"/>
+                <a:shade val="90000"/>
+                <a:lumMod val="103000"/>
+              </a:schemeClr>
+            </a:gs>
+            <a:gs pos="100000">
+              <a:schemeClr val="phClr">
+                <a:shade val="63000"/>
+                <a:satMod val="120000"/>
+              </a:schemeClr>
+            </a:gs>
+          </a:gsLst>
+          <a:lin ang="5400000" scaled="0"/>
+        </a:gradFill>
+      </a:bgFillStyleLst>
+    </a:fmtScheme>
+  </a:themeElements>
+  <a:extLst>
+    <a:ext uri="{05A4C25C-085E-4340-85A3-A5531E510DB2}">
+      <thm15:themeFamily xmlns:thm15="http://schemas.microsoft.com/office/thememl/2012/main" name="Office Theme" id="{62F939B6-93AF-4DB8-9C6B-D6C7DFDC589F}" vid="{4A3C46E8-61CC-4603-A589-7422A47A8E4A}"/>
+    </a:ext>
+  </a:extLst>
+</a:theme>
+</file>
+
+<file path=ppt/theme/theme3.xml><?xml version="1.0" encoding="utf-8"?>
+<a:theme xmlns:a="http://schemas.openxmlformats.org/drawingml/2006/main" name="Office Theme">
+  <a:themeElements>
+    <a:clrScheme name="Office">
+      <a:dk1>
+        <a:sysClr val="windowText" lastClr="000000"/>
+      </a:dk1>
+      <a:lt1>
+        <a:sysClr val="window" lastClr="FFFFFF"/>
+      </a:lt1>
+      <a:dk2>
+        <a:srgbClr val="44546A"/>
+      </a:dk2>
+      <a:lt2>
+        <a:srgbClr val="E7E6E6"/>
+      </a:lt2>
+      <a:accent1>
+        <a:srgbClr val="5B9BD5"/>
+      </a:accent1>
+      <a:accent2>
+        <a:srgbClr val="ED7D31"/>
+      </a:accent2>
+      <a:accent3>
+        <a:srgbClr val="A5A5A5"/>
+      </a:accent3>
+      <a:accent4>
+        <a:srgbClr val="FFC000"/>
+      </a:accent4>
+      <a:accent5>
+        <a:srgbClr val="4472C4"/>
+      </a:accent5>
+      <a:accent6>
+        <a:srgbClr val="70AD47"/>
+      </a:accent6>
+      <a:hlink>
+        <a:srgbClr val="0563C1"/>
+      </a:hlink>
+      <a:folHlink>
+        <a:srgbClr val="954F72"/>
+      </a:folHlink>
+    </a:clrScheme>
+    <a:fontScheme name="Office">
+      <a:majorFont>
+        <a:latin typeface="Calibri Light"/>
+        <a:ea typeface=""/>
+        <a:cs typeface=""/>
+        <a:font script="Jpan" typeface="ＭＳ Ｐゴシック"/>
+        <a:font script="Hang" typeface="맑은 고딕"/>
+        <a:font script="Hans" typeface="宋体"/>
+        <a:font script="Hant" typeface="新細明體"/>
+        <a:font script="Arab" typeface="Times New Roman"/>
+        <a:font script="Hebr" typeface="Times New Roman"/>
+        <a:font script="Thai" typeface="Angsana New"/>
+        <a:font script="Ethi" typeface="Nyala"/>
+        <a:font script="Beng" typeface="Vrinda"/>
+        <a:font script="Gujr" typeface="Shruti"/>
+        <a:font script="Khmr" typeface="MoolBoran"/>
+        <a:font script="Knda" typeface="Tunga"/>
+        <a:font script="Guru" typeface="Raavi"/>
+        <a:font script="Cans" typeface="Euphemia"/>
+        <a:font script="Cher" typeface="Plantagenet Cherokee"/>
+        <a:font script="Yiii" typeface="Microsoft Yi Baiti"/>
+        <a:font script="Tibt" typeface="Microsoft Himalaya"/>
+        <a:font script="Thaa" typeface="MV Boli"/>
+        <a:font script="Deva" typeface="Mangal"/>
+        <a:font script="Telu" typeface="Gautami"/>
+        <a:font script="Taml" typeface="Latha"/>
+        <a:font script="Syrc" typeface="Estrangelo Edessa"/>
+        <a:font script="Orya" typeface="Kalinga"/>
+        <a:font script="Mlym" typeface="Kartika"/>
+        <a:font script="Laoo" typeface="DokChampa"/>
+        <a:font script="Sinh" typeface="Iskoola Pota"/>
+        <a:font script="Mong" typeface="Mongolian Baiti"/>
+        <a:font script="Viet" typeface="Times New Roman"/>
+        <a:font script="Uigh" typeface="Microsoft Uighur"/>
+        <a:font script="Geor" typeface="Sylfaen"/>
+      </a:majorFont>
+      <a:minorFont>
+        <a:latin typeface="Calibri"/>
+        <a:ea typeface=""/>
+        <a:cs typeface=""/>
+        <a:font script="Jpan" typeface="ＭＳ Ｐゴシック"/>
+        <a:font script="Hang" typeface="맑은 고딕"/>
+        <a:font script="Hans" typeface="宋体"/>
+        <a:font script="Hant" typeface="新細明體"/>
+        <a:font script="Arab" typeface="Arial"/>
+        <a:font script="Hebr" typeface="Arial"/>
+        <a:font script="Thai" typeface="Cordia New"/>
+        <a:font script="Ethi" typeface="Nyala"/>
+        <a:font script="Beng" typeface="Vrinda"/>
+        <a:font script="Gujr" typeface="Shruti"/>
+        <a:font script="Khmr" typeface="DaunPenh"/>
+        <a:font script="Knda" typeface="Tunga"/>
+        <a:font script="Guru" typeface="Raavi"/>
+        <a:font script="Cans" typeface="Euphemia"/>
+        <a:font script="Cher" typeface="Plantagenet Cherokee"/>
+        <a:font script="Yiii" typeface="Microsoft Yi Baiti"/>
+        <a:font script="Tibt" typeface="Microsoft Himalaya"/>
+        <a:font script="Thaa" typeface="MV Boli"/>
+        <a:font script="Deva" typeface="Mangal"/>
+        <a:font script="Telu" typeface="Gautami"/>
+        <a:font script="Taml" typeface="Latha"/>
+        <a:font script="Syrc" typeface="Estrangelo Edessa"/>
+        <a:font script="Orya" typeface="Kalinga"/>
+        <a:font script="Mlym" typeface="Kartika"/>
+        <a:font script="Laoo" typeface="DokChampa"/>
+        <a:font script="Sinh" typeface="Iskoola Pota"/>
+        <a:font script="Mong" typeface="Mongolian Baiti"/>
+        <a:font script="Viet" typeface="Arial"/>
+        <a:font script="Uigh" typeface="Microsoft Uighur"/>
+        <a:font script="Geor" typeface="Sylfaen"/>
+      </a:minorFont>
+    </a:fontScheme>
+    <a:fmtScheme name="Office">
+      <a:fillStyleLst>
+        <a:solidFill>
+          <a:schemeClr val="phClr"/>
+        </a:solidFill>
+        <a:gradFill rotWithShape="1">
+          <a:gsLst>
+            <a:gs pos="0">
+              <a:schemeClr val="phClr">
+                <a:lumMod val="110000"/>
+                <a:satMod val="105000"/>
+                <a:tint val="67000"/>
+              </a:schemeClr>
+            </a:gs>
+            <a:gs pos="50000">
+              <a:schemeClr val="phClr">
+                <a:lumMod val="105000"/>
+                <a:satMod val="103000"/>
+                <a:tint val="73000"/>
+              </a:schemeClr>
+            </a:gs>
+            <a:gs pos="100000">
+              <a:schemeClr val="phClr">
+                <a:lumMod val="105000"/>
+                <a:satMod val="109000"/>
+                <a:tint val="81000"/>
+              </a:schemeClr>
+            </a:gs>
+          </a:gsLst>
+          <a:lin ang="5400000" scaled="0"/>
+        </a:gradFill>
+        <a:gradFill rotWithShape="1">
+          <a:gsLst>
+            <a:gs pos="0">
+              <a:schemeClr val="phClr">
+                <a:satMod val="103000"/>
+                <a:lumMod val="102000"/>
+                <a:tint val="94000"/>
+              </a:schemeClr>
+            </a:gs>
+            <a:gs pos="50000">
+              <a:schemeClr val="phClr">
+                <a:satMod val="110000"/>
+                <a:lumMod val="100000"/>
+                <a:shade val="100000"/>
+              </a:schemeClr>
+            </a:gs>
+            <a:gs pos="100000">
+              <a:schemeClr val="phClr">
+                <a:lumMod val="99000"/>
+                <a:satMod val="120000"/>
+                <a:shade val="78000"/>
+              </a:schemeClr>
+            </a:gs>
+          </a:gsLst>
+          <a:lin ang="5400000" scaled="0"/>
+        </a:gradFill>
+      </a:fillStyleLst>
+      <a:lnStyleLst>
+        <a:ln w="6350" cap="flat" cmpd="sng" algn="ctr">
+          <a:solidFill>
+            <a:schemeClr val="phClr"/>
+          </a:solidFill>
+          <a:prstDash val="solid"/>
+          <a:miter lim="800000"/>
+        </a:ln>
+        <a:ln w="12700" cap="flat" cmpd="sng" algn="ctr">
+          <a:solidFill>
+            <a:schemeClr val="phClr"/>
+          </a:solidFill>
+          <a:prstDash val="solid"/>
+          <a:miter lim="800000"/>
+        </a:ln>
+        <a:ln w="19050" cap="flat" cmpd="sng" algn="ctr">
+          <a:solidFill>
+            <a:schemeClr val="phClr"/>
+          </a:solidFill>
+          <a:prstDash val="solid"/>
+          <a:miter lim="800000"/>
+        </a:ln>
+      </a:lnStyleLst>
+      <a:effectStyleLst>
+        <a:effectStyle>
+          <a:effectLst/>
+        </a:effectStyle>
+        <a:effectStyle>
+          <a:effectLst/>
+        </a:effectStyle>
+        <a:effectStyle>
+          <a:effectLst>
+            <a:outerShdw blurRad="57150" dist="19050" dir="5400000" algn="ctr" rotWithShape="0">
+              <a:srgbClr val="000000">
+                <a:alpha val="63000"/>
+              </a:srgbClr>
+            </a:outerShdw>
+          </a:effectLst>
+        </a:effectStyle>
+      </a:effectStyleLst>
+      <a:bgFillStyleLst>
+        <a:solidFill>
+          <a:schemeClr val="phClr"/>
+        </a:solidFill>
+        <a:solidFill>
+          <a:schemeClr val="phClr">
+            <a:tint val="95000"/>
+            <a:satMod val="170000"/>
+          </a:schemeClr>
+        </a:solidFill>
+        <a:gradFill rotWithShape="1">
+          <a:gsLst>
+            <a:gs pos="0">
+              <a:schemeClr val="phClr">
+                <a:tint val="93000"/>
+                <a:satMod val="150000"/>
+                <a:shade val="98000"/>
+                <a:lumMod val="102000"/>
+              </a:schemeClr>
+            </a:gs>
+            <a:gs pos="50000">
+              <a:schemeClr val="phClr">
+                <a:tint val="98000"/>
+                <a:satMod val="130000"/>
+                <a:shade val="90000"/>
+                <a:lumMod val="103000"/>
+              </a:schemeClr>
+            </a:gs>
+            <a:gs pos="100000">
+              <a:schemeClr val="phClr">
+                <a:shade val="63000"/>
+                <a:satMod val="120000"/>
+              </a:schemeClr>
+            </a:gs>
+          </a:gsLst>
+          <a:lin ang="5400000" scaled="0"/>
+        </a:gradFill>
+      </a:bgFillStyleLst>
+    </a:fmtScheme>
+  </a:themeElements>
+  <a:extLst>
+    <a:ext uri="{05A4C25C-085E-4340-85A3-A5531E510DB2}">
+      <thm15:themeFamily xmlns:thm15="http://schemas.microsoft.com/office/thememl/2012/main" name="Office Theme" id="{62F939B6-93AF-4DB8-9C6B-D6C7DFDC589F}" vid="{4A3C46E8-61CC-4603-A589-7422A47A8E4A}"/>
+    </a:ext>
+  </a:extLst>
+</a:theme>
 </file>